--- a/python-powered-excel.pptx
+++ b/python-powered-excel.pptx
@@ -5,7 +5,7 @@
     <p:sldMasterId id="2147483648" r:id="rId1"/>
   </p:sldMasterIdLst>
   <p:notesMasterIdLst>
-    <p:notesMasterId r:id="rId19"/>
+    <p:notesMasterId r:id="rId25"/>
   </p:notesMasterIdLst>
   <p:sldIdLst>
     <p:sldId id="256" r:id="rId2"/>
@@ -19,22 +19,28 @@
     <p:sldId id="405" r:id="rId10"/>
     <p:sldId id="412" r:id="rId11"/>
     <p:sldId id="413" r:id="rId12"/>
-    <p:sldId id="414" r:id="rId13"/>
-    <p:sldId id="406" r:id="rId14"/>
-    <p:sldId id="409" r:id="rId15"/>
-    <p:sldId id="410" r:id="rId16"/>
-    <p:sldId id="416" r:id="rId17"/>
-    <p:sldId id="417" r:id="rId18"/>
+    <p:sldId id="418" r:id="rId13"/>
+    <p:sldId id="419" r:id="rId14"/>
+    <p:sldId id="414" r:id="rId15"/>
+    <p:sldId id="406" r:id="rId16"/>
+    <p:sldId id="409" r:id="rId17"/>
+    <p:sldId id="410" r:id="rId18"/>
+    <p:sldId id="416" r:id="rId19"/>
+    <p:sldId id="420" r:id="rId20"/>
+    <p:sldId id="421" r:id="rId21"/>
+    <p:sldId id="422" r:id="rId22"/>
+    <p:sldId id="423" r:id="rId23"/>
+    <p:sldId id="417" r:id="rId24"/>
   </p:sldIdLst>
   <p:sldSz cx="18288000" cy="10287000"/>
   <p:notesSz cx="6858000" cy="9144000"/>
   <p:embeddedFontLst>
     <p:embeddedFont>
       <p:font typeface="Consolas" panose="020B0609020204030204" pitchFamily="49" charset="0"/>
-      <p:regular r:id="rId20"/>
-      <p:bold r:id="rId21"/>
-      <p:italic r:id="rId22"/>
-      <p:boldItalic r:id="rId23"/>
+      <p:regular r:id="rId26"/>
+      <p:bold r:id="rId27"/>
+      <p:italic r:id="rId28"/>
+      <p:boldItalic r:id="rId29"/>
     </p:embeddedFont>
   </p:embeddedFontLst>
   <p:defaultTextStyle>
@@ -251,7 +257,7 @@
           <a:p>
             <a:fld id="{17A98A70-FA8C-4354-959C-C70678AC9BCF}" type="datetimeFigureOut">
               <a:rPr lang="en-US" smtClean="0"/>
-              <a:t>12/2/2023</a:t>
+              <a:t>1/4/2024</a:t>
             </a:fld>
             <a:endParaRPr lang="en-US"/>
           </a:p>
@@ -602,6 +608,270 @@
 </p:notes>
 </file>
 
+<file path=ppt/notesSlides/notesSlide10.xml><?xml version="1.0" encoding="utf-8"?>
+<p:notes xmlns:a="http://schemas.openxmlformats.org/drawingml/2006/main" xmlns:r="http://schemas.openxmlformats.org/officeDocument/2006/relationships" xmlns:p="http://schemas.openxmlformats.org/presentationml/2006/main">
+  <p:cSld>
+    <p:spTree>
+      <p:nvGrpSpPr>
+        <p:cNvPr id="1" name="">
+          <a:extLst>
+            <a:ext uri="{FF2B5EF4-FFF2-40B4-BE49-F238E27FC236}">
+              <a16:creationId xmlns:a16="http://schemas.microsoft.com/office/drawing/2014/main" id="{6EB2B178-9BF2-6FE4-71B1-D08940B7CF5A}"/>
+            </a:ext>
+          </a:extLst>
+        </p:cNvPr>
+        <p:cNvGrpSpPr/>
+        <p:nvPr/>
+      </p:nvGrpSpPr>
+      <p:grpSpPr>
+        <a:xfrm>
+          <a:off x="0" y="0"/>
+          <a:ext cx="0" cy="0"/>
+          <a:chOff x="0" y="0"/>
+          <a:chExt cx="0" cy="0"/>
+        </a:xfrm>
+      </p:grpSpPr>
+      <p:sp>
+        <p:nvSpPr>
+          <p:cNvPr id="2" name="Slide Image Placeholder 1">
+            <a:extLst>
+              <a:ext uri="{FF2B5EF4-FFF2-40B4-BE49-F238E27FC236}">
+                <a16:creationId xmlns:a16="http://schemas.microsoft.com/office/drawing/2014/main" id="{5CFBB5FA-2773-806B-FC2B-2E67A305699F}"/>
+              </a:ext>
+            </a:extLst>
+          </p:cNvPr>
+          <p:cNvSpPr>
+            <a:spLocks noGrp="1" noRot="1" noChangeAspect="1"/>
+          </p:cNvSpPr>
+          <p:nvPr>
+            <p:ph type="sldImg"/>
+          </p:nvPr>
+        </p:nvSpPr>
+        <p:spPr/>
+      </p:sp>
+      <p:sp>
+        <p:nvSpPr>
+          <p:cNvPr id="3" name="Notes Placeholder 2">
+            <a:extLst>
+              <a:ext uri="{FF2B5EF4-FFF2-40B4-BE49-F238E27FC236}">
+                <a16:creationId xmlns:a16="http://schemas.microsoft.com/office/drawing/2014/main" id="{BF5C56A1-DC22-AF0C-E72D-4D535DA7C58F}"/>
+              </a:ext>
+            </a:extLst>
+          </p:cNvPr>
+          <p:cNvSpPr>
+            <a:spLocks noGrp="1"/>
+          </p:cNvSpPr>
+          <p:nvPr>
+            <p:ph type="body" idx="1"/>
+          </p:nvPr>
+        </p:nvSpPr>
+        <p:spPr/>
+        <p:txBody>
+          <a:bodyPr/>
+          <a:lstStyle/>
+          <a:p>
+            <a:pPr marL="228600" indent="-228600">
+              <a:buAutoNum type="arabicPeriod"/>
+            </a:pPr>
+            <a:r>
+              <a:rPr lang="en-US" dirty="0"/>
+              <a:t>False!</a:t>
+            </a:r>
+          </a:p>
+          <a:p>
+            <a:pPr marL="228600" indent="-228600">
+              <a:buAutoNum type="arabicPeriod"/>
+            </a:pPr>
+            <a:r>
+              <a:rPr lang="en-US" dirty="0"/>
+              <a:t>Function, Formula, Function</a:t>
+            </a:r>
+          </a:p>
+          <a:p>
+            <a:pPr marL="228600" indent="-228600">
+              <a:buAutoNum type="arabicPeriod"/>
+            </a:pPr>
+            <a:r>
+              <a:rPr lang="en-US" dirty="0"/>
+              <a:t>Argument</a:t>
+            </a:r>
+          </a:p>
+        </p:txBody>
+      </p:sp>
+      <p:sp>
+        <p:nvSpPr>
+          <p:cNvPr id="4" name="Slide Number Placeholder 3">
+            <a:extLst>
+              <a:ext uri="{FF2B5EF4-FFF2-40B4-BE49-F238E27FC236}">
+                <a16:creationId xmlns:a16="http://schemas.microsoft.com/office/drawing/2014/main" id="{099270AD-6A83-895A-222F-13E01E65317F}"/>
+              </a:ext>
+            </a:extLst>
+          </p:cNvPr>
+          <p:cNvSpPr>
+            <a:spLocks noGrp="1"/>
+          </p:cNvSpPr>
+          <p:nvPr>
+            <p:ph type="sldNum" sz="quarter" idx="5"/>
+          </p:nvPr>
+        </p:nvSpPr>
+        <p:spPr/>
+        <p:txBody>
+          <a:bodyPr/>
+          <a:lstStyle/>
+          <a:p>
+            <a:fld id="{1300335D-9F13-4B80-ADC5-B0EA3E10FF6B}" type="slidenum">
+              <a:rPr lang="en-US" smtClean="0"/>
+              <a:t>21</a:t>
+            </a:fld>
+            <a:endParaRPr lang="en-US"/>
+          </a:p>
+        </p:txBody>
+      </p:sp>
+    </p:spTree>
+    <p:extLst>
+      <p:ext uri="{BB962C8B-B14F-4D97-AF65-F5344CB8AC3E}">
+        <p14:creationId xmlns:p14="http://schemas.microsoft.com/office/powerpoint/2010/main" val="1010347830"/>
+      </p:ext>
+    </p:extLst>
+  </p:cSld>
+  <p:clrMapOvr>
+    <a:masterClrMapping/>
+  </p:clrMapOvr>
+</p:notes>
+</file>
+
+<file path=ppt/notesSlides/notesSlide11.xml><?xml version="1.0" encoding="utf-8"?>
+<p:notes xmlns:a="http://schemas.openxmlformats.org/drawingml/2006/main" xmlns:r="http://schemas.openxmlformats.org/officeDocument/2006/relationships" xmlns:p="http://schemas.openxmlformats.org/presentationml/2006/main">
+  <p:cSld>
+    <p:spTree>
+      <p:nvGrpSpPr>
+        <p:cNvPr id="1" name="">
+          <a:extLst>
+            <a:ext uri="{FF2B5EF4-FFF2-40B4-BE49-F238E27FC236}">
+              <a16:creationId xmlns:a16="http://schemas.microsoft.com/office/drawing/2014/main" id="{0661BC68-0174-F8C0-C50A-CBF6F62B28EC}"/>
+            </a:ext>
+          </a:extLst>
+        </p:cNvPr>
+        <p:cNvGrpSpPr/>
+        <p:nvPr/>
+      </p:nvGrpSpPr>
+      <p:grpSpPr>
+        <a:xfrm>
+          <a:off x="0" y="0"/>
+          <a:ext cx="0" cy="0"/>
+          <a:chOff x="0" y="0"/>
+          <a:chExt cx="0" cy="0"/>
+        </a:xfrm>
+      </p:grpSpPr>
+      <p:sp>
+        <p:nvSpPr>
+          <p:cNvPr id="2" name="Slide Image Placeholder 1">
+            <a:extLst>
+              <a:ext uri="{FF2B5EF4-FFF2-40B4-BE49-F238E27FC236}">
+                <a16:creationId xmlns:a16="http://schemas.microsoft.com/office/drawing/2014/main" id="{146C854B-CF29-7BDD-94FD-114500FBA305}"/>
+              </a:ext>
+            </a:extLst>
+          </p:cNvPr>
+          <p:cNvSpPr>
+            <a:spLocks noGrp="1" noRot="1" noChangeAspect="1"/>
+          </p:cNvSpPr>
+          <p:nvPr>
+            <p:ph type="sldImg"/>
+          </p:nvPr>
+        </p:nvSpPr>
+        <p:spPr/>
+      </p:sp>
+      <p:sp>
+        <p:nvSpPr>
+          <p:cNvPr id="3" name="Notes Placeholder 2">
+            <a:extLst>
+              <a:ext uri="{FF2B5EF4-FFF2-40B4-BE49-F238E27FC236}">
+                <a16:creationId xmlns:a16="http://schemas.microsoft.com/office/drawing/2014/main" id="{2104F923-8149-669B-8A7E-EE096ABBBE6A}"/>
+              </a:ext>
+            </a:extLst>
+          </p:cNvPr>
+          <p:cNvSpPr>
+            <a:spLocks noGrp="1"/>
+          </p:cNvSpPr>
+          <p:nvPr>
+            <p:ph type="body" idx="1"/>
+          </p:nvPr>
+        </p:nvSpPr>
+        <p:spPr/>
+        <p:txBody>
+          <a:bodyPr/>
+          <a:lstStyle/>
+          <a:p>
+            <a:pPr marL="228600" indent="-228600">
+              <a:buAutoNum type="arabicPeriod"/>
+            </a:pPr>
+            <a:r>
+              <a:rPr lang="en-US" dirty="0"/>
+              <a:t>False!</a:t>
+            </a:r>
+          </a:p>
+          <a:p>
+            <a:pPr marL="228600" indent="-228600">
+              <a:buAutoNum type="arabicPeriod"/>
+            </a:pPr>
+            <a:r>
+              <a:rPr lang="en-US" dirty="0"/>
+              <a:t>Function, Formula, Function</a:t>
+            </a:r>
+          </a:p>
+          <a:p>
+            <a:pPr marL="228600" indent="-228600">
+              <a:buAutoNum type="arabicPeriod"/>
+            </a:pPr>
+            <a:r>
+              <a:rPr lang="en-US" dirty="0"/>
+              <a:t>Argument</a:t>
+            </a:r>
+          </a:p>
+        </p:txBody>
+      </p:sp>
+      <p:sp>
+        <p:nvSpPr>
+          <p:cNvPr id="4" name="Slide Number Placeholder 3">
+            <a:extLst>
+              <a:ext uri="{FF2B5EF4-FFF2-40B4-BE49-F238E27FC236}">
+                <a16:creationId xmlns:a16="http://schemas.microsoft.com/office/drawing/2014/main" id="{B3DA4164-01C7-E08C-3915-665021C9829F}"/>
+              </a:ext>
+            </a:extLst>
+          </p:cNvPr>
+          <p:cNvSpPr>
+            <a:spLocks noGrp="1"/>
+          </p:cNvSpPr>
+          <p:nvPr>
+            <p:ph type="sldNum" sz="quarter" idx="5"/>
+          </p:nvPr>
+        </p:nvSpPr>
+        <p:spPr/>
+        <p:txBody>
+          <a:bodyPr/>
+          <a:lstStyle/>
+          <a:p>
+            <a:fld id="{1300335D-9F13-4B80-ADC5-B0EA3E10FF6B}" type="slidenum">
+              <a:rPr lang="en-US" smtClean="0"/>
+              <a:t>22</a:t>
+            </a:fld>
+            <a:endParaRPr lang="en-US"/>
+          </a:p>
+        </p:txBody>
+      </p:sp>
+    </p:spTree>
+    <p:extLst>
+      <p:ext uri="{BB962C8B-B14F-4D97-AF65-F5344CB8AC3E}">
+        <p14:creationId xmlns:p14="http://schemas.microsoft.com/office/powerpoint/2010/main" val="3922983878"/>
+      </p:ext>
+    </p:extLst>
+  </p:cSld>
+  <p:clrMapOvr>
+    <a:masterClrMapping/>
+  </p:clrMapOvr>
+</p:notes>
+</file>
+
 <file path=ppt/notesSlides/notesSlide2.xml><?xml version="1.0" encoding="utf-8"?>
 <p:notes xmlns:a="http://schemas.openxmlformats.org/drawingml/2006/main" xmlns:r="http://schemas.openxmlformats.org/officeDocument/2006/relationships" xmlns:p="http://schemas.openxmlformats.org/presentationml/2006/main">
   <p:cSld>
@@ -931,7 +1201,13 @@
   <p:cSld>
     <p:spTree>
       <p:nvGrpSpPr>
-        <p:cNvPr id="1" name=""/>
+        <p:cNvPr id="1" name="">
+          <a:extLst>
+            <a:ext uri="{FF2B5EF4-FFF2-40B4-BE49-F238E27FC236}">
+              <a16:creationId xmlns:a16="http://schemas.microsoft.com/office/drawing/2014/main" id="{743C6F7D-97C7-02B4-D001-3BB80C0461D8}"/>
+            </a:ext>
+          </a:extLst>
+        </p:cNvPr>
         <p:cNvGrpSpPr/>
         <p:nvPr/>
       </p:nvGrpSpPr>
@@ -945,7 +1221,13 @@
       </p:grpSpPr>
       <p:sp>
         <p:nvSpPr>
-          <p:cNvPr id="2" name="Slide Image Placeholder 1"/>
+          <p:cNvPr id="2" name="Slide Image Placeholder 1">
+            <a:extLst>
+              <a:ext uri="{FF2B5EF4-FFF2-40B4-BE49-F238E27FC236}">
+                <a16:creationId xmlns:a16="http://schemas.microsoft.com/office/drawing/2014/main" id="{87B25713-6F20-663A-BDEA-AC7A95CE251C}"/>
+              </a:ext>
+            </a:extLst>
+          </p:cNvPr>
           <p:cNvSpPr>
             <a:spLocks noGrp="1" noRot="1" noChangeAspect="1"/>
           </p:cNvSpPr>
@@ -957,7 +1239,13 @@
       </p:sp>
       <p:sp>
         <p:nvSpPr>
-          <p:cNvPr id="3" name="Notes Placeholder 2"/>
+          <p:cNvPr id="3" name="Notes Placeholder 2">
+            <a:extLst>
+              <a:ext uri="{FF2B5EF4-FFF2-40B4-BE49-F238E27FC236}">
+                <a16:creationId xmlns:a16="http://schemas.microsoft.com/office/drawing/2014/main" id="{7AB4FCBA-8619-28D7-714F-2FEA94758FA4}"/>
+              </a:ext>
+            </a:extLst>
+          </p:cNvPr>
           <p:cNvSpPr>
             <a:spLocks noGrp="1"/>
           </p:cNvSpPr>
@@ -1000,7 +1288,13 @@
       </p:sp>
       <p:sp>
         <p:nvSpPr>
-          <p:cNvPr id="4" name="Slide Number Placeholder 3"/>
+          <p:cNvPr id="4" name="Slide Number Placeholder 3">
+            <a:extLst>
+              <a:ext uri="{FF2B5EF4-FFF2-40B4-BE49-F238E27FC236}">
+                <a16:creationId xmlns:a16="http://schemas.microsoft.com/office/drawing/2014/main" id="{BD7E59B3-12B6-E800-523D-931F46836A80}"/>
+              </a:ext>
+            </a:extLst>
+          </p:cNvPr>
           <p:cNvSpPr>
             <a:spLocks noGrp="1"/>
           </p:cNvSpPr>
@@ -1015,7 +1309,7 @@
           <a:p>
             <a:fld id="{1300335D-9F13-4B80-ADC5-B0EA3E10FF6B}" type="slidenum">
               <a:rPr lang="en-US" smtClean="0"/>
-              <a:t>14</a:t>
+              <a:t>12</a:t>
             </a:fld>
             <a:endParaRPr lang="en-US"/>
           </a:p>
@@ -1024,7 +1318,7 @@
     </p:spTree>
     <p:extLst>
       <p:ext uri="{BB962C8B-B14F-4D97-AF65-F5344CB8AC3E}">
-        <p14:creationId xmlns:p14="http://schemas.microsoft.com/office/powerpoint/2010/main" val="2338108748"/>
+        <p14:creationId xmlns:p14="http://schemas.microsoft.com/office/powerpoint/2010/main" val="1925113209"/>
       </p:ext>
     </p:extLst>
   </p:cSld>
@@ -1035,6 +1329,138 @@
 </file>
 
 <file path=ppt/notesSlides/notesSlide6.xml><?xml version="1.0" encoding="utf-8"?>
+<p:notes xmlns:a="http://schemas.openxmlformats.org/drawingml/2006/main" xmlns:r="http://schemas.openxmlformats.org/officeDocument/2006/relationships" xmlns:p="http://schemas.openxmlformats.org/presentationml/2006/main">
+  <p:cSld>
+    <p:spTree>
+      <p:nvGrpSpPr>
+        <p:cNvPr id="1" name="">
+          <a:extLst>
+            <a:ext uri="{FF2B5EF4-FFF2-40B4-BE49-F238E27FC236}">
+              <a16:creationId xmlns:a16="http://schemas.microsoft.com/office/drawing/2014/main" id="{2538BE87-C113-F6B1-471C-E5E7D3D50B64}"/>
+            </a:ext>
+          </a:extLst>
+        </p:cNvPr>
+        <p:cNvGrpSpPr/>
+        <p:nvPr/>
+      </p:nvGrpSpPr>
+      <p:grpSpPr>
+        <a:xfrm>
+          <a:off x="0" y="0"/>
+          <a:ext cx="0" cy="0"/>
+          <a:chOff x="0" y="0"/>
+          <a:chExt cx="0" cy="0"/>
+        </a:xfrm>
+      </p:grpSpPr>
+      <p:sp>
+        <p:nvSpPr>
+          <p:cNvPr id="2" name="Slide Image Placeholder 1">
+            <a:extLst>
+              <a:ext uri="{FF2B5EF4-FFF2-40B4-BE49-F238E27FC236}">
+                <a16:creationId xmlns:a16="http://schemas.microsoft.com/office/drawing/2014/main" id="{464EF016-273B-0310-0DEC-7774AAD76027}"/>
+              </a:ext>
+            </a:extLst>
+          </p:cNvPr>
+          <p:cNvSpPr>
+            <a:spLocks noGrp="1" noRot="1" noChangeAspect="1"/>
+          </p:cNvSpPr>
+          <p:nvPr>
+            <p:ph type="sldImg"/>
+          </p:nvPr>
+        </p:nvSpPr>
+        <p:spPr/>
+      </p:sp>
+      <p:sp>
+        <p:nvSpPr>
+          <p:cNvPr id="3" name="Notes Placeholder 2">
+            <a:extLst>
+              <a:ext uri="{FF2B5EF4-FFF2-40B4-BE49-F238E27FC236}">
+                <a16:creationId xmlns:a16="http://schemas.microsoft.com/office/drawing/2014/main" id="{02B4901D-CCB4-1741-7D82-D02026BF4E4A}"/>
+              </a:ext>
+            </a:extLst>
+          </p:cNvPr>
+          <p:cNvSpPr>
+            <a:spLocks noGrp="1"/>
+          </p:cNvSpPr>
+          <p:nvPr>
+            <p:ph type="body" idx="1"/>
+          </p:nvPr>
+        </p:nvSpPr>
+        <p:spPr/>
+        <p:txBody>
+          <a:bodyPr/>
+          <a:lstStyle/>
+          <a:p>
+            <a:pPr marL="228600" indent="-228600">
+              <a:buAutoNum type="arabicPeriod"/>
+            </a:pPr>
+            <a:r>
+              <a:rPr lang="en-US" dirty="0"/>
+              <a:t>False!</a:t>
+            </a:r>
+          </a:p>
+          <a:p>
+            <a:pPr marL="228600" indent="-228600">
+              <a:buAutoNum type="arabicPeriod"/>
+            </a:pPr>
+            <a:r>
+              <a:rPr lang="en-US" dirty="0"/>
+              <a:t>Function, Formula, Function</a:t>
+            </a:r>
+          </a:p>
+          <a:p>
+            <a:pPr marL="228600" indent="-228600">
+              <a:buAutoNum type="arabicPeriod"/>
+            </a:pPr>
+            <a:r>
+              <a:rPr lang="en-US" dirty="0"/>
+              <a:t>Argument</a:t>
+            </a:r>
+          </a:p>
+        </p:txBody>
+      </p:sp>
+      <p:sp>
+        <p:nvSpPr>
+          <p:cNvPr id="4" name="Slide Number Placeholder 3">
+            <a:extLst>
+              <a:ext uri="{FF2B5EF4-FFF2-40B4-BE49-F238E27FC236}">
+                <a16:creationId xmlns:a16="http://schemas.microsoft.com/office/drawing/2014/main" id="{25D85D60-75F3-255E-8A86-E381EBB6C488}"/>
+              </a:ext>
+            </a:extLst>
+          </p:cNvPr>
+          <p:cNvSpPr>
+            <a:spLocks noGrp="1"/>
+          </p:cNvSpPr>
+          <p:nvPr>
+            <p:ph type="sldNum" sz="quarter" idx="5"/>
+          </p:nvPr>
+        </p:nvSpPr>
+        <p:spPr/>
+        <p:txBody>
+          <a:bodyPr/>
+          <a:lstStyle/>
+          <a:p>
+            <a:fld id="{1300335D-9F13-4B80-ADC5-B0EA3E10FF6B}" type="slidenum">
+              <a:rPr lang="en-US" smtClean="0"/>
+              <a:t>13</a:t>
+            </a:fld>
+            <a:endParaRPr lang="en-US"/>
+          </a:p>
+        </p:txBody>
+      </p:sp>
+    </p:spTree>
+    <p:extLst>
+      <p:ext uri="{BB962C8B-B14F-4D97-AF65-F5344CB8AC3E}">
+        <p14:creationId xmlns:p14="http://schemas.microsoft.com/office/powerpoint/2010/main" val="3412467687"/>
+      </p:ext>
+    </p:extLst>
+  </p:cSld>
+  <p:clrMapOvr>
+    <a:masterClrMapping/>
+  </p:clrMapOvr>
+</p:notes>
+</file>
+
+<file path=ppt/notesSlides/notesSlide7.xml><?xml version="1.0" encoding="utf-8"?>
 <p:notes xmlns:a="http://schemas.openxmlformats.org/drawingml/2006/main" xmlns:r="http://schemas.openxmlformats.org/officeDocument/2006/relationships" xmlns:p="http://schemas.openxmlformats.org/presentationml/2006/main">
   <p:cSld>
     <p:spTree>
@@ -1123,7 +1549,115 @@
           <a:p>
             <a:fld id="{1300335D-9F13-4B80-ADC5-B0EA3E10FF6B}" type="slidenum">
               <a:rPr lang="en-US" smtClean="0"/>
-              <a:t>15</a:t>
+              <a:t>16</a:t>
+            </a:fld>
+            <a:endParaRPr lang="en-US"/>
+          </a:p>
+        </p:txBody>
+      </p:sp>
+    </p:spTree>
+    <p:extLst>
+      <p:ext uri="{BB962C8B-B14F-4D97-AF65-F5344CB8AC3E}">
+        <p14:creationId xmlns:p14="http://schemas.microsoft.com/office/powerpoint/2010/main" val="2338108748"/>
+      </p:ext>
+    </p:extLst>
+  </p:cSld>
+  <p:clrMapOvr>
+    <a:masterClrMapping/>
+  </p:clrMapOvr>
+</p:notes>
+</file>
+
+<file path=ppt/notesSlides/notesSlide8.xml><?xml version="1.0" encoding="utf-8"?>
+<p:notes xmlns:a="http://schemas.openxmlformats.org/drawingml/2006/main" xmlns:r="http://schemas.openxmlformats.org/officeDocument/2006/relationships" xmlns:p="http://schemas.openxmlformats.org/presentationml/2006/main">
+  <p:cSld>
+    <p:spTree>
+      <p:nvGrpSpPr>
+        <p:cNvPr id="1" name=""/>
+        <p:cNvGrpSpPr/>
+        <p:nvPr/>
+      </p:nvGrpSpPr>
+      <p:grpSpPr>
+        <a:xfrm>
+          <a:off x="0" y="0"/>
+          <a:ext cx="0" cy="0"/>
+          <a:chOff x="0" y="0"/>
+          <a:chExt cx="0" cy="0"/>
+        </a:xfrm>
+      </p:grpSpPr>
+      <p:sp>
+        <p:nvSpPr>
+          <p:cNvPr id="2" name="Slide Image Placeholder 1"/>
+          <p:cNvSpPr>
+            <a:spLocks noGrp="1" noRot="1" noChangeAspect="1"/>
+          </p:cNvSpPr>
+          <p:nvPr>
+            <p:ph type="sldImg"/>
+          </p:nvPr>
+        </p:nvSpPr>
+        <p:spPr/>
+      </p:sp>
+      <p:sp>
+        <p:nvSpPr>
+          <p:cNvPr id="3" name="Notes Placeholder 2"/>
+          <p:cNvSpPr>
+            <a:spLocks noGrp="1"/>
+          </p:cNvSpPr>
+          <p:nvPr>
+            <p:ph type="body" idx="1"/>
+          </p:nvPr>
+        </p:nvSpPr>
+        <p:spPr/>
+        <p:txBody>
+          <a:bodyPr/>
+          <a:lstStyle/>
+          <a:p>
+            <a:pPr marL="228600" indent="-228600">
+              <a:buAutoNum type="arabicPeriod"/>
+            </a:pPr>
+            <a:r>
+              <a:rPr lang="en-US" dirty="0"/>
+              <a:t>False!</a:t>
+            </a:r>
+          </a:p>
+          <a:p>
+            <a:pPr marL="228600" indent="-228600">
+              <a:buAutoNum type="arabicPeriod"/>
+            </a:pPr>
+            <a:r>
+              <a:rPr lang="en-US" dirty="0"/>
+              <a:t>Function, Formula, Function</a:t>
+            </a:r>
+          </a:p>
+          <a:p>
+            <a:pPr marL="228600" indent="-228600">
+              <a:buAutoNum type="arabicPeriod"/>
+            </a:pPr>
+            <a:r>
+              <a:rPr lang="en-US" dirty="0"/>
+              <a:t>Argument</a:t>
+            </a:r>
+          </a:p>
+        </p:txBody>
+      </p:sp>
+      <p:sp>
+        <p:nvSpPr>
+          <p:cNvPr id="4" name="Slide Number Placeholder 3"/>
+          <p:cNvSpPr>
+            <a:spLocks noGrp="1"/>
+          </p:cNvSpPr>
+          <p:nvPr>
+            <p:ph type="sldNum" sz="quarter" idx="5"/>
+          </p:nvPr>
+        </p:nvSpPr>
+        <p:spPr/>
+        <p:txBody>
+          <a:bodyPr/>
+          <a:lstStyle/>
+          <a:p>
+            <a:fld id="{1300335D-9F13-4B80-ADC5-B0EA3E10FF6B}" type="slidenum">
+              <a:rPr lang="en-US" smtClean="0"/>
+              <a:t>17</a:t>
             </a:fld>
             <a:endParaRPr lang="en-US"/>
           </a:p>
@@ -1133,6 +1667,138 @@
     <p:extLst>
       <p:ext uri="{BB962C8B-B14F-4D97-AF65-F5344CB8AC3E}">
         <p14:creationId xmlns:p14="http://schemas.microsoft.com/office/powerpoint/2010/main" val="3885482516"/>
+      </p:ext>
+    </p:extLst>
+  </p:cSld>
+  <p:clrMapOvr>
+    <a:masterClrMapping/>
+  </p:clrMapOvr>
+</p:notes>
+</file>
+
+<file path=ppt/notesSlides/notesSlide9.xml><?xml version="1.0" encoding="utf-8"?>
+<p:notes xmlns:a="http://schemas.openxmlformats.org/drawingml/2006/main" xmlns:r="http://schemas.openxmlformats.org/officeDocument/2006/relationships" xmlns:p="http://schemas.openxmlformats.org/presentationml/2006/main">
+  <p:cSld>
+    <p:spTree>
+      <p:nvGrpSpPr>
+        <p:cNvPr id="1" name="">
+          <a:extLst>
+            <a:ext uri="{FF2B5EF4-FFF2-40B4-BE49-F238E27FC236}">
+              <a16:creationId xmlns:a16="http://schemas.microsoft.com/office/drawing/2014/main" id="{C5EB07CB-F821-6FB4-504B-18E965356C12}"/>
+            </a:ext>
+          </a:extLst>
+        </p:cNvPr>
+        <p:cNvGrpSpPr/>
+        <p:nvPr/>
+      </p:nvGrpSpPr>
+      <p:grpSpPr>
+        <a:xfrm>
+          <a:off x="0" y="0"/>
+          <a:ext cx="0" cy="0"/>
+          <a:chOff x="0" y="0"/>
+          <a:chExt cx="0" cy="0"/>
+        </a:xfrm>
+      </p:grpSpPr>
+      <p:sp>
+        <p:nvSpPr>
+          <p:cNvPr id="2" name="Slide Image Placeholder 1">
+            <a:extLst>
+              <a:ext uri="{FF2B5EF4-FFF2-40B4-BE49-F238E27FC236}">
+                <a16:creationId xmlns:a16="http://schemas.microsoft.com/office/drawing/2014/main" id="{897D5398-4244-A9DA-3ECC-2EF32CEB134C}"/>
+              </a:ext>
+            </a:extLst>
+          </p:cNvPr>
+          <p:cNvSpPr>
+            <a:spLocks noGrp="1" noRot="1" noChangeAspect="1"/>
+          </p:cNvSpPr>
+          <p:nvPr>
+            <p:ph type="sldImg"/>
+          </p:nvPr>
+        </p:nvSpPr>
+        <p:spPr/>
+      </p:sp>
+      <p:sp>
+        <p:nvSpPr>
+          <p:cNvPr id="3" name="Notes Placeholder 2">
+            <a:extLst>
+              <a:ext uri="{FF2B5EF4-FFF2-40B4-BE49-F238E27FC236}">
+                <a16:creationId xmlns:a16="http://schemas.microsoft.com/office/drawing/2014/main" id="{1E9B10CA-058E-BD6C-9BAE-E38604E28A20}"/>
+              </a:ext>
+            </a:extLst>
+          </p:cNvPr>
+          <p:cNvSpPr>
+            <a:spLocks noGrp="1"/>
+          </p:cNvSpPr>
+          <p:nvPr>
+            <p:ph type="body" idx="1"/>
+          </p:nvPr>
+        </p:nvSpPr>
+        <p:spPr/>
+        <p:txBody>
+          <a:bodyPr/>
+          <a:lstStyle/>
+          <a:p>
+            <a:pPr marL="228600" indent="-228600">
+              <a:buAutoNum type="arabicPeriod"/>
+            </a:pPr>
+            <a:r>
+              <a:rPr lang="en-US" dirty="0"/>
+              <a:t>False!</a:t>
+            </a:r>
+          </a:p>
+          <a:p>
+            <a:pPr marL="228600" indent="-228600">
+              <a:buAutoNum type="arabicPeriod"/>
+            </a:pPr>
+            <a:r>
+              <a:rPr lang="en-US" dirty="0"/>
+              <a:t>Function, Formula, Function</a:t>
+            </a:r>
+          </a:p>
+          <a:p>
+            <a:pPr marL="228600" indent="-228600">
+              <a:buAutoNum type="arabicPeriod"/>
+            </a:pPr>
+            <a:r>
+              <a:rPr lang="en-US" dirty="0"/>
+              <a:t>Argument</a:t>
+            </a:r>
+          </a:p>
+        </p:txBody>
+      </p:sp>
+      <p:sp>
+        <p:nvSpPr>
+          <p:cNvPr id="4" name="Slide Number Placeholder 3">
+            <a:extLst>
+              <a:ext uri="{FF2B5EF4-FFF2-40B4-BE49-F238E27FC236}">
+                <a16:creationId xmlns:a16="http://schemas.microsoft.com/office/drawing/2014/main" id="{802F1B72-8B6B-0B77-346D-7D3F89D3CCDC}"/>
+              </a:ext>
+            </a:extLst>
+          </p:cNvPr>
+          <p:cNvSpPr>
+            <a:spLocks noGrp="1"/>
+          </p:cNvSpPr>
+          <p:nvPr>
+            <p:ph type="sldNum" sz="quarter" idx="5"/>
+          </p:nvPr>
+        </p:nvSpPr>
+        <p:spPr/>
+        <p:txBody>
+          <a:bodyPr/>
+          <a:lstStyle/>
+          <a:p>
+            <a:fld id="{1300335D-9F13-4B80-ADC5-B0EA3E10FF6B}" type="slidenum">
+              <a:rPr lang="en-US" smtClean="0"/>
+              <a:t>20</a:t>
+            </a:fld>
+            <a:endParaRPr lang="en-US"/>
+          </a:p>
+        </p:txBody>
+      </p:sp>
+    </p:spTree>
+    <p:extLst>
+      <p:ext uri="{BB962C8B-B14F-4D97-AF65-F5344CB8AC3E}">
+        <p14:creationId xmlns:p14="http://schemas.microsoft.com/office/powerpoint/2010/main" val="1487323375"/>
       </p:ext>
     </p:extLst>
   </p:cSld>
@@ -1322,7 +1988,7 @@
             <a:fld id="{1D8BD707-D9CF-40AE-B4C6-C98DA3205C09}" type="datetimeFigureOut">
               <a:rPr lang="en-US" smtClean="0"/>
               <a:pPr/>
-              <a:t>12/2/2023</a:t>
+              <a:t>1/4/2024</a:t>
             </a:fld>
             <a:endParaRPr lang="en-US"/>
           </a:p>
@@ -1487,7 +2153,7 @@
             <a:fld id="{1D8BD707-D9CF-40AE-B4C6-C98DA3205C09}" type="datetimeFigureOut">
               <a:rPr lang="en-US" smtClean="0"/>
               <a:pPr/>
-              <a:t>12/2/2023</a:t>
+              <a:t>1/4/2024</a:t>
             </a:fld>
             <a:endParaRPr lang="en-US"/>
           </a:p>
@@ -1662,7 +2328,7 @@
             <a:fld id="{1D8BD707-D9CF-40AE-B4C6-C98DA3205C09}" type="datetimeFigureOut">
               <a:rPr lang="en-US" smtClean="0"/>
               <a:pPr/>
-              <a:t>12/2/2023</a:t>
+              <a:t>1/4/2024</a:t>
             </a:fld>
             <a:endParaRPr lang="en-US"/>
           </a:p>
@@ -1827,7 +2493,7 @@
             <a:fld id="{1D8BD707-D9CF-40AE-B4C6-C98DA3205C09}" type="datetimeFigureOut">
               <a:rPr lang="en-US" smtClean="0"/>
               <a:pPr/>
-              <a:t>12/2/2023</a:t>
+              <a:t>1/4/2024</a:t>
             </a:fld>
             <a:endParaRPr lang="en-US"/>
           </a:p>
@@ -2069,7 +2735,7 @@
             <a:fld id="{1D8BD707-D9CF-40AE-B4C6-C98DA3205C09}" type="datetimeFigureOut">
               <a:rPr lang="en-US" smtClean="0"/>
               <a:pPr/>
-              <a:t>12/2/2023</a:t>
+              <a:t>1/4/2024</a:t>
             </a:fld>
             <a:endParaRPr lang="en-US"/>
           </a:p>
@@ -2351,7 +3017,7 @@
             <a:fld id="{1D8BD707-D9CF-40AE-B4C6-C98DA3205C09}" type="datetimeFigureOut">
               <a:rPr lang="en-US" smtClean="0"/>
               <a:pPr/>
-              <a:t>12/2/2023</a:t>
+              <a:t>1/4/2024</a:t>
             </a:fld>
             <a:endParaRPr lang="en-US"/>
           </a:p>
@@ -2767,7 +3433,7 @@
             <a:fld id="{1D8BD707-D9CF-40AE-B4C6-C98DA3205C09}" type="datetimeFigureOut">
               <a:rPr lang="en-US" smtClean="0"/>
               <a:pPr/>
-              <a:t>12/2/2023</a:t>
+              <a:t>1/4/2024</a:t>
             </a:fld>
             <a:endParaRPr lang="en-US"/>
           </a:p>
@@ -2881,7 +3547,7 @@
             <a:fld id="{1D8BD707-D9CF-40AE-B4C6-C98DA3205C09}" type="datetimeFigureOut">
               <a:rPr lang="en-US" smtClean="0"/>
               <a:pPr/>
-              <a:t>12/2/2023</a:t>
+              <a:t>1/4/2024</a:t>
             </a:fld>
             <a:endParaRPr lang="en-US"/>
           </a:p>
@@ -2973,7 +3639,7 @@
             <a:fld id="{1D8BD707-D9CF-40AE-B4C6-C98DA3205C09}" type="datetimeFigureOut">
               <a:rPr lang="en-US" smtClean="0"/>
               <a:pPr/>
-              <a:t>12/2/2023</a:t>
+              <a:t>1/4/2024</a:t>
             </a:fld>
             <a:endParaRPr lang="en-US"/>
           </a:p>
@@ -3245,7 +3911,7 @@
             <a:fld id="{1D8BD707-D9CF-40AE-B4C6-C98DA3205C09}" type="datetimeFigureOut">
               <a:rPr lang="en-US" smtClean="0"/>
               <a:pPr/>
-              <a:t>12/2/2023</a:t>
+              <a:t>1/4/2024</a:t>
             </a:fld>
             <a:endParaRPr lang="en-US"/>
           </a:p>
@@ -3494,7 +4160,7 @@
             <a:fld id="{1D8BD707-D9CF-40AE-B4C6-C98DA3205C09}" type="datetimeFigureOut">
               <a:rPr lang="en-US" smtClean="0"/>
               <a:pPr/>
-              <a:t>12/2/2023</a:t>
+              <a:t>1/4/2024</a:t>
             </a:fld>
             <a:endParaRPr lang="en-US"/>
           </a:p>
@@ -3707,7 +4373,7 @@
             <a:fld id="{1D8BD707-D9CF-40AE-B4C6-C98DA3205C09}" type="datetimeFigureOut">
               <a:rPr lang="en-US" smtClean="0"/>
               <a:pPr/>
-              <a:t>12/2/2023</a:t>
+              <a:t>1/4/2024</a:t>
             </a:fld>
             <a:endParaRPr lang="en-US"/>
           </a:p>
@@ -4798,7 +5464,13 @@
   <p:cSld>
     <p:spTree>
       <p:nvGrpSpPr>
-        <p:cNvPr id="1" name=""/>
+        <p:cNvPr id="1" name="">
+          <a:extLst>
+            <a:ext uri="{FF2B5EF4-FFF2-40B4-BE49-F238E27FC236}">
+              <a16:creationId xmlns:a16="http://schemas.microsoft.com/office/drawing/2014/main" id="{9C81437B-72D9-7B67-EACA-1DA0E17FF61F}"/>
+            </a:ext>
+          </a:extLst>
+        </p:cNvPr>
         <p:cNvGrpSpPr/>
         <p:nvPr/>
       </p:nvGrpSpPr>
@@ -4810,313 +5482,15 @@
           <a:chExt cx="0" cy="0"/>
         </a:xfrm>
       </p:grpSpPr>
-      <p:pic>
-        <p:nvPicPr>
-          <p:cNvPr id="10" name="Picture 9"/>
-          <p:cNvPicPr>
-            <a:picLocks noChangeAspect="1"/>
-          </p:cNvPicPr>
-          <p:nvPr/>
-        </p:nvPicPr>
-        <p:blipFill rotWithShape="1">
-          <a:blip r:embed="rId2">
-            <a:extLst>
-              <a:ext uri="{28A0092B-C50C-407E-A947-70E740481C1C}">
-                <a14:useLocalDpi xmlns:a14="http://schemas.microsoft.com/office/drawing/2010/main" val="0"/>
-              </a:ext>
-            </a:extLst>
-          </a:blip>
-          <a:srcRect l="50728" t="56371"/>
-          <a:stretch/>
-        </p:blipFill>
-        <p:spPr>
-          <a:xfrm>
-            <a:off x="12204691" y="3316148"/>
-            <a:ext cx="6083309" cy="6970854"/>
-          </a:xfrm>
-          <a:prstGeom prst="rect">
-            <a:avLst/>
-          </a:prstGeom>
-        </p:spPr>
-      </p:pic>
-      <p:pic>
-        <p:nvPicPr>
-          <p:cNvPr id="4" name="Picture 3"/>
-          <p:cNvPicPr>
-            <a:picLocks noChangeAspect="1"/>
-          </p:cNvPicPr>
-          <p:nvPr/>
-        </p:nvPicPr>
-        <p:blipFill>
-          <a:blip r:embed="rId3">
-            <a:extLst>
-              <a:ext uri="{28A0092B-C50C-407E-A947-70E740481C1C}">
-                <a14:useLocalDpi xmlns:a14="http://schemas.microsoft.com/office/drawing/2010/main" val="0"/>
-              </a:ext>
-            </a:extLst>
-          </a:blip>
-          <a:stretch>
-            <a:fillRect/>
-          </a:stretch>
-        </p:blipFill>
-        <p:spPr>
-          <a:xfrm>
-            <a:off x="-807744" y="-3724155"/>
-            <a:ext cx="15257208" cy="11189825"/>
-          </a:xfrm>
-          <a:prstGeom prst="rect">
-            <a:avLst/>
-          </a:prstGeom>
-        </p:spPr>
-      </p:pic>
-      <p:sp>
-        <p:nvSpPr>
-          <p:cNvPr id="11" name="TextBox 10"/>
-          <p:cNvSpPr txBox="1"/>
-          <p:nvPr/>
-        </p:nvSpPr>
-        <p:spPr>
-          <a:xfrm>
-            <a:off x="486137" y="2531318"/>
-            <a:ext cx="11979797" cy="923330"/>
-          </a:xfrm>
-          <a:prstGeom prst="rect">
-            <a:avLst/>
-          </a:prstGeom>
-          <a:noFill/>
-        </p:spPr>
-        <p:txBody>
-          <a:bodyPr wrap="square" rtlCol="0">
-            <a:spAutoFit/>
-          </a:bodyPr>
-          <a:lstStyle/>
-          <a:p>
-            <a:r>
-              <a:rPr lang="en-US" sz="5400" b="1" dirty="0">
-                <a:solidFill>
-                  <a:srgbClr val="CF3338"/>
-                </a:solidFill>
-                <a:latin typeface="Pragmatica" panose="020B0403040502020204" pitchFamily="34" charset="0"/>
-              </a:rPr>
-              <a:t>Questions?</a:t>
-            </a:r>
-          </a:p>
-        </p:txBody>
-      </p:sp>
-      <p:pic>
-        <p:nvPicPr>
-          <p:cNvPr id="5" name="Picture 4">
+      <p:sp>
+        <p:nvSpPr>
+          <p:cNvPr id="4" name="Rectangle 3">
             <a:extLst>
               <a:ext uri="{FF2B5EF4-FFF2-40B4-BE49-F238E27FC236}">
-                <a16:creationId xmlns:a16="http://schemas.microsoft.com/office/drawing/2014/main" id="{54A06221-5316-4BCF-9FDA-BDB95FF4A778}"/>
+                <a16:creationId xmlns:a16="http://schemas.microsoft.com/office/drawing/2014/main" id="{1B410E35-A49D-EAC4-D3CC-A658021ED0B4}"/>
               </a:ext>
             </a:extLst>
           </p:cNvPr>
-          <p:cNvPicPr>
-            <a:picLocks noChangeAspect="1"/>
-          </p:cNvPicPr>
-          <p:nvPr/>
-        </p:nvPicPr>
-        <p:blipFill>
-          <a:blip r:embed="rId4">
-            <a:extLst>
-              <a:ext uri="{28A0092B-C50C-407E-A947-70E740481C1C}">
-                <a14:useLocalDpi xmlns:a14="http://schemas.microsoft.com/office/drawing/2010/main" val="0"/>
-              </a:ext>
-            </a:extLst>
-          </a:blip>
-          <a:srcRect/>
-          <a:stretch/>
-        </p:blipFill>
-        <p:spPr>
-          <a:xfrm>
-            <a:off x="12204691" y="3317239"/>
-            <a:ext cx="6083309" cy="6968672"/>
-          </a:xfrm>
-          <a:prstGeom prst="rect">
-            <a:avLst/>
-          </a:prstGeom>
-        </p:spPr>
-      </p:pic>
-    </p:spTree>
-    <p:extLst>
-      <p:ext uri="{BB962C8B-B14F-4D97-AF65-F5344CB8AC3E}">
-        <p14:creationId xmlns:p14="http://schemas.microsoft.com/office/powerpoint/2010/main" val="2899625024"/>
-      </p:ext>
-    </p:extLst>
-  </p:cSld>
-  <p:clrMapOvr>
-    <a:masterClrMapping/>
-  </p:clrMapOvr>
-</p:sld>
-</file>
-
-<file path=ppt/slides/slide13.xml><?xml version="1.0" encoding="utf-8"?>
-<p:sld xmlns:a="http://schemas.openxmlformats.org/drawingml/2006/main" xmlns:r="http://schemas.openxmlformats.org/officeDocument/2006/relationships" xmlns:p="http://schemas.openxmlformats.org/presentationml/2006/main">
-  <p:cSld>
-    <p:spTree>
-      <p:nvGrpSpPr>
-        <p:cNvPr id="1" name=""/>
-        <p:cNvGrpSpPr/>
-        <p:nvPr/>
-      </p:nvGrpSpPr>
-      <p:grpSpPr>
-        <a:xfrm>
-          <a:off x="0" y="0"/>
-          <a:ext cx="0" cy="0"/>
-          <a:chOff x="0" y="0"/>
-          <a:chExt cx="0" cy="0"/>
-        </a:xfrm>
-      </p:grpSpPr>
-      <p:sp>
-        <p:nvSpPr>
-          <p:cNvPr id="4" name="Rectangle 3"/>
-          <p:cNvSpPr/>
-          <p:nvPr/>
-        </p:nvSpPr>
-        <p:spPr>
-          <a:xfrm>
-            <a:off x="0" y="0"/>
-            <a:ext cx="18288000" cy="10287000"/>
-          </a:xfrm>
-          <a:prstGeom prst="rect">
-            <a:avLst/>
-          </a:prstGeom>
-          <a:solidFill>
-            <a:srgbClr val="CF3338"/>
-          </a:solidFill>
-          <a:ln>
-            <a:noFill/>
-          </a:ln>
-        </p:spPr>
-        <p:style>
-          <a:lnRef idx="2">
-            <a:schemeClr val="accent1">
-              <a:shade val="50000"/>
-            </a:schemeClr>
-          </a:lnRef>
-          <a:fillRef idx="1">
-            <a:schemeClr val="accent1"/>
-          </a:fillRef>
-          <a:effectRef idx="0">
-            <a:schemeClr val="accent1"/>
-          </a:effectRef>
-          <a:fontRef idx="minor">
-            <a:schemeClr val="lt1"/>
-          </a:fontRef>
-        </p:style>
-        <p:txBody>
-          <a:bodyPr rtlCol="0" anchor="ctr"/>
-          <a:lstStyle/>
-          <a:p>
-            <a:pPr algn="ctr"/>
-            <a:endParaRPr lang="en-US" sz="2700"/>
-          </a:p>
-        </p:txBody>
-      </p:sp>
-      <p:sp>
-        <p:nvSpPr>
-          <p:cNvPr id="5" name="TextBox 4"/>
-          <p:cNvSpPr txBox="1"/>
-          <p:nvPr/>
-        </p:nvSpPr>
-        <p:spPr>
-          <a:xfrm>
-            <a:off x="781292" y="590309"/>
-            <a:ext cx="15486926" cy="4662815"/>
-          </a:xfrm>
-          <a:prstGeom prst="rect">
-            <a:avLst/>
-          </a:prstGeom>
-          <a:noFill/>
-        </p:spPr>
-        <p:txBody>
-          <a:bodyPr wrap="square" rtlCol="0">
-            <a:spAutoFit/>
-          </a:bodyPr>
-          <a:lstStyle/>
-          <a:p>
-            <a:r>
-              <a:rPr lang="en-US" sz="9900" b="1" dirty="0">
-                <a:solidFill>
-                  <a:schemeClr val="bg1"/>
-                </a:solidFill>
-                <a:latin typeface="Normafixed Tryout" panose="00000409000000000000" pitchFamily="49" charset="0"/>
-              </a:rPr>
-              <a:t>3. There’s more to Python </a:t>
-            </a:r>
-            <a:r>
-              <a:rPr lang="en-US" sz="9900" b="1" i="1" dirty="0">
-                <a:solidFill>
-                  <a:schemeClr val="bg1"/>
-                </a:solidFill>
-                <a:latin typeface="Normafixed Tryout" panose="00000409000000000000" pitchFamily="49" charset="0"/>
-              </a:rPr>
-              <a:t>and </a:t>
-            </a:r>
-            <a:r>
-              <a:rPr lang="en-US" sz="9900" b="1" dirty="0">
-                <a:solidFill>
-                  <a:schemeClr val="bg1"/>
-                </a:solidFill>
-                <a:latin typeface="Normafixed Tryout" panose="00000409000000000000" pitchFamily="49" charset="0"/>
-              </a:rPr>
-              <a:t>Excel than Python </a:t>
-            </a:r>
-            <a:r>
-              <a:rPr lang="en-US" sz="9900" b="1" i="1" dirty="0">
-                <a:solidFill>
-                  <a:schemeClr val="bg1"/>
-                </a:solidFill>
-                <a:latin typeface="Normafixed Tryout" panose="00000409000000000000" pitchFamily="49" charset="0"/>
-              </a:rPr>
-              <a:t>in </a:t>
-            </a:r>
-            <a:r>
-              <a:rPr lang="en-US" sz="9900" b="1" dirty="0">
-                <a:solidFill>
-                  <a:schemeClr val="bg1"/>
-                </a:solidFill>
-                <a:latin typeface="Normafixed Tryout" panose="00000409000000000000" pitchFamily="49" charset="0"/>
-              </a:rPr>
-              <a:t>Excel</a:t>
-            </a:r>
-          </a:p>
-        </p:txBody>
-      </p:sp>
-    </p:spTree>
-    <p:extLst>
-      <p:ext uri="{BB962C8B-B14F-4D97-AF65-F5344CB8AC3E}">
-        <p14:creationId xmlns:p14="http://schemas.microsoft.com/office/powerpoint/2010/main" val="1915421395"/>
-      </p:ext>
-    </p:extLst>
-  </p:cSld>
-  <p:clrMapOvr>
-    <a:masterClrMapping/>
-  </p:clrMapOvr>
-</p:sld>
-</file>
-
-<file path=ppt/slides/slide14.xml><?xml version="1.0" encoding="utf-8"?>
-<p:sld xmlns:a="http://schemas.openxmlformats.org/drawingml/2006/main" xmlns:r="http://schemas.openxmlformats.org/officeDocument/2006/relationships" xmlns:p="http://schemas.openxmlformats.org/presentationml/2006/main">
-  <p:cSld>
-    <p:spTree>
-      <p:nvGrpSpPr>
-        <p:cNvPr id="1" name=""/>
-        <p:cNvGrpSpPr/>
-        <p:nvPr/>
-      </p:nvGrpSpPr>
-      <p:grpSpPr>
-        <a:xfrm>
-          <a:off x="0" y="0"/>
-          <a:ext cx="0" cy="0"/>
-          <a:chOff x="0" y="0"/>
-          <a:chExt cx="0" cy="0"/>
-        </a:xfrm>
-      </p:grpSpPr>
-      <p:sp>
-        <p:nvSpPr>
-          <p:cNvPr id="4" name="Rectangle 3"/>
           <p:cNvSpPr/>
           <p:nvPr/>
         </p:nvSpPr>
@@ -5162,7 +5536,13 @@
       </p:sp>
       <p:pic>
         <p:nvPicPr>
-          <p:cNvPr id="2" name="Picture 1"/>
+          <p:cNvPr id="2" name="Picture 1">
+            <a:extLst>
+              <a:ext uri="{FF2B5EF4-FFF2-40B4-BE49-F238E27FC236}">
+                <a16:creationId xmlns:a16="http://schemas.microsoft.com/office/drawing/2014/main" id="{59100FDA-471A-24F8-7A92-245740E1292F}"/>
+              </a:ext>
+            </a:extLst>
+          </p:cNvPr>
           <p:cNvPicPr>
             <a:picLocks noChangeAspect="1"/>
           </p:cNvPicPr>
@@ -5191,14 +5571,20 @@
       </p:pic>
       <p:sp>
         <p:nvSpPr>
-          <p:cNvPr id="3" name="TextBox 2"/>
+          <p:cNvPr id="3" name="TextBox 2">
+            <a:extLst>
+              <a:ext uri="{FF2B5EF4-FFF2-40B4-BE49-F238E27FC236}">
+                <a16:creationId xmlns:a16="http://schemas.microsoft.com/office/drawing/2014/main" id="{C87AD3BF-5BF0-48CC-24C6-95DBFA4CCCF9}"/>
+              </a:ext>
+            </a:extLst>
+          </p:cNvPr>
           <p:cNvSpPr txBox="1"/>
           <p:nvPr/>
         </p:nvSpPr>
         <p:spPr>
           <a:xfrm>
             <a:off x="260431" y="329879"/>
-            <a:ext cx="8906720" cy="9596986"/>
+            <a:ext cx="8906720" cy="10234084"/>
           </a:xfrm>
           <a:prstGeom prst="rect">
             <a:avLst/>
@@ -5218,43 +5604,7 @@
                 </a:solidFill>
                 <a:latin typeface="Pragmatica" panose="020B0403040502020204" pitchFamily="34" charset="0"/>
               </a:rPr>
-              <a:t>There’s more to Python </a:t>
-            </a:r>
-            <a:r>
-              <a:rPr lang="en-US" sz="6000" b="1" i="1" dirty="0">
-                <a:solidFill>
-                  <a:srgbClr val="CF3338"/>
-                </a:solidFill>
-                <a:latin typeface="Pragmatica" panose="020B0403040502020204" pitchFamily="34" charset="0"/>
-              </a:rPr>
-              <a:t>and</a:t>
-            </a:r>
-            <a:r>
-              <a:rPr lang="en-US" sz="6000" b="1" dirty="0">
-                <a:solidFill>
-                  <a:srgbClr val="CF3338"/>
-                </a:solidFill>
-                <a:latin typeface="Pragmatica" panose="020B0403040502020204" pitchFamily="34" charset="0"/>
-              </a:rPr>
-              <a:t> Excel than Python </a:t>
-            </a:r>
-            <a:r>
-              <a:rPr lang="en-US" sz="6000" b="1" i="1" dirty="0">
-                <a:solidFill>
-                  <a:srgbClr val="CF3338"/>
-                </a:solidFill>
-                <a:latin typeface="Pragmatica" panose="020B0403040502020204" pitchFamily="34" charset="0"/>
-              </a:rPr>
-              <a:t>in </a:t>
-            </a:r>
-            <a:r>
-              <a:rPr lang="en-US" sz="6000" b="1" dirty="0">
-                <a:solidFill>
-                  <a:srgbClr val="CF3338"/>
-                </a:solidFill>
-                <a:latin typeface="Pragmatica" panose="020B0403040502020204" pitchFamily="34" charset="0"/>
-              </a:rPr>
-              <a:t>Excel</a:t>
+              <a:t>From “that’s hard in Excel” to “that’s easy in Python” visualization</a:t>
             </a:r>
           </a:p>
           <a:p>
@@ -5288,7 +5638,7 @@
                 <a:latin typeface="Pragmatica" panose="020B0403040502020204"/>
                 <a:sym typeface="Consolas"/>
               </a:rPr>
-              <a:t>Python in Excel is all about data analysis, visualization, statistics &amp; ML</a:t>
+              <a:t>Data profiling: What is the shape, size, completeness?</a:t>
             </a:r>
           </a:p>
           <a:p>
@@ -5314,7 +5664,7 @@
                 <a:latin typeface="Pragmatica" panose="020B0403040502020204"/>
                 <a:sym typeface="Consolas"/>
               </a:rPr>
-              <a:t>It lacks Excel automation capabilities</a:t>
+              <a:t>Time series: pandas for panel data</a:t>
             </a:r>
           </a:p>
           <a:p>
@@ -5340,7 +5690,7 @@
                 <a:latin typeface="Pragmatica" panose="020B0403040502020204"/>
                 <a:sym typeface="Consolas"/>
               </a:rPr>
-              <a:t>Let’s automate an entire Excel workbook from Python… without opening Excel!</a:t>
+              <a:t>Descriptive statistics/EDA: What stories might be told in this data? </a:t>
             </a:r>
           </a:p>
           <a:p>
@@ -5390,14 +5740,14 @@
               <a:t>File: </a:t>
             </a:r>
             <a:r>
-              <a:rPr lang="en-US" sz="3600" dirty="0" err="1">
+              <a:rPr lang="en-US" sz="3600" dirty="0">
                 <a:solidFill>
                   <a:srgbClr val="C00000"/>
                 </a:solidFill>
                 <a:latin typeface="Consolas" panose="020B0609020204030204" pitchFamily="49" charset="0"/>
                 <a:sym typeface="Consolas"/>
               </a:rPr>
-              <a:t>pae-pie.ipynb</a:t>
+              <a:t>hard-excel-easy-python-viz.xlsx</a:t>
             </a:r>
             <a:endParaRPr lang="en-US" sz="6000" dirty="0">
               <a:solidFill>
@@ -5419,7 +5769,7 @@
     </p:spTree>
     <p:extLst>
       <p:ext uri="{BB962C8B-B14F-4D97-AF65-F5344CB8AC3E}">
-        <p14:creationId xmlns:p14="http://schemas.microsoft.com/office/powerpoint/2010/main" val="2938274525"/>
+        <p14:creationId xmlns:p14="http://schemas.microsoft.com/office/powerpoint/2010/main" val="1944079761"/>
       </p:ext>
     </p:extLst>
   </p:cSld>
@@ -5429,12 +5779,18 @@
 </p:sld>
 </file>
 
-<file path=ppt/slides/slide15.xml><?xml version="1.0" encoding="utf-8"?>
+<file path=ppt/slides/slide13.xml><?xml version="1.0" encoding="utf-8"?>
 <p:sld xmlns:a="http://schemas.openxmlformats.org/drawingml/2006/main" xmlns:r="http://schemas.openxmlformats.org/officeDocument/2006/relationships" xmlns:p="http://schemas.openxmlformats.org/presentationml/2006/main">
   <p:cSld>
     <p:spTree>
       <p:nvGrpSpPr>
-        <p:cNvPr id="1" name=""/>
+        <p:cNvPr id="1" name="">
+          <a:extLst>
+            <a:ext uri="{FF2B5EF4-FFF2-40B4-BE49-F238E27FC236}">
+              <a16:creationId xmlns:a16="http://schemas.microsoft.com/office/drawing/2014/main" id="{52AD388F-3E28-78E2-4FBF-0B5B6423527B}"/>
+            </a:ext>
+          </a:extLst>
+        </p:cNvPr>
         <p:cNvGrpSpPr/>
         <p:nvPr/>
       </p:nvGrpSpPr>
@@ -5448,7 +5804,13 @@
       </p:grpSpPr>
       <p:sp>
         <p:nvSpPr>
-          <p:cNvPr id="4" name="Rectangle 3"/>
+          <p:cNvPr id="4" name="Rectangle 3">
+            <a:extLst>
+              <a:ext uri="{FF2B5EF4-FFF2-40B4-BE49-F238E27FC236}">
+                <a16:creationId xmlns:a16="http://schemas.microsoft.com/office/drawing/2014/main" id="{57103EF5-809F-DF6C-737A-A488B961E983}"/>
+              </a:ext>
+            </a:extLst>
+          </p:cNvPr>
           <p:cNvSpPr/>
           <p:nvPr/>
         </p:nvSpPr>
@@ -5494,7 +5856,13 @@
       </p:sp>
       <p:pic>
         <p:nvPicPr>
-          <p:cNvPr id="2" name="Picture 1"/>
+          <p:cNvPr id="2" name="Picture 1">
+            <a:extLst>
+              <a:ext uri="{FF2B5EF4-FFF2-40B4-BE49-F238E27FC236}">
+                <a16:creationId xmlns:a16="http://schemas.microsoft.com/office/drawing/2014/main" id="{E4047BC6-C728-9FDE-55B3-895CD444927C}"/>
+              </a:ext>
+            </a:extLst>
+          </p:cNvPr>
           <p:cNvPicPr>
             <a:picLocks noChangeAspect="1"/>
           </p:cNvPicPr>
@@ -5523,14 +5891,20 @@
       </p:pic>
       <p:sp>
         <p:nvSpPr>
-          <p:cNvPr id="3" name="TextBox 2"/>
+          <p:cNvPr id="3" name="TextBox 2">
+            <a:extLst>
+              <a:ext uri="{FF2B5EF4-FFF2-40B4-BE49-F238E27FC236}">
+                <a16:creationId xmlns:a16="http://schemas.microsoft.com/office/drawing/2014/main" id="{F072BC78-592F-295F-B35F-83E3BC1F3C6E}"/>
+              </a:ext>
+            </a:extLst>
+          </p:cNvPr>
           <p:cNvSpPr txBox="1"/>
           <p:nvPr/>
         </p:nvSpPr>
         <p:spPr>
           <a:xfrm>
             <a:off x="260431" y="329879"/>
-            <a:ext cx="8906720" cy="8313558"/>
+            <a:ext cx="8906720" cy="8950655"/>
           </a:xfrm>
           <a:prstGeom prst="rect">
             <a:avLst/>
@@ -5550,43 +5924,7 @@
                 </a:solidFill>
                 <a:latin typeface="Pragmatica" panose="020B0403040502020204" pitchFamily="34" charset="0"/>
               </a:rPr>
-              <a:t>There’s more to Python </a:t>
-            </a:r>
-            <a:r>
-              <a:rPr lang="en-US" sz="6000" b="1" i="1" dirty="0">
-                <a:solidFill>
-                  <a:srgbClr val="CF3338"/>
-                </a:solidFill>
-                <a:latin typeface="Pragmatica" panose="020B0403040502020204" pitchFamily="34" charset="0"/>
-              </a:rPr>
-              <a:t>and</a:t>
-            </a:r>
-            <a:r>
-              <a:rPr lang="en-US" sz="6000" b="1" dirty="0">
-                <a:solidFill>
-                  <a:srgbClr val="CF3338"/>
-                </a:solidFill>
-                <a:latin typeface="Pragmatica" panose="020B0403040502020204" pitchFamily="34" charset="0"/>
-              </a:rPr>
-              <a:t> Excel than Python </a:t>
-            </a:r>
-            <a:r>
-              <a:rPr lang="en-US" sz="6000" b="1" i="1" dirty="0">
-                <a:solidFill>
-                  <a:srgbClr val="CF3338"/>
-                </a:solidFill>
-                <a:latin typeface="Pragmatica" panose="020B0403040502020204" pitchFamily="34" charset="0"/>
-              </a:rPr>
-              <a:t>in </a:t>
-            </a:r>
-            <a:r>
-              <a:rPr lang="en-US" sz="6000" b="1" dirty="0">
-                <a:solidFill>
-                  <a:srgbClr val="CF3338"/>
-                </a:solidFill>
-                <a:latin typeface="Pragmatica" panose="020B0403040502020204" pitchFamily="34" charset="0"/>
-              </a:rPr>
-              <a:t>Excel EXERCISE</a:t>
+              <a:t>From “that’s hard in Excel” to “that’s easy in Python” visualization EXERCISE</a:t>
             </a:r>
           </a:p>
           <a:p>
@@ -5633,7 +5971,7 @@
                 <a:latin typeface="Pragmatica" panose="020B0403040502020204"/>
                 <a:sym typeface="Consolas"/>
               </a:rPr>
-              <a:t>Automate production of a workbook comparing website visitors versus rating</a:t>
+              <a:t>Explore relationship between sales, temperature, customer count over time</a:t>
             </a:r>
           </a:p>
           <a:p>
@@ -5659,7 +5997,7 @@
                 <a:latin typeface="Pragmatica" panose="020B0403040502020204"/>
                 <a:sym typeface="Consolas"/>
               </a:rPr>
-              <a:t>Fill in the blanks to create the script</a:t>
+              <a:t>Fill in the blanks to complete the code</a:t>
             </a:r>
           </a:p>
           <a:p>
@@ -5709,34 +6047,14 @@
               <a:t>File: </a:t>
             </a:r>
             <a:r>
-              <a:rPr lang="en-US" sz="3600" dirty="0" err="1">
+              <a:rPr lang="en-US" sz="3600" dirty="0">
                 <a:solidFill>
                   <a:srgbClr val="C00000"/>
                 </a:solidFill>
                 <a:latin typeface="Consolas" panose="020B0609020204030204" pitchFamily="49" charset="0"/>
                 <a:sym typeface="Consolas"/>
               </a:rPr>
-              <a:t>pae</a:t>
-            </a:r>
-            <a:r>
-              <a:rPr lang="en-US" sz="3600" dirty="0">
-                <a:solidFill>
-                  <a:srgbClr val="C00000"/>
-                </a:solidFill>
-                <a:latin typeface="Consolas" panose="020B0609020204030204" pitchFamily="49" charset="0"/>
-                <a:sym typeface="Consolas"/>
-              </a:rPr>
-              <a:t>-pie-</a:t>
-            </a:r>
-            <a:r>
-              <a:rPr lang="en-US" sz="3600" dirty="0" err="1">
-                <a:solidFill>
-                  <a:srgbClr val="C00000"/>
-                </a:solidFill>
-                <a:latin typeface="Consolas" panose="020B0609020204030204" pitchFamily="49" charset="0"/>
-                <a:sym typeface="Consolas"/>
-              </a:rPr>
-              <a:t>exercise.ipynb</a:t>
+              <a:t>hard-excel-easy-python-viz-exercise.xlsx</a:t>
             </a:r>
             <a:endParaRPr lang="en-US" sz="6000" dirty="0">
               <a:solidFill>
@@ -5758,7 +6076,7 @@
     </p:spTree>
     <p:extLst>
       <p:ext uri="{BB962C8B-B14F-4D97-AF65-F5344CB8AC3E}">
-        <p14:creationId xmlns:p14="http://schemas.microsoft.com/office/powerpoint/2010/main" val="2531284725"/>
+        <p14:creationId xmlns:p14="http://schemas.microsoft.com/office/powerpoint/2010/main" val="876532007"/>
       </p:ext>
     </p:extLst>
   </p:cSld>
@@ -5768,7 +6086,7 @@
 </p:sld>
 </file>
 
-<file path=ppt/slides/slide16.xml><?xml version="1.0" encoding="utf-8"?>
+<file path=ppt/slides/slide14.xml><?xml version="1.0" encoding="utf-8"?>
 <p:sld xmlns:a="http://schemas.openxmlformats.org/drawingml/2006/main" xmlns:r="http://schemas.openxmlformats.org/officeDocument/2006/relationships" xmlns:p="http://schemas.openxmlformats.org/presentationml/2006/main">
   <p:cSld>
     <p:spTree>
@@ -5916,7 +6234,485 @@
     </p:spTree>
     <p:extLst>
       <p:ext uri="{BB962C8B-B14F-4D97-AF65-F5344CB8AC3E}">
-        <p14:creationId xmlns:p14="http://schemas.microsoft.com/office/powerpoint/2010/main" val="59831101"/>
+        <p14:creationId xmlns:p14="http://schemas.microsoft.com/office/powerpoint/2010/main" val="2899625024"/>
+      </p:ext>
+    </p:extLst>
+  </p:cSld>
+  <p:clrMapOvr>
+    <a:masterClrMapping/>
+  </p:clrMapOvr>
+</p:sld>
+</file>
+
+<file path=ppt/slides/slide15.xml><?xml version="1.0" encoding="utf-8"?>
+<p:sld xmlns:a="http://schemas.openxmlformats.org/drawingml/2006/main" xmlns:r="http://schemas.openxmlformats.org/officeDocument/2006/relationships" xmlns:p="http://schemas.openxmlformats.org/presentationml/2006/main">
+  <p:cSld>
+    <p:spTree>
+      <p:nvGrpSpPr>
+        <p:cNvPr id="1" name=""/>
+        <p:cNvGrpSpPr/>
+        <p:nvPr/>
+      </p:nvGrpSpPr>
+      <p:grpSpPr>
+        <a:xfrm>
+          <a:off x="0" y="0"/>
+          <a:ext cx="0" cy="0"/>
+          <a:chOff x="0" y="0"/>
+          <a:chExt cx="0" cy="0"/>
+        </a:xfrm>
+      </p:grpSpPr>
+      <p:sp>
+        <p:nvSpPr>
+          <p:cNvPr id="4" name="Rectangle 3"/>
+          <p:cNvSpPr/>
+          <p:nvPr/>
+        </p:nvSpPr>
+        <p:spPr>
+          <a:xfrm>
+            <a:off x="0" y="0"/>
+            <a:ext cx="18288000" cy="10287000"/>
+          </a:xfrm>
+          <a:prstGeom prst="rect">
+            <a:avLst/>
+          </a:prstGeom>
+          <a:solidFill>
+            <a:srgbClr val="CF3338"/>
+          </a:solidFill>
+          <a:ln>
+            <a:noFill/>
+          </a:ln>
+        </p:spPr>
+        <p:style>
+          <a:lnRef idx="2">
+            <a:schemeClr val="accent1">
+              <a:shade val="50000"/>
+            </a:schemeClr>
+          </a:lnRef>
+          <a:fillRef idx="1">
+            <a:schemeClr val="accent1"/>
+          </a:fillRef>
+          <a:effectRef idx="0">
+            <a:schemeClr val="accent1"/>
+          </a:effectRef>
+          <a:fontRef idx="minor">
+            <a:schemeClr val="lt1"/>
+          </a:fontRef>
+        </p:style>
+        <p:txBody>
+          <a:bodyPr rtlCol="0" anchor="ctr"/>
+          <a:lstStyle/>
+          <a:p>
+            <a:pPr algn="ctr"/>
+            <a:endParaRPr lang="en-US" sz="2700"/>
+          </a:p>
+        </p:txBody>
+      </p:sp>
+      <p:sp>
+        <p:nvSpPr>
+          <p:cNvPr id="5" name="TextBox 4"/>
+          <p:cNvSpPr txBox="1"/>
+          <p:nvPr/>
+        </p:nvSpPr>
+        <p:spPr>
+          <a:xfrm>
+            <a:off x="781292" y="590309"/>
+            <a:ext cx="15486926" cy="4662815"/>
+          </a:xfrm>
+          <a:prstGeom prst="rect">
+            <a:avLst/>
+          </a:prstGeom>
+          <a:noFill/>
+        </p:spPr>
+        <p:txBody>
+          <a:bodyPr wrap="square" rtlCol="0">
+            <a:spAutoFit/>
+          </a:bodyPr>
+          <a:lstStyle/>
+          <a:p>
+            <a:r>
+              <a:rPr lang="en-US" sz="9900" b="1" dirty="0">
+                <a:solidFill>
+                  <a:schemeClr val="bg1"/>
+                </a:solidFill>
+                <a:latin typeface="Normafixed Tryout" panose="00000409000000000000" pitchFamily="49" charset="0"/>
+              </a:rPr>
+              <a:t>3. There’s more to Python </a:t>
+            </a:r>
+            <a:r>
+              <a:rPr lang="en-US" sz="9900" b="1" i="1" dirty="0">
+                <a:solidFill>
+                  <a:schemeClr val="bg1"/>
+                </a:solidFill>
+                <a:latin typeface="Normafixed Tryout" panose="00000409000000000000" pitchFamily="49" charset="0"/>
+              </a:rPr>
+              <a:t>and </a:t>
+            </a:r>
+            <a:r>
+              <a:rPr lang="en-US" sz="9900" b="1" dirty="0">
+                <a:solidFill>
+                  <a:schemeClr val="bg1"/>
+                </a:solidFill>
+                <a:latin typeface="Normafixed Tryout" panose="00000409000000000000" pitchFamily="49" charset="0"/>
+              </a:rPr>
+              <a:t>Excel than Python </a:t>
+            </a:r>
+            <a:r>
+              <a:rPr lang="en-US" sz="9900" b="1" i="1" dirty="0">
+                <a:solidFill>
+                  <a:schemeClr val="bg1"/>
+                </a:solidFill>
+                <a:latin typeface="Normafixed Tryout" panose="00000409000000000000" pitchFamily="49" charset="0"/>
+              </a:rPr>
+              <a:t>in </a:t>
+            </a:r>
+            <a:r>
+              <a:rPr lang="en-US" sz="9900" b="1" dirty="0">
+                <a:solidFill>
+                  <a:schemeClr val="bg1"/>
+                </a:solidFill>
+                <a:latin typeface="Normafixed Tryout" panose="00000409000000000000" pitchFamily="49" charset="0"/>
+              </a:rPr>
+              <a:t>Excel</a:t>
+            </a:r>
+          </a:p>
+        </p:txBody>
+      </p:sp>
+    </p:spTree>
+    <p:extLst>
+      <p:ext uri="{BB962C8B-B14F-4D97-AF65-F5344CB8AC3E}">
+        <p14:creationId xmlns:p14="http://schemas.microsoft.com/office/powerpoint/2010/main" val="1915421395"/>
+      </p:ext>
+    </p:extLst>
+  </p:cSld>
+  <p:clrMapOvr>
+    <a:masterClrMapping/>
+  </p:clrMapOvr>
+</p:sld>
+</file>
+
+<file path=ppt/slides/slide16.xml><?xml version="1.0" encoding="utf-8"?>
+<p:sld xmlns:a="http://schemas.openxmlformats.org/drawingml/2006/main" xmlns:r="http://schemas.openxmlformats.org/officeDocument/2006/relationships" xmlns:p="http://schemas.openxmlformats.org/presentationml/2006/main">
+  <p:cSld>
+    <p:spTree>
+      <p:nvGrpSpPr>
+        <p:cNvPr id="1" name=""/>
+        <p:cNvGrpSpPr/>
+        <p:nvPr/>
+      </p:nvGrpSpPr>
+      <p:grpSpPr>
+        <a:xfrm>
+          <a:off x="0" y="0"/>
+          <a:ext cx="0" cy="0"/>
+          <a:chOff x="0" y="0"/>
+          <a:chExt cx="0" cy="0"/>
+        </a:xfrm>
+      </p:grpSpPr>
+      <p:sp>
+        <p:nvSpPr>
+          <p:cNvPr id="4" name="Rectangle 3"/>
+          <p:cNvSpPr/>
+          <p:nvPr/>
+        </p:nvSpPr>
+        <p:spPr>
+          <a:xfrm>
+            <a:off x="9861630" y="0"/>
+            <a:ext cx="8426370" cy="10287000"/>
+          </a:xfrm>
+          <a:prstGeom prst="rect">
+            <a:avLst/>
+          </a:prstGeom>
+          <a:solidFill>
+            <a:srgbClr val="CF3338"/>
+          </a:solidFill>
+          <a:ln>
+            <a:noFill/>
+          </a:ln>
+        </p:spPr>
+        <p:style>
+          <a:lnRef idx="2">
+            <a:schemeClr val="accent1">
+              <a:shade val="50000"/>
+            </a:schemeClr>
+          </a:lnRef>
+          <a:fillRef idx="1">
+            <a:schemeClr val="accent1"/>
+          </a:fillRef>
+          <a:effectRef idx="0">
+            <a:schemeClr val="accent1"/>
+          </a:effectRef>
+          <a:fontRef idx="minor">
+            <a:schemeClr val="lt1"/>
+          </a:fontRef>
+        </p:style>
+        <p:txBody>
+          <a:bodyPr rtlCol="0" anchor="ctr"/>
+          <a:lstStyle/>
+          <a:p>
+            <a:pPr algn="ctr"/>
+            <a:endParaRPr lang="en-US" sz="2700"/>
+          </a:p>
+        </p:txBody>
+      </p:sp>
+      <p:pic>
+        <p:nvPicPr>
+          <p:cNvPr id="2" name="Picture 1"/>
+          <p:cNvPicPr>
+            <a:picLocks noChangeAspect="1"/>
+          </p:cNvPicPr>
+          <p:nvPr/>
+        </p:nvPicPr>
+        <p:blipFill rotWithShape="1">
+          <a:blip r:embed="rId3">
+            <a:extLst>
+              <a:ext uri="{28A0092B-C50C-407E-A947-70E740481C1C}">
+                <a14:useLocalDpi xmlns:a14="http://schemas.microsoft.com/office/drawing/2010/main" val="0"/>
+              </a:ext>
+            </a:extLst>
+          </a:blip>
+          <a:srcRect l="69227" t="33418" r="20112" b="50548"/>
+          <a:stretch/>
+        </p:blipFill>
+        <p:spPr>
+          <a:xfrm>
+            <a:off x="15579524" y="7544693"/>
+            <a:ext cx="2708477" cy="2987579"/>
+          </a:xfrm>
+          <a:prstGeom prst="rect">
+            <a:avLst/>
+          </a:prstGeom>
+        </p:spPr>
+      </p:pic>
+      <p:sp>
+        <p:nvSpPr>
+          <p:cNvPr id="3" name="TextBox 2"/>
+          <p:cNvSpPr txBox="1"/>
+          <p:nvPr/>
+        </p:nvSpPr>
+        <p:spPr>
+          <a:xfrm>
+            <a:off x="260431" y="329879"/>
+            <a:ext cx="8906720" cy="9596986"/>
+          </a:xfrm>
+          <a:prstGeom prst="rect">
+            <a:avLst/>
+          </a:prstGeom>
+          <a:noFill/>
+        </p:spPr>
+        <p:txBody>
+          <a:bodyPr wrap="square" rtlCol="0">
+            <a:spAutoFit/>
+          </a:bodyPr>
+          <a:lstStyle/>
+          <a:p>
+            <a:r>
+              <a:rPr lang="en-US" sz="6000" b="1" dirty="0">
+                <a:solidFill>
+                  <a:srgbClr val="CF3338"/>
+                </a:solidFill>
+                <a:latin typeface="Pragmatica" panose="020B0403040502020204" pitchFamily="34" charset="0"/>
+              </a:rPr>
+              <a:t>There’s more to Python </a:t>
+            </a:r>
+            <a:r>
+              <a:rPr lang="en-US" sz="6000" b="1" i="1" dirty="0">
+                <a:solidFill>
+                  <a:srgbClr val="CF3338"/>
+                </a:solidFill>
+                <a:latin typeface="Pragmatica" panose="020B0403040502020204" pitchFamily="34" charset="0"/>
+              </a:rPr>
+              <a:t>and</a:t>
+            </a:r>
+            <a:r>
+              <a:rPr lang="en-US" sz="6000" b="1" dirty="0">
+                <a:solidFill>
+                  <a:srgbClr val="CF3338"/>
+                </a:solidFill>
+                <a:latin typeface="Pragmatica" panose="020B0403040502020204" pitchFamily="34" charset="0"/>
+              </a:rPr>
+              <a:t> Excel than Python </a:t>
+            </a:r>
+            <a:r>
+              <a:rPr lang="en-US" sz="6000" b="1" i="1" dirty="0">
+                <a:solidFill>
+                  <a:srgbClr val="CF3338"/>
+                </a:solidFill>
+                <a:latin typeface="Pragmatica" panose="020B0403040502020204" pitchFamily="34" charset="0"/>
+              </a:rPr>
+              <a:t>in </a:t>
+            </a:r>
+            <a:r>
+              <a:rPr lang="en-US" sz="6000" b="1" dirty="0">
+                <a:solidFill>
+                  <a:srgbClr val="CF3338"/>
+                </a:solidFill>
+                <a:latin typeface="Pragmatica" panose="020B0403040502020204" pitchFamily="34" charset="0"/>
+              </a:rPr>
+              <a:t>Excel</a:t>
+            </a:r>
+          </a:p>
+          <a:p>
+            <a:endParaRPr lang="en-US" sz="4200" dirty="0">
+              <a:solidFill>
+                <a:srgbClr val="CF3338"/>
+              </a:solidFill>
+              <a:latin typeface="Pragmatica" panose="020B0403040502020204" pitchFamily="34" charset="0"/>
+            </a:endParaRPr>
+          </a:p>
+          <a:p>
+            <a:pPr marL="685800" indent="-542925">
+              <a:lnSpc>
+                <a:spcPct val="115000"/>
+              </a:lnSpc>
+              <a:spcBef>
+                <a:spcPts val="1125"/>
+              </a:spcBef>
+              <a:buClr>
+                <a:srgbClr val="C00000"/>
+              </a:buClr>
+              <a:buSzPts val="2100"/>
+              <a:buFont typeface="Arial"/>
+              <a:buAutoNum type="arabicPeriod"/>
+            </a:pPr>
+            <a:r>
+              <a:rPr lang="en-US" sz="3600" dirty="0">
+                <a:solidFill>
+                  <a:srgbClr val="C00000"/>
+                </a:solidFill>
+                <a:latin typeface="Pragmatica" panose="020B0403040502020204"/>
+                <a:sym typeface="Consolas"/>
+              </a:rPr>
+              <a:t>Python in Excel is all about data analysis, visualization, statistics &amp; ML</a:t>
+            </a:r>
+          </a:p>
+          <a:p>
+            <a:pPr marL="685800" indent="-542925">
+              <a:lnSpc>
+                <a:spcPct val="115000"/>
+              </a:lnSpc>
+              <a:spcBef>
+                <a:spcPts val="1125"/>
+              </a:spcBef>
+              <a:buClr>
+                <a:srgbClr val="C00000"/>
+              </a:buClr>
+              <a:buSzPts val="2100"/>
+              <a:buFont typeface="Arial"/>
+              <a:buAutoNum type="arabicPeriod"/>
+            </a:pPr>
+            <a:r>
+              <a:rPr lang="en-US" sz="3600" dirty="0">
+                <a:solidFill>
+                  <a:srgbClr val="C00000"/>
+                </a:solidFill>
+                <a:latin typeface="Pragmatica" panose="020B0403040502020204"/>
+                <a:sym typeface="Consolas"/>
+              </a:rPr>
+              <a:t>It lacks Excel automation capabilities</a:t>
+            </a:r>
+          </a:p>
+          <a:p>
+            <a:pPr marL="685800" indent="-542925">
+              <a:lnSpc>
+                <a:spcPct val="115000"/>
+              </a:lnSpc>
+              <a:spcBef>
+                <a:spcPts val="1125"/>
+              </a:spcBef>
+              <a:buClr>
+                <a:srgbClr val="C00000"/>
+              </a:buClr>
+              <a:buSzPts val="2100"/>
+              <a:buFont typeface="Arial"/>
+              <a:buAutoNum type="arabicPeriod"/>
+            </a:pPr>
+            <a:r>
+              <a:rPr lang="en-US" sz="3600" dirty="0">
+                <a:solidFill>
+                  <a:srgbClr val="C00000"/>
+                </a:solidFill>
+                <a:latin typeface="Pragmatica" panose="020B0403040502020204"/>
+                <a:sym typeface="Consolas"/>
+              </a:rPr>
+              <a:t>Let’s automate an entire Excel workbook from Python… without opening Excel!</a:t>
+            </a:r>
+          </a:p>
+          <a:p>
+            <a:pPr marL="685800" indent="-542925">
+              <a:lnSpc>
+                <a:spcPct val="115000"/>
+              </a:lnSpc>
+              <a:spcBef>
+                <a:spcPts val="1125"/>
+              </a:spcBef>
+              <a:buClr>
+                <a:srgbClr val="C00000"/>
+              </a:buClr>
+              <a:buSzPts val="2100"/>
+              <a:buFont typeface="Arial"/>
+              <a:buAutoNum type="arabicPeriod"/>
+            </a:pPr>
+            <a:endParaRPr lang="en-US" sz="3600" dirty="0">
+              <a:solidFill>
+                <a:srgbClr val="C00000"/>
+              </a:solidFill>
+              <a:latin typeface="Pragmatica" panose="020B0403040502020204"/>
+              <a:sym typeface="Consolas"/>
+            </a:endParaRPr>
+          </a:p>
+          <a:p>
+            <a:pPr marL="142875">
+              <a:lnSpc>
+                <a:spcPct val="115000"/>
+              </a:lnSpc>
+              <a:spcBef>
+                <a:spcPts val="1125"/>
+              </a:spcBef>
+              <a:buClr>
+                <a:srgbClr val="C00000"/>
+              </a:buClr>
+              <a:buSzPts val="2100"/>
+            </a:pPr>
+            <a:r>
+              <a:rPr lang="en-US" sz="3600" dirty="0">
+                <a:solidFill>
+                  <a:srgbClr val="C00000"/>
+                </a:solidFill>
+                <a:latin typeface="Pragmatica" panose="020B0403040502020204"/>
+                <a:sym typeface="Consolas"/>
+              </a:rPr>
+              <a:t>File: </a:t>
+            </a:r>
+            <a:r>
+              <a:rPr lang="en-US" sz="3600" dirty="0" err="1">
+                <a:solidFill>
+                  <a:srgbClr val="C00000"/>
+                </a:solidFill>
+                <a:latin typeface="Consolas" panose="020B0609020204030204" pitchFamily="49" charset="0"/>
+                <a:sym typeface="Consolas"/>
+              </a:rPr>
+              <a:t>pae-pie.ipynb</a:t>
+            </a:r>
+            <a:endParaRPr lang="en-US" sz="6000" dirty="0">
+              <a:solidFill>
+                <a:srgbClr val="CF3338"/>
+              </a:solidFill>
+              <a:latin typeface="Consolas" panose="020B0609020204030204" pitchFamily="49" charset="0"/>
+            </a:endParaRPr>
+          </a:p>
+          <a:p>
+            <a:endParaRPr lang="en-US" sz="6000" dirty="0">
+              <a:solidFill>
+                <a:srgbClr val="CF3338"/>
+              </a:solidFill>
+              <a:latin typeface="Pragmatica" panose="020B0403040502020204" pitchFamily="34" charset="0"/>
+            </a:endParaRPr>
+          </a:p>
+        </p:txBody>
+      </p:sp>
+    </p:spTree>
+    <p:extLst>
+      <p:ext uri="{BB962C8B-B14F-4D97-AF65-F5344CB8AC3E}">
+        <p14:creationId xmlns:p14="http://schemas.microsoft.com/office/powerpoint/2010/main" val="2938274525"/>
       </p:ext>
     </p:extLst>
   </p:cSld>
@@ -5927,6 +6723,345 @@
 </file>
 
 <file path=ppt/slides/slide17.xml><?xml version="1.0" encoding="utf-8"?>
+<p:sld xmlns:a="http://schemas.openxmlformats.org/drawingml/2006/main" xmlns:r="http://schemas.openxmlformats.org/officeDocument/2006/relationships" xmlns:p="http://schemas.openxmlformats.org/presentationml/2006/main">
+  <p:cSld>
+    <p:spTree>
+      <p:nvGrpSpPr>
+        <p:cNvPr id="1" name=""/>
+        <p:cNvGrpSpPr/>
+        <p:nvPr/>
+      </p:nvGrpSpPr>
+      <p:grpSpPr>
+        <a:xfrm>
+          <a:off x="0" y="0"/>
+          <a:ext cx="0" cy="0"/>
+          <a:chOff x="0" y="0"/>
+          <a:chExt cx="0" cy="0"/>
+        </a:xfrm>
+      </p:grpSpPr>
+      <p:sp>
+        <p:nvSpPr>
+          <p:cNvPr id="4" name="Rectangle 3"/>
+          <p:cNvSpPr/>
+          <p:nvPr/>
+        </p:nvSpPr>
+        <p:spPr>
+          <a:xfrm>
+            <a:off x="9861630" y="0"/>
+            <a:ext cx="8426370" cy="10287000"/>
+          </a:xfrm>
+          <a:prstGeom prst="rect">
+            <a:avLst/>
+          </a:prstGeom>
+          <a:solidFill>
+            <a:srgbClr val="CF3338"/>
+          </a:solidFill>
+          <a:ln>
+            <a:noFill/>
+          </a:ln>
+        </p:spPr>
+        <p:style>
+          <a:lnRef idx="2">
+            <a:schemeClr val="accent1">
+              <a:shade val="50000"/>
+            </a:schemeClr>
+          </a:lnRef>
+          <a:fillRef idx="1">
+            <a:schemeClr val="accent1"/>
+          </a:fillRef>
+          <a:effectRef idx="0">
+            <a:schemeClr val="accent1"/>
+          </a:effectRef>
+          <a:fontRef idx="minor">
+            <a:schemeClr val="lt1"/>
+          </a:fontRef>
+        </p:style>
+        <p:txBody>
+          <a:bodyPr rtlCol="0" anchor="ctr"/>
+          <a:lstStyle/>
+          <a:p>
+            <a:pPr algn="ctr"/>
+            <a:endParaRPr lang="en-US" sz="2700"/>
+          </a:p>
+        </p:txBody>
+      </p:sp>
+      <p:pic>
+        <p:nvPicPr>
+          <p:cNvPr id="2" name="Picture 1"/>
+          <p:cNvPicPr>
+            <a:picLocks noChangeAspect="1"/>
+          </p:cNvPicPr>
+          <p:nvPr/>
+        </p:nvPicPr>
+        <p:blipFill rotWithShape="1">
+          <a:blip r:embed="rId3">
+            <a:extLst>
+              <a:ext uri="{28A0092B-C50C-407E-A947-70E740481C1C}">
+                <a14:useLocalDpi xmlns:a14="http://schemas.microsoft.com/office/drawing/2010/main" val="0"/>
+              </a:ext>
+            </a:extLst>
+          </a:blip>
+          <a:srcRect l="69227" t="33418" r="20112" b="50548"/>
+          <a:stretch/>
+        </p:blipFill>
+        <p:spPr>
+          <a:xfrm>
+            <a:off x="15579524" y="7544693"/>
+            <a:ext cx="2708477" cy="2987579"/>
+          </a:xfrm>
+          <a:prstGeom prst="rect">
+            <a:avLst/>
+          </a:prstGeom>
+        </p:spPr>
+      </p:pic>
+      <p:sp>
+        <p:nvSpPr>
+          <p:cNvPr id="3" name="TextBox 2"/>
+          <p:cNvSpPr txBox="1"/>
+          <p:nvPr/>
+        </p:nvSpPr>
+        <p:spPr>
+          <a:xfrm>
+            <a:off x="260431" y="329879"/>
+            <a:ext cx="8906720" cy="8313558"/>
+          </a:xfrm>
+          <a:prstGeom prst="rect">
+            <a:avLst/>
+          </a:prstGeom>
+          <a:noFill/>
+        </p:spPr>
+        <p:txBody>
+          <a:bodyPr wrap="square" rtlCol="0">
+            <a:spAutoFit/>
+          </a:bodyPr>
+          <a:lstStyle/>
+          <a:p>
+            <a:r>
+              <a:rPr lang="en-US" sz="6000" b="1" dirty="0">
+                <a:solidFill>
+                  <a:srgbClr val="CF3338"/>
+                </a:solidFill>
+                <a:latin typeface="Pragmatica" panose="020B0403040502020204" pitchFamily="34" charset="0"/>
+              </a:rPr>
+              <a:t>There’s more to Python </a:t>
+            </a:r>
+            <a:r>
+              <a:rPr lang="en-US" sz="6000" b="1" i="1" dirty="0">
+                <a:solidFill>
+                  <a:srgbClr val="CF3338"/>
+                </a:solidFill>
+                <a:latin typeface="Pragmatica" panose="020B0403040502020204" pitchFamily="34" charset="0"/>
+              </a:rPr>
+              <a:t>and</a:t>
+            </a:r>
+            <a:r>
+              <a:rPr lang="en-US" sz="6000" b="1" dirty="0">
+                <a:solidFill>
+                  <a:srgbClr val="CF3338"/>
+                </a:solidFill>
+                <a:latin typeface="Pragmatica" panose="020B0403040502020204" pitchFamily="34" charset="0"/>
+              </a:rPr>
+              <a:t> Excel than Python </a:t>
+            </a:r>
+            <a:r>
+              <a:rPr lang="en-US" sz="6000" b="1" i="1" dirty="0">
+                <a:solidFill>
+                  <a:srgbClr val="CF3338"/>
+                </a:solidFill>
+                <a:latin typeface="Pragmatica" panose="020B0403040502020204" pitchFamily="34" charset="0"/>
+              </a:rPr>
+              <a:t>in </a:t>
+            </a:r>
+            <a:r>
+              <a:rPr lang="en-US" sz="6000" b="1" dirty="0">
+                <a:solidFill>
+                  <a:srgbClr val="CF3338"/>
+                </a:solidFill>
+                <a:latin typeface="Pragmatica" panose="020B0403040502020204" pitchFamily="34" charset="0"/>
+              </a:rPr>
+              <a:t>Excel EXERCISE</a:t>
+            </a:r>
+          </a:p>
+          <a:p>
+            <a:pPr marL="142875">
+              <a:lnSpc>
+                <a:spcPct val="115000"/>
+              </a:lnSpc>
+              <a:spcBef>
+                <a:spcPts val="1125"/>
+              </a:spcBef>
+              <a:buClr>
+                <a:srgbClr val="C00000"/>
+              </a:buClr>
+              <a:buSzPts val="2100"/>
+            </a:pPr>
+            <a:endParaRPr lang="en-US" sz="3600" dirty="0">
+              <a:solidFill>
+                <a:srgbClr val="C00000"/>
+              </a:solidFill>
+              <a:latin typeface="Pragmatica" panose="020B0403040502020204"/>
+              <a:sym typeface="Consolas"/>
+            </a:endParaRPr>
+          </a:p>
+          <a:p>
+            <a:pPr marL="714375" indent="-571500">
+              <a:lnSpc>
+                <a:spcPct val="115000"/>
+              </a:lnSpc>
+              <a:spcBef>
+                <a:spcPts val="1125"/>
+              </a:spcBef>
+              <a:buClr>
+                <a:srgbClr val="C00000"/>
+              </a:buClr>
+              <a:buSzPts val="2100"/>
+              <a:buFont typeface="Arial" panose="020B0604020202020204" pitchFamily="34" charset="0"/>
+              <a:buChar char="•"/>
+            </a:pPr>
+            <a:r>
+              <a:rPr lang="en-US" sz="3600" dirty="0">
+                <a:solidFill>
+                  <a:srgbClr val="C00000"/>
+                </a:solidFill>
+                <a:latin typeface="Pragmatica" panose="020B0403040502020204"/>
+                <a:sym typeface="Consolas"/>
+              </a:rPr>
+              <a:t>Automate production of a workbook comparing website visitors versus rating</a:t>
+            </a:r>
+          </a:p>
+          <a:p>
+            <a:pPr marL="714375" indent="-571500">
+              <a:lnSpc>
+                <a:spcPct val="115000"/>
+              </a:lnSpc>
+              <a:spcBef>
+                <a:spcPts val="1125"/>
+              </a:spcBef>
+              <a:buClr>
+                <a:srgbClr val="C00000"/>
+              </a:buClr>
+              <a:buSzPts val="2100"/>
+              <a:buFont typeface="Arial" panose="020B0604020202020204" pitchFamily="34" charset="0"/>
+              <a:buChar char="•"/>
+            </a:pPr>
+            <a:r>
+              <a:rPr lang="en-US" sz="3600" dirty="0">
+                <a:solidFill>
+                  <a:srgbClr val="C00000"/>
+                </a:solidFill>
+                <a:latin typeface="Pragmatica" panose="020B0403040502020204"/>
+                <a:sym typeface="Consolas"/>
+              </a:rPr>
+              <a:t>Fill in the blanks to create the script</a:t>
+            </a:r>
+          </a:p>
+          <a:p>
+            <a:pPr marL="685800" indent="-542925">
+              <a:lnSpc>
+                <a:spcPct val="115000"/>
+              </a:lnSpc>
+              <a:spcBef>
+                <a:spcPts val="1125"/>
+              </a:spcBef>
+              <a:buClr>
+                <a:srgbClr val="C00000"/>
+              </a:buClr>
+              <a:buSzPts val="2100"/>
+              <a:buFont typeface="Arial"/>
+              <a:buAutoNum type="arabicPeriod"/>
+            </a:pPr>
+            <a:endParaRPr lang="en-US" sz="3600" dirty="0">
+              <a:solidFill>
+                <a:srgbClr val="C00000"/>
+              </a:solidFill>
+              <a:latin typeface="Pragmatica" panose="020B0403040502020204"/>
+              <a:sym typeface="Consolas"/>
+            </a:endParaRPr>
+          </a:p>
+          <a:p>
+            <a:pPr marL="142875">
+              <a:lnSpc>
+                <a:spcPct val="115000"/>
+              </a:lnSpc>
+              <a:spcBef>
+                <a:spcPts val="1125"/>
+              </a:spcBef>
+              <a:buClr>
+                <a:srgbClr val="C00000"/>
+              </a:buClr>
+              <a:buSzPts val="2100"/>
+            </a:pPr>
+            <a:r>
+              <a:rPr lang="en-US" sz="3600" dirty="0">
+                <a:solidFill>
+                  <a:srgbClr val="C00000"/>
+                </a:solidFill>
+                <a:latin typeface="Pragmatica" panose="020B0403040502020204"/>
+                <a:sym typeface="Consolas"/>
+              </a:rPr>
+              <a:t>File: </a:t>
+            </a:r>
+            <a:r>
+              <a:rPr lang="en-US" sz="3600" dirty="0" err="1">
+                <a:solidFill>
+                  <a:srgbClr val="C00000"/>
+                </a:solidFill>
+                <a:latin typeface="Consolas" panose="020B0609020204030204" pitchFamily="49" charset="0"/>
+                <a:sym typeface="Consolas"/>
+              </a:rPr>
+              <a:t>pae</a:t>
+            </a:r>
+            <a:r>
+              <a:rPr lang="en-US" sz="3600" dirty="0">
+                <a:solidFill>
+                  <a:srgbClr val="C00000"/>
+                </a:solidFill>
+                <a:latin typeface="Consolas" panose="020B0609020204030204" pitchFamily="49" charset="0"/>
+                <a:sym typeface="Consolas"/>
+              </a:rPr>
+              <a:t>-pie-</a:t>
+            </a:r>
+            <a:r>
+              <a:rPr lang="en-US" sz="3600" dirty="0" err="1">
+                <a:solidFill>
+                  <a:srgbClr val="C00000"/>
+                </a:solidFill>
+                <a:latin typeface="Consolas" panose="020B0609020204030204" pitchFamily="49" charset="0"/>
+                <a:sym typeface="Consolas"/>
+              </a:rPr>
+              <a:t>exercise.ipynb</a:t>
+            </a:r>
+            <a:endParaRPr lang="en-US" sz="6000" dirty="0">
+              <a:solidFill>
+                <a:srgbClr val="CF3338"/>
+              </a:solidFill>
+              <a:latin typeface="Consolas" panose="020B0609020204030204" pitchFamily="49" charset="0"/>
+            </a:endParaRPr>
+          </a:p>
+          <a:p>
+            <a:endParaRPr lang="en-US" sz="6000" dirty="0">
+              <a:solidFill>
+                <a:srgbClr val="CF3338"/>
+              </a:solidFill>
+              <a:latin typeface="Pragmatica" panose="020B0403040502020204" pitchFamily="34" charset="0"/>
+            </a:endParaRPr>
+          </a:p>
+        </p:txBody>
+      </p:sp>
+    </p:spTree>
+    <p:extLst>
+      <p:ext uri="{BB962C8B-B14F-4D97-AF65-F5344CB8AC3E}">
+        <p14:creationId xmlns:p14="http://schemas.microsoft.com/office/powerpoint/2010/main" val="2531284725"/>
+      </p:ext>
+    </p:extLst>
+  </p:cSld>
+  <p:clrMapOvr>
+    <a:masterClrMapping/>
+  </p:clrMapOvr>
+</p:sld>
+</file>
+
+<file path=ppt/slides/slide18.xml><?xml version="1.0" encoding="utf-8"?>
 <p:sld xmlns:a="http://schemas.openxmlformats.org/drawingml/2006/main" xmlns:r="http://schemas.openxmlformats.org/officeDocument/2006/relationships" xmlns:p="http://schemas.openxmlformats.org/presentationml/2006/main">
   <p:cSld>
     <p:spTree>
@@ -6025,20 +7160,14 @@
           <a:lstStyle/>
           <a:p>
             <a:r>
-              <a:rPr lang="en-US" sz="5400" b="1">
+              <a:rPr lang="en-US" sz="5400" b="1" dirty="0">
                 <a:solidFill>
                   <a:srgbClr val="CF3338"/>
                 </a:solidFill>
                 <a:latin typeface="Pragmatica" panose="020B0403040502020204" pitchFamily="34" charset="0"/>
               </a:rPr>
-              <a:t>THANK YOU</a:t>
-            </a:r>
-            <a:endParaRPr lang="en-US" sz="5400" b="1" dirty="0">
-              <a:solidFill>
-                <a:srgbClr val="CF3338"/>
-              </a:solidFill>
-              <a:latin typeface="Pragmatica" panose="020B0403040502020204" pitchFamily="34" charset="0"/>
-            </a:endParaRPr>
+              <a:t>Questions?</a:t>
+            </a:r>
           </a:p>
         </p:txBody>
       </p:sp>
@@ -6080,7 +7209,135 @@
     </p:spTree>
     <p:extLst>
       <p:ext uri="{BB962C8B-B14F-4D97-AF65-F5344CB8AC3E}">
-        <p14:creationId xmlns:p14="http://schemas.microsoft.com/office/powerpoint/2010/main" val="75588663"/>
+        <p14:creationId xmlns:p14="http://schemas.microsoft.com/office/powerpoint/2010/main" val="59831101"/>
+      </p:ext>
+    </p:extLst>
+  </p:cSld>
+  <p:clrMapOvr>
+    <a:masterClrMapping/>
+  </p:clrMapOvr>
+</p:sld>
+</file>
+
+<file path=ppt/slides/slide19.xml><?xml version="1.0" encoding="utf-8"?>
+<p:sld xmlns:a="http://schemas.openxmlformats.org/drawingml/2006/main" xmlns:r="http://schemas.openxmlformats.org/officeDocument/2006/relationships" xmlns:p="http://schemas.openxmlformats.org/presentationml/2006/main">
+  <p:cSld>
+    <p:spTree>
+      <p:nvGrpSpPr>
+        <p:cNvPr id="1" name="">
+          <a:extLst>
+            <a:ext uri="{FF2B5EF4-FFF2-40B4-BE49-F238E27FC236}">
+              <a16:creationId xmlns:a16="http://schemas.microsoft.com/office/drawing/2014/main" id="{E85323C9-D5F7-C820-78B9-E169BDF2311C}"/>
+            </a:ext>
+          </a:extLst>
+        </p:cNvPr>
+        <p:cNvGrpSpPr/>
+        <p:nvPr/>
+      </p:nvGrpSpPr>
+      <p:grpSpPr>
+        <a:xfrm>
+          <a:off x="0" y="0"/>
+          <a:ext cx="0" cy="0"/>
+          <a:chOff x="0" y="0"/>
+          <a:chExt cx="0" cy="0"/>
+        </a:xfrm>
+      </p:grpSpPr>
+      <p:sp>
+        <p:nvSpPr>
+          <p:cNvPr id="4" name="Rectangle 3">
+            <a:extLst>
+              <a:ext uri="{FF2B5EF4-FFF2-40B4-BE49-F238E27FC236}">
+                <a16:creationId xmlns:a16="http://schemas.microsoft.com/office/drawing/2014/main" id="{28971779-1F50-1702-DEC1-87CD482189F0}"/>
+              </a:ext>
+            </a:extLst>
+          </p:cNvPr>
+          <p:cNvSpPr/>
+          <p:nvPr/>
+        </p:nvSpPr>
+        <p:spPr>
+          <a:xfrm>
+            <a:off x="0" y="0"/>
+            <a:ext cx="18288000" cy="10287000"/>
+          </a:xfrm>
+          <a:prstGeom prst="rect">
+            <a:avLst/>
+          </a:prstGeom>
+          <a:solidFill>
+            <a:srgbClr val="CF3338"/>
+          </a:solidFill>
+          <a:ln>
+            <a:noFill/>
+          </a:ln>
+        </p:spPr>
+        <p:style>
+          <a:lnRef idx="2">
+            <a:schemeClr val="accent1">
+              <a:shade val="50000"/>
+            </a:schemeClr>
+          </a:lnRef>
+          <a:fillRef idx="1">
+            <a:schemeClr val="accent1"/>
+          </a:fillRef>
+          <a:effectRef idx="0">
+            <a:schemeClr val="accent1"/>
+          </a:effectRef>
+          <a:fontRef idx="minor">
+            <a:schemeClr val="lt1"/>
+          </a:fontRef>
+        </p:style>
+        <p:txBody>
+          <a:bodyPr rtlCol="0" anchor="ctr"/>
+          <a:lstStyle/>
+          <a:p>
+            <a:pPr algn="ctr"/>
+            <a:endParaRPr lang="en-US" sz="2700"/>
+          </a:p>
+        </p:txBody>
+      </p:sp>
+      <p:sp>
+        <p:nvSpPr>
+          <p:cNvPr id="5" name="TextBox 4">
+            <a:extLst>
+              <a:ext uri="{FF2B5EF4-FFF2-40B4-BE49-F238E27FC236}">
+                <a16:creationId xmlns:a16="http://schemas.microsoft.com/office/drawing/2014/main" id="{5ECC4C7B-C529-5329-03AC-796804551DC1}"/>
+              </a:ext>
+            </a:extLst>
+          </p:cNvPr>
+          <p:cNvSpPr txBox="1"/>
+          <p:nvPr/>
+        </p:nvSpPr>
+        <p:spPr>
+          <a:xfrm>
+            <a:off x="781292" y="590309"/>
+            <a:ext cx="15486926" cy="1615827"/>
+          </a:xfrm>
+          <a:prstGeom prst="rect">
+            <a:avLst/>
+          </a:prstGeom>
+          <a:noFill/>
+        </p:spPr>
+        <p:txBody>
+          <a:bodyPr wrap="square" rtlCol="0">
+            <a:spAutoFit/>
+          </a:bodyPr>
+          <a:lstStyle/>
+          <a:p>
+            <a:r>
+              <a:rPr lang="en-US" sz="9900" b="1" dirty="0">
+                <a:solidFill>
+                  <a:schemeClr val="bg1"/>
+                </a:solidFill>
+                <a:latin typeface="Normafixed Tryout" panose="00000409000000000000" pitchFamily="49" charset="0"/>
+              </a:rPr>
+              <a:t>4. Conclusion</a:t>
+            </a:r>
+          </a:p>
+        </p:txBody>
+      </p:sp>
+    </p:spTree>
+    <p:extLst>
+      <p:ext uri="{BB962C8B-B14F-4D97-AF65-F5344CB8AC3E}">
+        <p14:creationId xmlns:p14="http://schemas.microsoft.com/office/powerpoint/2010/main" val="358064314"/>
       </p:ext>
     </p:extLst>
   </p:cSld>
@@ -6377,6 +7634,795 @@
 </p:sld>
 </file>
 
+<file path=ppt/slides/slide20.xml><?xml version="1.0" encoding="utf-8"?>
+<p:sld xmlns:a="http://schemas.openxmlformats.org/drawingml/2006/main" xmlns:r="http://schemas.openxmlformats.org/officeDocument/2006/relationships" xmlns:p="http://schemas.openxmlformats.org/presentationml/2006/main">
+  <p:cSld>
+    <p:spTree>
+      <p:nvGrpSpPr>
+        <p:cNvPr id="1" name="">
+          <a:extLst>
+            <a:ext uri="{FF2B5EF4-FFF2-40B4-BE49-F238E27FC236}">
+              <a16:creationId xmlns:a16="http://schemas.microsoft.com/office/drawing/2014/main" id="{556CB9BC-ABA6-103A-715B-D3B9A4577CCE}"/>
+            </a:ext>
+          </a:extLst>
+        </p:cNvPr>
+        <p:cNvGrpSpPr/>
+        <p:nvPr/>
+      </p:nvGrpSpPr>
+      <p:grpSpPr>
+        <a:xfrm>
+          <a:off x="0" y="0"/>
+          <a:ext cx="0" cy="0"/>
+          <a:chOff x="0" y="0"/>
+          <a:chExt cx="0" cy="0"/>
+        </a:xfrm>
+      </p:grpSpPr>
+      <p:sp>
+        <p:nvSpPr>
+          <p:cNvPr id="4" name="Rectangle 3">
+            <a:extLst>
+              <a:ext uri="{FF2B5EF4-FFF2-40B4-BE49-F238E27FC236}">
+                <a16:creationId xmlns:a16="http://schemas.microsoft.com/office/drawing/2014/main" id="{DADD1AF2-9FDD-94D8-80B6-5B4D41D189A9}"/>
+              </a:ext>
+            </a:extLst>
+          </p:cNvPr>
+          <p:cNvSpPr/>
+          <p:nvPr/>
+        </p:nvSpPr>
+        <p:spPr>
+          <a:xfrm>
+            <a:off x="9861630" y="0"/>
+            <a:ext cx="8426370" cy="10287000"/>
+          </a:xfrm>
+          <a:prstGeom prst="rect">
+            <a:avLst/>
+          </a:prstGeom>
+          <a:solidFill>
+            <a:srgbClr val="CF3338"/>
+          </a:solidFill>
+          <a:ln>
+            <a:noFill/>
+          </a:ln>
+        </p:spPr>
+        <p:style>
+          <a:lnRef idx="2">
+            <a:schemeClr val="accent1">
+              <a:shade val="50000"/>
+            </a:schemeClr>
+          </a:lnRef>
+          <a:fillRef idx="1">
+            <a:schemeClr val="accent1"/>
+          </a:fillRef>
+          <a:effectRef idx="0">
+            <a:schemeClr val="accent1"/>
+          </a:effectRef>
+          <a:fontRef idx="minor">
+            <a:schemeClr val="lt1"/>
+          </a:fontRef>
+        </p:style>
+        <p:txBody>
+          <a:bodyPr rtlCol="0" anchor="ctr"/>
+          <a:lstStyle/>
+          <a:p>
+            <a:pPr algn="ctr"/>
+            <a:endParaRPr lang="en-US" sz="2700"/>
+          </a:p>
+        </p:txBody>
+      </p:sp>
+      <p:pic>
+        <p:nvPicPr>
+          <p:cNvPr id="2" name="Picture 1">
+            <a:extLst>
+              <a:ext uri="{FF2B5EF4-FFF2-40B4-BE49-F238E27FC236}">
+                <a16:creationId xmlns:a16="http://schemas.microsoft.com/office/drawing/2014/main" id="{B995B80C-F573-6FA2-163B-B895205BFF2A}"/>
+              </a:ext>
+            </a:extLst>
+          </p:cNvPr>
+          <p:cNvPicPr>
+            <a:picLocks noChangeAspect="1"/>
+          </p:cNvPicPr>
+          <p:nvPr/>
+        </p:nvPicPr>
+        <p:blipFill rotWithShape="1">
+          <a:blip r:embed="rId3">
+            <a:extLst>
+              <a:ext uri="{28A0092B-C50C-407E-A947-70E740481C1C}">
+                <a14:useLocalDpi xmlns:a14="http://schemas.microsoft.com/office/drawing/2010/main" val="0"/>
+              </a:ext>
+            </a:extLst>
+          </a:blip>
+          <a:srcRect l="69227" t="33418" r="20112" b="50548"/>
+          <a:stretch/>
+        </p:blipFill>
+        <p:spPr>
+          <a:xfrm>
+            <a:off x="15579524" y="7544693"/>
+            <a:ext cx="2708477" cy="2987579"/>
+          </a:xfrm>
+          <a:prstGeom prst="rect">
+            <a:avLst/>
+          </a:prstGeom>
+        </p:spPr>
+      </p:pic>
+      <p:sp>
+        <p:nvSpPr>
+          <p:cNvPr id="3" name="TextBox 2">
+            <a:extLst>
+              <a:ext uri="{FF2B5EF4-FFF2-40B4-BE49-F238E27FC236}">
+                <a16:creationId xmlns:a16="http://schemas.microsoft.com/office/drawing/2014/main" id="{1B972C77-007E-B6EB-C801-5C7906650F63}"/>
+              </a:ext>
+            </a:extLst>
+          </p:cNvPr>
+          <p:cNvSpPr txBox="1"/>
+          <p:nvPr/>
+        </p:nvSpPr>
+        <p:spPr>
+          <a:xfrm>
+            <a:off x="260431" y="329879"/>
+            <a:ext cx="8906720" cy="2717154"/>
+          </a:xfrm>
+          <a:prstGeom prst="rect">
+            <a:avLst/>
+          </a:prstGeom>
+          <a:noFill/>
+        </p:spPr>
+        <p:txBody>
+          <a:bodyPr wrap="square" rtlCol="0">
+            <a:spAutoFit/>
+          </a:bodyPr>
+          <a:lstStyle/>
+          <a:p>
+            <a:r>
+              <a:rPr lang="en-US" sz="6000" b="1" dirty="0">
+                <a:solidFill>
+                  <a:srgbClr val="CF3338"/>
+                </a:solidFill>
+                <a:latin typeface="Pragmatica" panose="020B0403040502020204" pitchFamily="34" charset="0"/>
+              </a:rPr>
+              <a:t>Resource: </a:t>
+            </a:r>
+            <a:r>
+              <a:rPr lang="en-US" sz="6000" b="1" i="1" dirty="0">
+                <a:solidFill>
+                  <a:srgbClr val="CF3338"/>
+                </a:solidFill>
+                <a:latin typeface="Pragmatica" panose="020B0403040502020204" pitchFamily="34" charset="0"/>
+              </a:rPr>
+              <a:t>Python for Excel</a:t>
+            </a:r>
+            <a:endParaRPr lang="en-US" sz="6000" b="1" dirty="0">
+              <a:solidFill>
+                <a:srgbClr val="CF3338"/>
+              </a:solidFill>
+              <a:latin typeface="Pragmatica" panose="020B0403040502020204" pitchFamily="34" charset="0"/>
+            </a:endParaRPr>
+          </a:p>
+          <a:p>
+            <a:pPr marL="142875">
+              <a:lnSpc>
+                <a:spcPct val="115000"/>
+              </a:lnSpc>
+              <a:spcBef>
+                <a:spcPts val="1125"/>
+              </a:spcBef>
+              <a:buClr>
+                <a:srgbClr val="C00000"/>
+              </a:buClr>
+              <a:buSzPts val="2100"/>
+            </a:pPr>
+            <a:endParaRPr lang="en-US" sz="3600" dirty="0">
+              <a:solidFill>
+                <a:srgbClr val="C00000"/>
+              </a:solidFill>
+              <a:latin typeface="Pragmatica" panose="020B0403040502020204"/>
+              <a:sym typeface="Consolas"/>
+            </a:endParaRPr>
+          </a:p>
+          <a:p>
+            <a:endParaRPr lang="en-US" sz="6000" dirty="0">
+              <a:solidFill>
+                <a:srgbClr val="CF3338"/>
+              </a:solidFill>
+              <a:latin typeface="Pragmatica" panose="020B0403040502020204" pitchFamily="34" charset="0"/>
+            </a:endParaRPr>
+          </a:p>
+        </p:txBody>
+      </p:sp>
+    </p:spTree>
+    <p:extLst>
+      <p:ext uri="{BB962C8B-B14F-4D97-AF65-F5344CB8AC3E}">
+        <p14:creationId xmlns:p14="http://schemas.microsoft.com/office/powerpoint/2010/main" val="837451578"/>
+      </p:ext>
+    </p:extLst>
+  </p:cSld>
+  <p:clrMapOvr>
+    <a:masterClrMapping/>
+  </p:clrMapOvr>
+</p:sld>
+</file>
+
+<file path=ppt/slides/slide21.xml><?xml version="1.0" encoding="utf-8"?>
+<p:sld xmlns:a="http://schemas.openxmlformats.org/drawingml/2006/main" xmlns:r="http://schemas.openxmlformats.org/officeDocument/2006/relationships" xmlns:p="http://schemas.openxmlformats.org/presentationml/2006/main">
+  <p:cSld>
+    <p:spTree>
+      <p:nvGrpSpPr>
+        <p:cNvPr id="1" name="">
+          <a:extLst>
+            <a:ext uri="{FF2B5EF4-FFF2-40B4-BE49-F238E27FC236}">
+              <a16:creationId xmlns:a16="http://schemas.microsoft.com/office/drawing/2014/main" id="{1DCEF581-6BA9-4461-08BA-6D16F65F3328}"/>
+            </a:ext>
+          </a:extLst>
+        </p:cNvPr>
+        <p:cNvGrpSpPr/>
+        <p:nvPr/>
+      </p:nvGrpSpPr>
+      <p:grpSpPr>
+        <a:xfrm>
+          <a:off x="0" y="0"/>
+          <a:ext cx="0" cy="0"/>
+          <a:chOff x="0" y="0"/>
+          <a:chExt cx="0" cy="0"/>
+        </a:xfrm>
+      </p:grpSpPr>
+      <p:sp>
+        <p:nvSpPr>
+          <p:cNvPr id="4" name="Rectangle 3">
+            <a:extLst>
+              <a:ext uri="{FF2B5EF4-FFF2-40B4-BE49-F238E27FC236}">
+                <a16:creationId xmlns:a16="http://schemas.microsoft.com/office/drawing/2014/main" id="{086DF1D7-4393-B6A7-D04C-55B1E5B8B731}"/>
+              </a:ext>
+            </a:extLst>
+          </p:cNvPr>
+          <p:cNvSpPr/>
+          <p:nvPr/>
+        </p:nvSpPr>
+        <p:spPr>
+          <a:xfrm>
+            <a:off x="9861630" y="0"/>
+            <a:ext cx="8426370" cy="10287000"/>
+          </a:xfrm>
+          <a:prstGeom prst="rect">
+            <a:avLst/>
+          </a:prstGeom>
+          <a:solidFill>
+            <a:srgbClr val="CF3338"/>
+          </a:solidFill>
+          <a:ln>
+            <a:noFill/>
+          </a:ln>
+        </p:spPr>
+        <p:style>
+          <a:lnRef idx="2">
+            <a:schemeClr val="accent1">
+              <a:shade val="50000"/>
+            </a:schemeClr>
+          </a:lnRef>
+          <a:fillRef idx="1">
+            <a:schemeClr val="accent1"/>
+          </a:fillRef>
+          <a:effectRef idx="0">
+            <a:schemeClr val="accent1"/>
+          </a:effectRef>
+          <a:fontRef idx="minor">
+            <a:schemeClr val="lt1"/>
+          </a:fontRef>
+        </p:style>
+        <p:txBody>
+          <a:bodyPr rtlCol="0" anchor="ctr"/>
+          <a:lstStyle/>
+          <a:p>
+            <a:pPr algn="ctr"/>
+            <a:endParaRPr lang="en-US" sz="2700"/>
+          </a:p>
+        </p:txBody>
+      </p:sp>
+      <p:pic>
+        <p:nvPicPr>
+          <p:cNvPr id="2" name="Picture 1">
+            <a:extLst>
+              <a:ext uri="{FF2B5EF4-FFF2-40B4-BE49-F238E27FC236}">
+                <a16:creationId xmlns:a16="http://schemas.microsoft.com/office/drawing/2014/main" id="{310EF924-3C1C-4586-5E9A-2810C5DAD7C2}"/>
+              </a:ext>
+            </a:extLst>
+          </p:cNvPr>
+          <p:cNvPicPr>
+            <a:picLocks noChangeAspect="1"/>
+          </p:cNvPicPr>
+          <p:nvPr/>
+        </p:nvPicPr>
+        <p:blipFill rotWithShape="1">
+          <a:blip r:embed="rId3">
+            <a:extLst>
+              <a:ext uri="{28A0092B-C50C-407E-A947-70E740481C1C}">
+                <a14:useLocalDpi xmlns:a14="http://schemas.microsoft.com/office/drawing/2010/main" val="0"/>
+              </a:ext>
+            </a:extLst>
+          </a:blip>
+          <a:srcRect l="69227" t="33418" r="20112" b="50548"/>
+          <a:stretch/>
+        </p:blipFill>
+        <p:spPr>
+          <a:xfrm>
+            <a:off x="15579524" y="7544693"/>
+            <a:ext cx="2708477" cy="2987579"/>
+          </a:xfrm>
+          <a:prstGeom prst="rect">
+            <a:avLst/>
+          </a:prstGeom>
+        </p:spPr>
+      </p:pic>
+      <p:sp>
+        <p:nvSpPr>
+          <p:cNvPr id="3" name="TextBox 2">
+            <a:extLst>
+              <a:ext uri="{FF2B5EF4-FFF2-40B4-BE49-F238E27FC236}">
+                <a16:creationId xmlns:a16="http://schemas.microsoft.com/office/drawing/2014/main" id="{9C1992D3-0543-2919-A641-F8327941676A}"/>
+              </a:ext>
+            </a:extLst>
+          </p:cNvPr>
+          <p:cNvSpPr txBox="1"/>
+          <p:nvPr/>
+        </p:nvSpPr>
+        <p:spPr>
+          <a:xfrm>
+            <a:off x="260431" y="329879"/>
+            <a:ext cx="8906720" cy="3640484"/>
+          </a:xfrm>
+          <a:prstGeom prst="rect">
+            <a:avLst/>
+          </a:prstGeom>
+          <a:noFill/>
+        </p:spPr>
+        <p:txBody>
+          <a:bodyPr wrap="square" rtlCol="0">
+            <a:spAutoFit/>
+          </a:bodyPr>
+          <a:lstStyle/>
+          <a:p>
+            <a:r>
+              <a:rPr lang="en-US" sz="6000" b="1" dirty="0">
+                <a:solidFill>
+                  <a:srgbClr val="CF3338"/>
+                </a:solidFill>
+                <a:latin typeface="Pragmatica" panose="020B0403040502020204" pitchFamily="34" charset="0"/>
+              </a:rPr>
+              <a:t>Resource: </a:t>
+            </a:r>
+            <a:r>
+              <a:rPr lang="en-US" sz="6000" b="1" i="1" dirty="0">
+                <a:solidFill>
+                  <a:srgbClr val="CF3338"/>
+                </a:solidFill>
+                <a:latin typeface="Pragmatica" panose="020B0403040502020204" pitchFamily="34" charset="0"/>
+              </a:rPr>
+              <a:t>Advancing into Analytics</a:t>
+            </a:r>
+            <a:endParaRPr lang="en-US" sz="6000" b="1" dirty="0">
+              <a:solidFill>
+                <a:srgbClr val="CF3338"/>
+              </a:solidFill>
+              <a:latin typeface="Pragmatica" panose="020B0403040502020204" pitchFamily="34" charset="0"/>
+            </a:endParaRPr>
+          </a:p>
+          <a:p>
+            <a:pPr marL="142875">
+              <a:lnSpc>
+                <a:spcPct val="115000"/>
+              </a:lnSpc>
+              <a:spcBef>
+                <a:spcPts val="1125"/>
+              </a:spcBef>
+              <a:buClr>
+                <a:srgbClr val="C00000"/>
+              </a:buClr>
+              <a:buSzPts val="2100"/>
+            </a:pPr>
+            <a:endParaRPr lang="en-US" sz="3600" dirty="0">
+              <a:solidFill>
+                <a:srgbClr val="C00000"/>
+              </a:solidFill>
+              <a:latin typeface="Pragmatica" panose="020B0403040502020204"/>
+              <a:sym typeface="Consolas"/>
+            </a:endParaRPr>
+          </a:p>
+          <a:p>
+            <a:endParaRPr lang="en-US" sz="6000" dirty="0">
+              <a:solidFill>
+                <a:srgbClr val="CF3338"/>
+              </a:solidFill>
+              <a:latin typeface="Pragmatica" panose="020B0403040502020204" pitchFamily="34" charset="0"/>
+            </a:endParaRPr>
+          </a:p>
+        </p:txBody>
+      </p:sp>
+    </p:spTree>
+    <p:extLst>
+      <p:ext uri="{BB962C8B-B14F-4D97-AF65-F5344CB8AC3E}">
+        <p14:creationId xmlns:p14="http://schemas.microsoft.com/office/powerpoint/2010/main" val="616977739"/>
+      </p:ext>
+    </p:extLst>
+  </p:cSld>
+  <p:clrMapOvr>
+    <a:masterClrMapping/>
+  </p:clrMapOvr>
+</p:sld>
+</file>
+
+<file path=ppt/slides/slide22.xml><?xml version="1.0" encoding="utf-8"?>
+<p:sld xmlns:a="http://schemas.openxmlformats.org/drawingml/2006/main" xmlns:r="http://schemas.openxmlformats.org/officeDocument/2006/relationships" xmlns:p="http://schemas.openxmlformats.org/presentationml/2006/main">
+  <p:cSld>
+    <p:spTree>
+      <p:nvGrpSpPr>
+        <p:cNvPr id="1" name="">
+          <a:extLst>
+            <a:ext uri="{FF2B5EF4-FFF2-40B4-BE49-F238E27FC236}">
+              <a16:creationId xmlns:a16="http://schemas.microsoft.com/office/drawing/2014/main" id="{5D488E77-04E4-08C7-1031-1F498D077B51}"/>
+            </a:ext>
+          </a:extLst>
+        </p:cNvPr>
+        <p:cNvGrpSpPr/>
+        <p:nvPr/>
+      </p:nvGrpSpPr>
+      <p:grpSpPr>
+        <a:xfrm>
+          <a:off x="0" y="0"/>
+          <a:ext cx="0" cy="0"/>
+          <a:chOff x="0" y="0"/>
+          <a:chExt cx="0" cy="0"/>
+        </a:xfrm>
+      </p:grpSpPr>
+      <p:sp>
+        <p:nvSpPr>
+          <p:cNvPr id="4" name="Rectangle 3">
+            <a:extLst>
+              <a:ext uri="{FF2B5EF4-FFF2-40B4-BE49-F238E27FC236}">
+                <a16:creationId xmlns:a16="http://schemas.microsoft.com/office/drawing/2014/main" id="{E5ABA32D-D202-8170-BD82-0F9E54BD20DE}"/>
+              </a:ext>
+            </a:extLst>
+          </p:cNvPr>
+          <p:cNvSpPr/>
+          <p:nvPr/>
+        </p:nvSpPr>
+        <p:spPr>
+          <a:xfrm>
+            <a:off x="9861630" y="0"/>
+            <a:ext cx="8426370" cy="10287000"/>
+          </a:xfrm>
+          <a:prstGeom prst="rect">
+            <a:avLst/>
+          </a:prstGeom>
+          <a:solidFill>
+            <a:srgbClr val="CF3338"/>
+          </a:solidFill>
+          <a:ln>
+            <a:noFill/>
+          </a:ln>
+        </p:spPr>
+        <p:style>
+          <a:lnRef idx="2">
+            <a:schemeClr val="accent1">
+              <a:shade val="50000"/>
+            </a:schemeClr>
+          </a:lnRef>
+          <a:fillRef idx="1">
+            <a:schemeClr val="accent1"/>
+          </a:fillRef>
+          <a:effectRef idx="0">
+            <a:schemeClr val="accent1"/>
+          </a:effectRef>
+          <a:fontRef idx="minor">
+            <a:schemeClr val="lt1"/>
+          </a:fontRef>
+        </p:style>
+        <p:txBody>
+          <a:bodyPr rtlCol="0" anchor="ctr"/>
+          <a:lstStyle/>
+          <a:p>
+            <a:pPr algn="ctr"/>
+            <a:endParaRPr lang="en-US" sz="2700"/>
+          </a:p>
+        </p:txBody>
+      </p:sp>
+      <p:pic>
+        <p:nvPicPr>
+          <p:cNvPr id="2" name="Picture 1">
+            <a:extLst>
+              <a:ext uri="{FF2B5EF4-FFF2-40B4-BE49-F238E27FC236}">
+                <a16:creationId xmlns:a16="http://schemas.microsoft.com/office/drawing/2014/main" id="{EBD18E09-E000-229F-A637-05EF0B5D1162}"/>
+              </a:ext>
+            </a:extLst>
+          </p:cNvPr>
+          <p:cNvPicPr>
+            <a:picLocks noChangeAspect="1"/>
+          </p:cNvPicPr>
+          <p:nvPr/>
+        </p:nvPicPr>
+        <p:blipFill rotWithShape="1">
+          <a:blip r:embed="rId3">
+            <a:extLst>
+              <a:ext uri="{28A0092B-C50C-407E-A947-70E740481C1C}">
+                <a14:useLocalDpi xmlns:a14="http://schemas.microsoft.com/office/drawing/2010/main" val="0"/>
+              </a:ext>
+            </a:extLst>
+          </a:blip>
+          <a:srcRect l="69227" t="33418" r="20112" b="50548"/>
+          <a:stretch/>
+        </p:blipFill>
+        <p:spPr>
+          <a:xfrm>
+            <a:off x="15579524" y="7544693"/>
+            <a:ext cx="2708477" cy="2987579"/>
+          </a:xfrm>
+          <a:prstGeom prst="rect">
+            <a:avLst/>
+          </a:prstGeom>
+        </p:spPr>
+      </p:pic>
+      <p:sp>
+        <p:nvSpPr>
+          <p:cNvPr id="3" name="TextBox 2">
+            <a:extLst>
+              <a:ext uri="{FF2B5EF4-FFF2-40B4-BE49-F238E27FC236}">
+                <a16:creationId xmlns:a16="http://schemas.microsoft.com/office/drawing/2014/main" id="{8EFCBB0D-A4EB-2FCE-A90E-3128C6AA641C}"/>
+              </a:ext>
+            </a:extLst>
+          </p:cNvPr>
+          <p:cNvSpPr txBox="1"/>
+          <p:nvPr/>
+        </p:nvSpPr>
+        <p:spPr>
+          <a:xfrm>
+            <a:off x="260431" y="329879"/>
+            <a:ext cx="8906720" cy="5487143"/>
+          </a:xfrm>
+          <a:prstGeom prst="rect">
+            <a:avLst/>
+          </a:prstGeom>
+          <a:noFill/>
+        </p:spPr>
+        <p:txBody>
+          <a:bodyPr wrap="square" rtlCol="0">
+            <a:spAutoFit/>
+          </a:bodyPr>
+          <a:lstStyle/>
+          <a:p>
+            <a:r>
+              <a:rPr lang="en-US" sz="6000" b="1" dirty="0">
+                <a:solidFill>
+                  <a:srgbClr val="CF3338"/>
+                </a:solidFill>
+                <a:latin typeface="Pragmatica" panose="020B0403040502020204" pitchFamily="34" charset="0"/>
+              </a:rPr>
+              <a:t>Resource: stringfestanalytics.com</a:t>
+            </a:r>
+          </a:p>
+          <a:p>
+            <a:endParaRPr lang="en-US" sz="6000" b="1" dirty="0">
+              <a:solidFill>
+                <a:srgbClr val="CF3338"/>
+              </a:solidFill>
+              <a:latin typeface="Pragmatica" panose="020B0403040502020204" pitchFamily="34" charset="0"/>
+            </a:endParaRPr>
+          </a:p>
+          <a:p>
+            <a:r>
+              <a:rPr lang="en-US" sz="6000" b="1" dirty="0">
+                <a:solidFill>
+                  <a:srgbClr val="CF3338"/>
+                </a:solidFill>
+                <a:latin typeface="Pragmatica" panose="020B0403040502020204" pitchFamily="34" charset="0"/>
+              </a:rPr>
+              <a:t>Check the demo notes </a:t>
+            </a:r>
+          </a:p>
+          <a:p>
+            <a:pPr marL="142875">
+              <a:lnSpc>
+                <a:spcPct val="115000"/>
+              </a:lnSpc>
+              <a:spcBef>
+                <a:spcPts val="1125"/>
+              </a:spcBef>
+              <a:buClr>
+                <a:srgbClr val="C00000"/>
+              </a:buClr>
+              <a:buSzPts val="2100"/>
+            </a:pPr>
+            <a:endParaRPr lang="en-US" sz="3600" dirty="0">
+              <a:solidFill>
+                <a:srgbClr val="C00000"/>
+              </a:solidFill>
+              <a:latin typeface="Pragmatica" panose="020B0403040502020204"/>
+              <a:sym typeface="Consolas"/>
+            </a:endParaRPr>
+          </a:p>
+          <a:p>
+            <a:endParaRPr lang="en-US" sz="6000" dirty="0">
+              <a:solidFill>
+                <a:srgbClr val="CF3338"/>
+              </a:solidFill>
+              <a:latin typeface="Pragmatica" panose="020B0403040502020204" pitchFamily="34" charset="0"/>
+            </a:endParaRPr>
+          </a:p>
+        </p:txBody>
+      </p:sp>
+    </p:spTree>
+    <p:extLst>
+      <p:ext uri="{BB962C8B-B14F-4D97-AF65-F5344CB8AC3E}">
+        <p14:creationId xmlns:p14="http://schemas.microsoft.com/office/powerpoint/2010/main" val="1994395854"/>
+      </p:ext>
+    </p:extLst>
+  </p:cSld>
+  <p:clrMapOvr>
+    <a:masterClrMapping/>
+  </p:clrMapOvr>
+</p:sld>
+</file>
+
+<file path=ppt/slides/slide23.xml><?xml version="1.0" encoding="utf-8"?>
+<p:sld xmlns:a="http://schemas.openxmlformats.org/drawingml/2006/main" xmlns:r="http://schemas.openxmlformats.org/officeDocument/2006/relationships" xmlns:p="http://schemas.openxmlformats.org/presentationml/2006/main">
+  <p:cSld>
+    <p:spTree>
+      <p:nvGrpSpPr>
+        <p:cNvPr id="1" name=""/>
+        <p:cNvGrpSpPr/>
+        <p:nvPr/>
+      </p:nvGrpSpPr>
+      <p:grpSpPr>
+        <a:xfrm>
+          <a:off x="0" y="0"/>
+          <a:ext cx="0" cy="0"/>
+          <a:chOff x="0" y="0"/>
+          <a:chExt cx="0" cy="0"/>
+        </a:xfrm>
+      </p:grpSpPr>
+      <p:pic>
+        <p:nvPicPr>
+          <p:cNvPr id="10" name="Picture 9"/>
+          <p:cNvPicPr>
+            <a:picLocks noChangeAspect="1"/>
+          </p:cNvPicPr>
+          <p:nvPr/>
+        </p:nvPicPr>
+        <p:blipFill rotWithShape="1">
+          <a:blip r:embed="rId2">
+            <a:extLst>
+              <a:ext uri="{28A0092B-C50C-407E-A947-70E740481C1C}">
+                <a14:useLocalDpi xmlns:a14="http://schemas.microsoft.com/office/drawing/2010/main" val="0"/>
+              </a:ext>
+            </a:extLst>
+          </a:blip>
+          <a:srcRect l="50728" t="56371"/>
+          <a:stretch/>
+        </p:blipFill>
+        <p:spPr>
+          <a:xfrm>
+            <a:off x="12204691" y="3316148"/>
+            <a:ext cx="6083309" cy="6970854"/>
+          </a:xfrm>
+          <a:prstGeom prst="rect">
+            <a:avLst/>
+          </a:prstGeom>
+        </p:spPr>
+      </p:pic>
+      <p:pic>
+        <p:nvPicPr>
+          <p:cNvPr id="4" name="Picture 3"/>
+          <p:cNvPicPr>
+            <a:picLocks noChangeAspect="1"/>
+          </p:cNvPicPr>
+          <p:nvPr/>
+        </p:nvPicPr>
+        <p:blipFill>
+          <a:blip r:embed="rId3">
+            <a:extLst>
+              <a:ext uri="{28A0092B-C50C-407E-A947-70E740481C1C}">
+                <a14:useLocalDpi xmlns:a14="http://schemas.microsoft.com/office/drawing/2010/main" val="0"/>
+              </a:ext>
+            </a:extLst>
+          </a:blip>
+          <a:stretch>
+            <a:fillRect/>
+          </a:stretch>
+        </p:blipFill>
+        <p:spPr>
+          <a:xfrm>
+            <a:off x="-807744" y="-3724155"/>
+            <a:ext cx="15257208" cy="11189825"/>
+          </a:xfrm>
+          <a:prstGeom prst="rect">
+            <a:avLst/>
+          </a:prstGeom>
+        </p:spPr>
+      </p:pic>
+      <p:sp>
+        <p:nvSpPr>
+          <p:cNvPr id="11" name="TextBox 10"/>
+          <p:cNvSpPr txBox="1"/>
+          <p:nvPr/>
+        </p:nvSpPr>
+        <p:spPr>
+          <a:xfrm>
+            <a:off x="486137" y="2531318"/>
+            <a:ext cx="11979797" cy="923330"/>
+          </a:xfrm>
+          <a:prstGeom prst="rect">
+            <a:avLst/>
+          </a:prstGeom>
+          <a:noFill/>
+        </p:spPr>
+        <p:txBody>
+          <a:bodyPr wrap="square" rtlCol="0">
+            <a:spAutoFit/>
+          </a:bodyPr>
+          <a:lstStyle/>
+          <a:p>
+            <a:r>
+              <a:rPr lang="en-US" sz="5400" b="1">
+                <a:solidFill>
+                  <a:srgbClr val="CF3338"/>
+                </a:solidFill>
+                <a:latin typeface="Pragmatica" panose="020B0403040502020204" pitchFamily="34" charset="0"/>
+              </a:rPr>
+              <a:t>THANK YOU</a:t>
+            </a:r>
+            <a:endParaRPr lang="en-US" sz="5400" b="1" dirty="0">
+              <a:solidFill>
+                <a:srgbClr val="CF3338"/>
+              </a:solidFill>
+              <a:latin typeface="Pragmatica" panose="020B0403040502020204" pitchFamily="34" charset="0"/>
+            </a:endParaRPr>
+          </a:p>
+        </p:txBody>
+      </p:sp>
+      <p:pic>
+        <p:nvPicPr>
+          <p:cNvPr id="5" name="Picture 4">
+            <a:extLst>
+              <a:ext uri="{FF2B5EF4-FFF2-40B4-BE49-F238E27FC236}">
+                <a16:creationId xmlns:a16="http://schemas.microsoft.com/office/drawing/2014/main" id="{54A06221-5316-4BCF-9FDA-BDB95FF4A778}"/>
+              </a:ext>
+            </a:extLst>
+          </p:cNvPr>
+          <p:cNvPicPr>
+            <a:picLocks noChangeAspect="1"/>
+          </p:cNvPicPr>
+          <p:nvPr/>
+        </p:nvPicPr>
+        <p:blipFill>
+          <a:blip r:embed="rId4">
+            <a:extLst>
+              <a:ext uri="{28A0092B-C50C-407E-A947-70E740481C1C}">
+                <a14:useLocalDpi xmlns:a14="http://schemas.microsoft.com/office/drawing/2010/main" val="0"/>
+              </a:ext>
+            </a:extLst>
+          </a:blip>
+          <a:srcRect/>
+          <a:stretch/>
+        </p:blipFill>
+        <p:spPr>
+          <a:xfrm>
+            <a:off x="12204691" y="3317239"/>
+            <a:ext cx="6083309" cy="6968672"/>
+          </a:xfrm>
+          <a:prstGeom prst="rect">
+            <a:avLst/>
+          </a:prstGeom>
+        </p:spPr>
+      </p:pic>
+    </p:spTree>
+    <p:extLst>
+      <p:ext uri="{BB962C8B-B14F-4D97-AF65-F5344CB8AC3E}">
+        <p14:creationId xmlns:p14="http://schemas.microsoft.com/office/powerpoint/2010/main" val="75588663"/>
+      </p:ext>
+    </p:extLst>
+  </p:cSld>
+  <p:clrMapOvr>
+    <a:masterClrMapping/>
+  </p:clrMapOvr>
+</p:sld>
+</file>
+
 <file path=ppt/slides/slide3.xml><?xml version="1.0" encoding="utf-8"?>
 <p:sld xmlns:a="http://schemas.openxmlformats.org/drawingml/2006/main" xmlns:r="http://schemas.openxmlformats.org/officeDocument/2006/relationships" xmlns:p="http://schemas.openxmlformats.org/presentationml/2006/main">
   <p:cSld>
@@ -6434,7 +8480,7 @@
         <p:spPr>
           <a:xfrm>
             <a:off x="520861" y="3191948"/>
-            <a:ext cx="14393120" cy="2031325"/>
+            <a:ext cx="14393120" cy="3970318"/>
           </a:xfrm>
           <a:prstGeom prst="rect">
             <a:avLst/>
@@ -6461,7 +8507,7 @@
                 </a:solidFill>
                 <a:latin typeface="Pragmatica" panose="020B0403040502020204" pitchFamily="34" charset="0"/>
               </a:rPr>
-              <a:t>Comfortably use formulas like SUMIFS and XLOOKUP</a:t>
+              <a:t>Execute Python code directly within your Excel workbook.</a:t>
             </a:r>
           </a:p>
           <a:p>
@@ -6479,7 +8525,7 @@
                 </a:solidFill>
                 <a:latin typeface="Pragmatica" panose="020B0403040502020204" pitchFamily="34" charset="0"/>
               </a:rPr>
-              <a:t>Design and audit complex, nested formulas </a:t>
+              <a:t>Generate data analyses and visualizations with Python that would be difficult or impossible in Excel</a:t>
             </a:r>
           </a:p>
           <a:p>
@@ -6497,7 +8543,25 @@
                 </a:solidFill>
                 <a:latin typeface="Pragmatica" panose="020B0403040502020204" pitchFamily="34" charset="0"/>
               </a:rPr>
-              <a:t>Look up data in an instant</a:t>
+              <a:t>Navigate and run code within Jupyter notebooks.</a:t>
+            </a:r>
+          </a:p>
+          <a:p>
+            <a:pPr marL="685800" indent="-685800">
+              <a:buClr>
+                <a:srgbClr val="CF3338"/>
+              </a:buClr>
+              <a:buFont typeface="Arial" panose="020B0604020202020204" pitchFamily="34" charset="0"/>
+              <a:buChar char="•"/>
+            </a:pPr>
+            <a:r>
+              <a:rPr lang="en-US" sz="4200" dirty="0">
+                <a:solidFill>
+                  <a:srgbClr val="707070"/>
+                </a:solidFill>
+                <a:latin typeface="Pragmatica" panose="020B0403040502020204" pitchFamily="34" charset="0"/>
+              </a:rPr>
+              <a:t>Completely automate the production of Excel workbooks using Python</a:t>
             </a:r>
           </a:p>
         </p:txBody>

--- a/python-powered-excel.pptx
+++ b/python-powered-excel.pptx
@@ -5638,7 +5638,7 @@
                 <a:latin typeface="Pragmatica" panose="020B0403040502020204"/>
                 <a:sym typeface="Consolas"/>
               </a:rPr>
-              <a:t>Data profiling: What is the shape, size, completeness?</a:t>
+              <a:t>Inserting and resizing Python plots in the workbook</a:t>
             </a:r>
           </a:p>
           <a:p>
@@ -5664,7 +5664,7 @@
                 <a:latin typeface="Pragmatica" panose="020B0403040502020204"/>
                 <a:sym typeface="Consolas"/>
               </a:rPr>
-              <a:t>Time series: pandas for panel data</a:t>
+              <a:t>Building plots in Python that would be difficult in Excel</a:t>
             </a:r>
           </a:p>
           <a:p>
@@ -5690,7 +5690,27 @@
                 <a:latin typeface="Pragmatica" panose="020B0403040502020204"/>
                 <a:sym typeface="Consolas"/>
               </a:rPr>
-              <a:t>Descriptive statistics/EDA: What stories might be told in this data? </a:t>
+              <a:t>Customizing the results of </a:t>
+            </a:r>
+            <a:r>
+              <a:rPr lang="en-US" sz="3600" dirty="0">
+                <a:solidFill>
+                  <a:srgbClr val="C00000"/>
+                </a:solidFill>
+                <a:latin typeface="Consolas" panose="020B0609020204030204" pitchFamily="49" charset="0"/>
+                <a:sym typeface="Consolas"/>
+              </a:rPr>
+              <a:t>seaborn</a:t>
+            </a:r>
+            <a:r>
+              <a:rPr lang="en-US" sz="3600" dirty="0">
+                <a:solidFill>
+                  <a:srgbClr val="C00000"/>
+                </a:solidFill>
+                <a:latin typeface="Pragmatica" panose="020B0403040502020204"/>
+                <a:sym typeface="Consolas"/>
+              </a:rPr>
+              <a:t> plots</a:t>
             </a:r>
           </a:p>
           <a:p>
@@ -5971,7 +5991,7 @@
                 <a:latin typeface="Pragmatica" panose="020B0403040502020204"/>
                 <a:sym typeface="Consolas"/>
               </a:rPr>
-              <a:t>Explore relationship between sales, temperature, customer count over time</a:t>
+              <a:t>Visualize this data to analyze sales, customer ratings, and more</a:t>
             </a:r>
           </a:p>
           <a:p>
@@ -7759,7 +7779,7 @@
         <p:spPr>
           <a:xfrm>
             <a:off x="260431" y="329879"/>
-            <a:ext cx="8906720" cy="2717154"/>
+            <a:ext cx="8906720" cy="3640484"/>
           </a:xfrm>
           <a:prstGeom prst="rect">
             <a:avLst/>
@@ -7819,15 +7839,90 @@
             </a:endParaRPr>
           </a:p>
           <a:p>
-            <a:endParaRPr lang="en-US" sz="6000" dirty="0">
-              <a:solidFill>
-                <a:srgbClr val="CF3338"/>
-              </a:solidFill>
-              <a:latin typeface="Pragmatica" panose="020B0403040502020204" pitchFamily="34" charset="0"/>
-            </a:endParaRPr>
-          </a:p>
-        </p:txBody>
-      </p:sp>
+            <a:r>
+              <a:rPr lang="en-US" sz="4000" dirty="0">
+                <a:solidFill>
+                  <a:srgbClr val="CF3338"/>
+                </a:solidFill>
+                <a:latin typeface="Pragmatica" panose="020B0403040502020204" pitchFamily="34" charset="0"/>
+              </a:rPr>
+              <a:t>Available on O’Reilly Online Learning: </a:t>
+            </a:r>
+            <a:r>
+              <a:rPr lang="en-US" sz="4000" dirty="0">
+                <a:solidFill>
+                  <a:srgbClr val="CF3338"/>
+                </a:solidFill>
+                <a:latin typeface="Pragmatica" panose="020B0403040502020204" pitchFamily="34" charset="0"/>
+                <a:hlinkClick r:id="rId4">
+                  <a:extLst>
+                    <a:ext uri="{A12FA001-AC4F-418D-AE19-62706E023703}">
+                      <ahyp:hlinkClr xmlns:ahyp="http://schemas.microsoft.com/office/drawing/2018/hyperlinkcolor" val="tx"/>
+                    </a:ext>
+                  </a:extLst>
+                </a:hlinkClick>
+              </a:rPr>
+              <a:t>https://learning.oreilly.com/library/view/python-for-excel/9781492080992/</a:t>
+            </a:r>
+            <a:r>
+              <a:rPr lang="en-US" sz="4000" dirty="0">
+                <a:solidFill>
+                  <a:srgbClr val="CF3338"/>
+                </a:solidFill>
+                <a:latin typeface="Pragmatica" panose="020B0403040502020204" pitchFamily="34" charset="0"/>
+              </a:rPr>
+              <a:t> </a:t>
+            </a:r>
+          </a:p>
+        </p:txBody>
+      </p:sp>
+      <p:pic>
+        <p:nvPicPr>
+          <p:cNvPr id="1026" name="Picture 2" descr="Python for Excel">
+            <a:extLst>
+              <a:ext uri="{FF2B5EF4-FFF2-40B4-BE49-F238E27FC236}">
+                <a16:creationId xmlns:a16="http://schemas.microsoft.com/office/drawing/2014/main" id="{80644A9C-C912-1443-B13D-FF6D068A9C43}"/>
+              </a:ext>
+            </a:extLst>
+          </p:cNvPr>
+          <p:cNvPicPr>
+            <a:picLocks noChangeAspect="1" noChangeArrowheads="1"/>
+          </p:cNvPicPr>
+          <p:nvPr/>
+        </p:nvPicPr>
+        <p:blipFill>
+          <a:blip r:embed="rId5">
+            <a:extLst>
+              <a:ext uri="{28A0092B-C50C-407E-A947-70E740481C1C}">
+                <a14:useLocalDpi xmlns:a14="http://schemas.microsoft.com/office/drawing/2010/main" val="0"/>
+              </a:ext>
+            </a:extLst>
+          </a:blip>
+          <a:srcRect/>
+          <a:stretch>
+            <a:fillRect/>
+          </a:stretch>
+        </p:blipFill>
+        <p:spPr bwMode="auto">
+          <a:xfrm>
+            <a:off x="762000" y="4686300"/>
+            <a:ext cx="3810000" cy="5000625"/>
+          </a:xfrm>
+          <a:prstGeom prst="rect">
+            <a:avLst/>
+          </a:prstGeom>
+          <a:noFill/>
+          <a:extLst>
+            <a:ext uri="{909E8E84-426E-40DD-AFC4-6F175D3DCCD1}">
+              <a14:hiddenFill xmlns:a14="http://schemas.microsoft.com/office/drawing/2010/main">
+                <a:solidFill>
+                  <a:srgbClr val="FFFFFF"/>
+                </a:solidFill>
+              </a14:hiddenFill>
+            </a:ext>
+          </a:extLst>
+        </p:spPr>
+      </p:pic>
     </p:spTree>
     <p:extLst>
       <p:ext uri="{BB962C8B-B14F-4D97-AF65-F5344CB8AC3E}">
@@ -7966,7 +8061,7 @@
         <p:spPr>
           <a:xfrm>
             <a:off x="260431" y="329879"/>
-            <a:ext cx="8906720" cy="3640484"/>
+            <a:ext cx="8906720" cy="5364033"/>
           </a:xfrm>
           <a:prstGeom prst="rect">
             <a:avLst/>
@@ -8026,6 +8121,42 @@
             </a:endParaRPr>
           </a:p>
           <a:p>
+            <a:r>
+              <a:rPr lang="en-US" sz="4000" dirty="0">
+                <a:solidFill>
+                  <a:srgbClr val="CF3338"/>
+                </a:solidFill>
+                <a:latin typeface="Pragmatica" panose="020B0403040502020204" pitchFamily="34" charset="0"/>
+              </a:rPr>
+              <a:t>Available on O’Reilly Online Learning: </a:t>
+            </a:r>
+            <a:r>
+              <a:rPr lang="en-US" sz="3600" dirty="0">
+                <a:solidFill>
+                  <a:srgbClr val="CF3338"/>
+                </a:solidFill>
+                <a:latin typeface="Pragmatica" panose="020B0403040502020204" pitchFamily="34" charset="0"/>
+                <a:hlinkClick r:id="rId4">
+                  <a:extLst>
+                    <a:ext uri="{A12FA001-AC4F-418D-AE19-62706E023703}">
+                      <ahyp:hlinkClr xmlns:ahyp="http://schemas.microsoft.com/office/drawing/2018/hyperlinkcolor" val="tx"/>
+                    </a:ext>
+                  </a:extLst>
+                </a:hlinkClick>
+              </a:rPr>
+              <a:t>https://learning.oreilly.com/library/view/advancing-into-analytics/9781492094333/</a:t>
+            </a:r>
+            <a:r>
+              <a:rPr lang="en-US" sz="3600" dirty="0">
+                <a:solidFill>
+                  <a:srgbClr val="CF3338"/>
+                </a:solidFill>
+                <a:latin typeface="Pragmatica" panose="020B0403040502020204" pitchFamily="34" charset="0"/>
+              </a:rPr>
+              <a:t> </a:t>
+            </a:r>
+          </a:p>
+          <a:p>
             <a:endParaRPr lang="en-US" sz="6000" dirty="0">
               <a:solidFill>
                 <a:srgbClr val="CF3338"/>
@@ -8035,6 +8166,53 @@
           </a:p>
         </p:txBody>
       </p:sp>
+      <p:pic>
+        <p:nvPicPr>
+          <p:cNvPr id="2050" name="Picture 2" descr="Advancing into Analytics">
+            <a:extLst>
+              <a:ext uri="{FF2B5EF4-FFF2-40B4-BE49-F238E27FC236}">
+                <a16:creationId xmlns:a16="http://schemas.microsoft.com/office/drawing/2014/main" id="{5C03E10B-C7DA-1326-28F0-7E1E8E279675}"/>
+              </a:ext>
+            </a:extLst>
+          </p:cNvPr>
+          <p:cNvPicPr>
+            <a:picLocks noChangeAspect="1" noChangeArrowheads="1"/>
+          </p:cNvPicPr>
+          <p:nvPr/>
+        </p:nvPicPr>
+        <p:blipFill>
+          <a:blip r:embed="rId5">
+            <a:extLst>
+              <a:ext uri="{28A0092B-C50C-407E-A947-70E740481C1C}">
+                <a14:useLocalDpi xmlns:a14="http://schemas.microsoft.com/office/drawing/2010/main" val="0"/>
+              </a:ext>
+            </a:extLst>
+          </a:blip>
+          <a:srcRect/>
+          <a:stretch>
+            <a:fillRect/>
+          </a:stretch>
+        </p:blipFill>
+        <p:spPr bwMode="auto">
+          <a:xfrm>
+            <a:off x="381000" y="5044380"/>
+            <a:ext cx="3810000" cy="5000625"/>
+          </a:xfrm>
+          <a:prstGeom prst="rect">
+            <a:avLst/>
+          </a:prstGeom>
+          <a:noFill/>
+          <a:extLst>
+            <a:ext uri="{909E8E84-426E-40DD-AFC4-6F175D3DCCD1}">
+              <a14:hiddenFill xmlns:a14="http://schemas.microsoft.com/office/drawing/2010/main">
+                <a:solidFill>
+                  <a:srgbClr val="FFFFFF"/>
+                </a:solidFill>
+              </a14:hiddenFill>
+            </a:ext>
+          </a:extLst>
+        </p:spPr>
+      </p:pic>
     </p:spTree>
     <p:extLst>
       <p:ext uri="{BB962C8B-B14F-4D97-AF65-F5344CB8AC3E}">
@@ -8173,7 +8351,7 @@
         <p:spPr>
           <a:xfrm>
             <a:off x="260431" y="329879"/>
-            <a:ext cx="8906720" cy="5487143"/>
+            <a:ext cx="8906720" cy="5200911"/>
           </a:xfrm>
           <a:prstGeom prst="rect">
             <a:avLst/>
@@ -8205,18 +8383,7 @@
             </a:endParaRPr>
           </a:p>
           <a:p>
-            <a:r>
-              <a:rPr lang="en-US" sz="6000" b="1" dirty="0">
-                <a:solidFill>
-                  <a:srgbClr val="CF3338"/>
-                </a:solidFill>
-                <a:latin typeface="Pragmatica" panose="020B0403040502020204" pitchFamily="34" charset="0"/>
-              </a:rPr>
-              <a:t>Check the demo notes </a:t>
-            </a:r>
-          </a:p>
-          <a:p>
-            <a:pPr marL="142875">
+            <a:pPr marL="714375" indent="-571500">
               <a:lnSpc>
                 <a:spcPct val="115000"/>
               </a:lnSpc>
@@ -8227,14 +8394,19 @@
                 <a:srgbClr val="C00000"/>
               </a:buClr>
               <a:buSzPts val="2100"/>
+              <a:buFont typeface="Arial" panose="020B0604020202020204" pitchFamily="34" charset="0"/>
+              <a:buChar char="•"/>
             </a:pPr>
-            <a:endParaRPr lang="en-US" sz="3600" dirty="0">
-              <a:solidFill>
-                <a:srgbClr val="C00000"/>
-              </a:solidFill>
-              <a:latin typeface="Pragmatica" panose="020B0403040502020204"/>
-              <a:sym typeface="Consolas"/>
-            </a:endParaRPr>
+            <a:r>
+              <a:rPr lang="en-US" sz="3600" dirty="0">
+                <a:solidFill>
+                  <a:srgbClr val="C00000"/>
+                </a:solidFill>
+                <a:latin typeface="Pragmatica" panose="020B0403040502020204"/>
+                <a:sym typeface="Consolas"/>
+              </a:rPr>
+              <a:t>Subscribe for updates &amp; access to my data analytics learning resource library</a:t>
+            </a:r>
           </a:p>
           <a:p>
             <a:endParaRPr lang="en-US" sz="6000" dirty="0">
@@ -8344,7 +8516,7 @@
         <p:spPr>
           <a:xfrm>
             <a:off x="486137" y="2531318"/>
-            <a:ext cx="11979797" cy="923330"/>
+            <a:ext cx="11979797" cy="5078313"/>
           </a:xfrm>
           <a:prstGeom prst="rect">
             <a:avLst/>
@@ -8358,7 +8530,7 @@
           <a:lstStyle/>
           <a:p>
             <a:r>
-              <a:rPr lang="en-US" sz="5400" b="1">
+              <a:rPr lang="en-US" sz="5400" b="1" dirty="0">
                 <a:solidFill>
                   <a:srgbClr val="CF3338"/>
                 </a:solidFill>
@@ -8366,6 +8538,89 @@
               </a:rPr>
               <a:t>THANK YOU</a:t>
             </a:r>
+          </a:p>
+          <a:p>
+            <a:endParaRPr lang="en-US" sz="5400" b="1" dirty="0">
+              <a:solidFill>
+                <a:srgbClr val="CF3338"/>
+              </a:solidFill>
+              <a:latin typeface="Pragmatica" panose="020B0403040502020204" pitchFamily="34" charset="0"/>
+            </a:endParaRPr>
+          </a:p>
+          <a:p>
+            <a:pPr marL="571500" indent="-571500">
+              <a:buFont typeface="Arial" panose="020B0604020202020204" pitchFamily="34" charset="0"/>
+              <a:buChar char="•"/>
+            </a:pPr>
+            <a:r>
+              <a:rPr lang="en-US" sz="3600" dirty="0">
+                <a:solidFill>
+                  <a:srgbClr val="CF3338"/>
+                </a:solidFill>
+                <a:latin typeface="Pragmatica" panose="020B0403040502020204"/>
+                <a:sym typeface="Consolas"/>
+              </a:rPr>
+              <a:t>Linkedin.com/in/gjmount</a:t>
+            </a:r>
+          </a:p>
+          <a:p>
+            <a:pPr marL="571500" indent="-571500">
+              <a:buFont typeface="Arial" panose="020B0604020202020204" pitchFamily="34" charset="0"/>
+              <a:buChar char="•"/>
+            </a:pPr>
+            <a:r>
+              <a:rPr lang="en-US" sz="3600" dirty="0">
+                <a:solidFill>
+                  <a:srgbClr val="CF3338"/>
+                </a:solidFill>
+                <a:latin typeface="Pragmatica" panose="020B0403040502020204"/>
+                <a:sym typeface="Consolas"/>
+              </a:rPr>
+              <a:t>Twitter: @gjmount</a:t>
+            </a:r>
+          </a:p>
+          <a:p>
+            <a:pPr marL="571500" indent="-571500">
+              <a:buFont typeface="Arial" panose="020B0604020202020204" pitchFamily="34" charset="0"/>
+              <a:buChar char="•"/>
+            </a:pPr>
+            <a:r>
+              <a:rPr lang="en-US" sz="3600" dirty="0">
+                <a:solidFill>
+                  <a:srgbClr val="CF3338"/>
+                </a:solidFill>
+                <a:latin typeface="Pragmatica" panose="020B0403040502020204"/>
+                <a:sym typeface="Consolas"/>
+                <a:hlinkClick r:id="rId4">
+                  <a:extLst>
+                    <a:ext uri="{A12FA001-AC4F-418D-AE19-62706E023703}">
+                      <ahyp:hlinkClr xmlns:ahyp="http://schemas.microsoft.com/office/drawing/2018/hyperlinkcolor" val="tx"/>
+                    </a:ext>
+                  </a:extLst>
+                </a:hlinkClick>
+              </a:rPr>
+              <a:t>george@stringfestanalytics.com</a:t>
+            </a:r>
+            <a:r>
+              <a:rPr lang="en-US" sz="3600" dirty="0">
+                <a:solidFill>
+                  <a:srgbClr val="CF3338"/>
+                </a:solidFill>
+                <a:latin typeface="Pragmatica" panose="020B0403040502020204"/>
+                <a:sym typeface="Consolas"/>
+              </a:rPr>
+              <a:t> </a:t>
+            </a:r>
+          </a:p>
+          <a:p>
+            <a:endParaRPr lang="en-US" sz="5400" b="1" dirty="0">
+              <a:solidFill>
+                <a:srgbClr val="CF3338"/>
+              </a:solidFill>
+              <a:latin typeface="Pragmatica" panose="020B0403040502020204" pitchFamily="34" charset="0"/>
+            </a:endParaRPr>
+          </a:p>
+          <a:p>
             <a:endParaRPr lang="en-US" sz="5400" b="1" dirty="0">
               <a:solidFill>
                 <a:srgbClr val="CF3338"/>
@@ -8390,7 +8645,7 @@
           <p:nvPr/>
         </p:nvPicPr>
         <p:blipFill>
-          <a:blip r:embed="rId4">
+          <a:blip r:embed="rId5">
             <a:extLst>
               <a:ext uri="{28A0092B-C50C-407E-A947-70E740481C1C}">
                 <a14:useLocalDpi xmlns:a14="http://schemas.microsoft.com/office/drawing/2010/main" val="0"/>

--- a/python-powered-excel.pptx
+++ b/python-powered-excel.pptx
@@ -5,7 +5,7 @@
     <p:sldMasterId id="2147483648" r:id="rId1"/>
   </p:sldMasterIdLst>
   <p:notesMasterIdLst>
-    <p:notesMasterId r:id="rId25"/>
+    <p:notesMasterId r:id="rId26"/>
   </p:notesMasterIdLst>
   <p:sldIdLst>
     <p:sldId id="256" r:id="rId2"/>
@@ -15,32 +15,33 @@
     <p:sldId id="362" r:id="rId6"/>
     <p:sldId id="404" r:id="rId7"/>
     <p:sldId id="407" r:id="rId8"/>
-    <p:sldId id="415" r:id="rId9"/>
-    <p:sldId id="405" r:id="rId10"/>
-    <p:sldId id="412" r:id="rId11"/>
-    <p:sldId id="413" r:id="rId12"/>
-    <p:sldId id="418" r:id="rId13"/>
-    <p:sldId id="419" r:id="rId14"/>
-    <p:sldId id="414" r:id="rId15"/>
-    <p:sldId id="406" r:id="rId16"/>
-    <p:sldId id="409" r:id="rId17"/>
-    <p:sldId id="410" r:id="rId18"/>
-    <p:sldId id="416" r:id="rId19"/>
-    <p:sldId id="420" r:id="rId20"/>
-    <p:sldId id="421" r:id="rId21"/>
-    <p:sldId id="422" r:id="rId22"/>
-    <p:sldId id="423" r:id="rId23"/>
-    <p:sldId id="417" r:id="rId24"/>
+    <p:sldId id="424" r:id="rId9"/>
+    <p:sldId id="415" r:id="rId10"/>
+    <p:sldId id="405" r:id="rId11"/>
+    <p:sldId id="412" r:id="rId12"/>
+    <p:sldId id="413" r:id="rId13"/>
+    <p:sldId id="418" r:id="rId14"/>
+    <p:sldId id="419" r:id="rId15"/>
+    <p:sldId id="414" r:id="rId16"/>
+    <p:sldId id="406" r:id="rId17"/>
+    <p:sldId id="409" r:id="rId18"/>
+    <p:sldId id="410" r:id="rId19"/>
+    <p:sldId id="416" r:id="rId20"/>
+    <p:sldId id="420" r:id="rId21"/>
+    <p:sldId id="421" r:id="rId22"/>
+    <p:sldId id="422" r:id="rId23"/>
+    <p:sldId id="423" r:id="rId24"/>
+    <p:sldId id="417" r:id="rId25"/>
   </p:sldIdLst>
   <p:sldSz cx="18288000" cy="10287000"/>
   <p:notesSz cx="6858000" cy="9144000"/>
   <p:embeddedFontLst>
     <p:embeddedFont>
       <p:font typeface="Consolas" panose="020B0609020204030204" pitchFamily="49" charset="0"/>
-      <p:regular r:id="rId26"/>
-      <p:bold r:id="rId27"/>
-      <p:italic r:id="rId28"/>
-      <p:boldItalic r:id="rId29"/>
+      <p:regular r:id="rId27"/>
+      <p:bold r:id="rId28"/>
+      <p:italic r:id="rId29"/>
+      <p:boldItalic r:id="rId30"/>
     </p:embeddedFont>
   </p:embeddedFontLst>
   <p:defaultTextStyle>
@@ -616,6 +617,138 @@
         <p:cNvPr id="1" name="">
           <a:extLst>
             <a:ext uri="{FF2B5EF4-FFF2-40B4-BE49-F238E27FC236}">
+              <a16:creationId xmlns:a16="http://schemas.microsoft.com/office/drawing/2014/main" id="{C5EB07CB-F821-6FB4-504B-18E965356C12}"/>
+            </a:ext>
+          </a:extLst>
+        </p:cNvPr>
+        <p:cNvGrpSpPr/>
+        <p:nvPr/>
+      </p:nvGrpSpPr>
+      <p:grpSpPr>
+        <a:xfrm>
+          <a:off x="0" y="0"/>
+          <a:ext cx="0" cy="0"/>
+          <a:chOff x="0" y="0"/>
+          <a:chExt cx="0" cy="0"/>
+        </a:xfrm>
+      </p:grpSpPr>
+      <p:sp>
+        <p:nvSpPr>
+          <p:cNvPr id="2" name="Slide Image Placeholder 1">
+            <a:extLst>
+              <a:ext uri="{FF2B5EF4-FFF2-40B4-BE49-F238E27FC236}">
+                <a16:creationId xmlns:a16="http://schemas.microsoft.com/office/drawing/2014/main" id="{897D5398-4244-A9DA-3ECC-2EF32CEB134C}"/>
+              </a:ext>
+            </a:extLst>
+          </p:cNvPr>
+          <p:cNvSpPr>
+            <a:spLocks noGrp="1" noRot="1" noChangeAspect="1"/>
+          </p:cNvSpPr>
+          <p:nvPr>
+            <p:ph type="sldImg"/>
+          </p:nvPr>
+        </p:nvSpPr>
+        <p:spPr/>
+      </p:sp>
+      <p:sp>
+        <p:nvSpPr>
+          <p:cNvPr id="3" name="Notes Placeholder 2">
+            <a:extLst>
+              <a:ext uri="{FF2B5EF4-FFF2-40B4-BE49-F238E27FC236}">
+                <a16:creationId xmlns:a16="http://schemas.microsoft.com/office/drawing/2014/main" id="{1E9B10CA-058E-BD6C-9BAE-E38604E28A20}"/>
+              </a:ext>
+            </a:extLst>
+          </p:cNvPr>
+          <p:cNvSpPr>
+            <a:spLocks noGrp="1"/>
+          </p:cNvSpPr>
+          <p:nvPr>
+            <p:ph type="body" idx="1"/>
+          </p:nvPr>
+        </p:nvSpPr>
+        <p:spPr/>
+        <p:txBody>
+          <a:bodyPr/>
+          <a:lstStyle/>
+          <a:p>
+            <a:pPr marL="228600" indent="-228600">
+              <a:buAutoNum type="arabicPeriod"/>
+            </a:pPr>
+            <a:r>
+              <a:rPr lang="en-US" dirty="0"/>
+              <a:t>False!</a:t>
+            </a:r>
+          </a:p>
+          <a:p>
+            <a:pPr marL="228600" indent="-228600">
+              <a:buAutoNum type="arabicPeriod"/>
+            </a:pPr>
+            <a:r>
+              <a:rPr lang="en-US" dirty="0"/>
+              <a:t>Function, Formula, Function</a:t>
+            </a:r>
+          </a:p>
+          <a:p>
+            <a:pPr marL="228600" indent="-228600">
+              <a:buAutoNum type="arabicPeriod"/>
+            </a:pPr>
+            <a:r>
+              <a:rPr lang="en-US" dirty="0"/>
+              <a:t>Argument</a:t>
+            </a:r>
+          </a:p>
+        </p:txBody>
+      </p:sp>
+      <p:sp>
+        <p:nvSpPr>
+          <p:cNvPr id="4" name="Slide Number Placeholder 3">
+            <a:extLst>
+              <a:ext uri="{FF2B5EF4-FFF2-40B4-BE49-F238E27FC236}">
+                <a16:creationId xmlns:a16="http://schemas.microsoft.com/office/drawing/2014/main" id="{802F1B72-8B6B-0B77-346D-7D3F89D3CCDC}"/>
+              </a:ext>
+            </a:extLst>
+          </p:cNvPr>
+          <p:cNvSpPr>
+            <a:spLocks noGrp="1"/>
+          </p:cNvSpPr>
+          <p:nvPr>
+            <p:ph type="sldNum" sz="quarter" idx="5"/>
+          </p:nvPr>
+        </p:nvSpPr>
+        <p:spPr/>
+        <p:txBody>
+          <a:bodyPr/>
+          <a:lstStyle/>
+          <a:p>
+            <a:fld id="{1300335D-9F13-4B80-ADC5-B0EA3E10FF6B}" type="slidenum">
+              <a:rPr lang="en-US" smtClean="0"/>
+              <a:t>21</a:t>
+            </a:fld>
+            <a:endParaRPr lang="en-US"/>
+          </a:p>
+        </p:txBody>
+      </p:sp>
+    </p:spTree>
+    <p:extLst>
+      <p:ext uri="{BB962C8B-B14F-4D97-AF65-F5344CB8AC3E}">
+        <p14:creationId xmlns:p14="http://schemas.microsoft.com/office/powerpoint/2010/main" val="1487323375"/>
+      </p:ext>
+    </p:extLst>
+  </p:cSld>
+  <p:clrMapOvr>
+    <a:masterClrMapping/>
+  </p:clrMapOvr>
+</p:notes>
+</file>
+
+<file path=ppt/notesSlides/notesSlide11.xml><?xml version="1.0" encoding="utf-8"?>
+<p:notes xmlns:a="http://schemas.openxmlformats.org/drawingml/2006/main" xmlns:r="http://schemas.openxmlformats.org/officeDocument/2006/relationships" xmlns:p="http://schemas.openxmlformats.org/presentationml/2006/main">
+  <p:cSld>
+    <p:spTree>
+      <p:nvGrpSpPr>
+        <p:cNvPr id="1" name="">
+          <a:extLst>
+            <a:ext uri="{FF2B5EF4-FFF2-40B4-BE49-F238E27FC236}">
               <a16:creationId xmlns:a16="http://schemas.microsoft.com/office/drawing/2014/main" id="{6EB2B178-9BF2-6FE4-71B1-D08940B7CF5A}"/>
             </a:ext>
           </a:extLst>
@@ -721,7 +854,7 @@
           <a:p>
             <a:fld id="{1300335D-9F13-4B80-ADC5-B0EA3E10FF6B}" type="slidenum">
               <a:rPr lang="en-US" smtClean="0"/>
-              <a:t>21</a:t>
+              <a:t>22</a:t>
             </a:fld>
             <a:endParaRPr lang="en-US"/>
           </a:p>
@@ -740,7 +873,7 @@
 </p:notes>
 </file>
 
-<file path=ppt/notesSlides/notesSlide11.xml><?xml version="1.0" encoding="utf-8"?>
+<file path=ppt/notesSlides/notesSlide12.xml><?xml version="1.0" encoding="utf-8"?>
 <p:notes xmlns:a="http://schemas.openxmlformats.org/drawingml/2006/main" xmlns:r="http://schemas.openxmlformats.org/officeDocument/2006/relationships" xmlns:p="http://schemas.openxmlformats.org/presentationml/2006/main">
   <p:cSld>
     <p:spTree>
@@ -853,7 +986,7 @@
           <a:p>
             <a:fld id="{1300335D-9F13-4B80-ADC5-B0EA3E10FF6B}" type="slidenum">
               <a:rPr lang="en-US" smtClean="0"/>
-              <a:t>22</a:t>
+              <a:t>23</a:t>
             </a:fld>
             <a:endParaRPr lang="en-US"/>
           </a:p>
@@ -985,7 +1118,13 @@
   <p:cSld>
     <p:spTree>
       <p:nvGrpSpPr>
-        <p:cNvPr id="1" name=""/>
+        <p:cNvPr id="1" name="">
+          <a:extLst>
+            <a:ext uri="{FF2B5EF4-FFF2-40B4-BE49-F238E27FC236}">
+              <a16:creationId xmlns:a16="http://schemas.microsoft.com/office/drawing/2014/main" id="{DBC72745-20C1-E1E0-B745-E3536DDC2E89}"/>
+            </a:ext>
+          </a:extLst>
+        </p:cNvPr>
         <p:cNvGrpSpPr/>
         <p:nvPr/>
       </p:nvGrpSpPr>
@@ -999,7 +1138,13 @@
       </p:grpSpPr>
       <p:sp>
         <p:nvSpPr>
-          <p:cNvPr id="2" name="Slide Image Placeholder 1"/>
+          <p:cNvPr id="2" name="Slide Image Placeholder 1">
+            <a:extLst>
+              <a:ext uri="{FF2B5EF4-FFF2-40B4-BE49-F238E27FC236}">
+                <a16:creationId xmlns:a16="http://schemas.microsoft.com/office/drawing/2014/main" id="{053BB3DA-A1A8-64D1-71C7-14F517D05BDE}"/>
+              </a:ext>
+            </a:extLst>
+          </p:cNvPr>
           <p:cNvSpPr>
             <a:spLocks noGrp="1" noRot="1" noChangeAspect="1"/>
           </p:cNvSpPr>
@@ -1011,7 +1156,13 @@
       </p:sp>
       <p:sp>
         <p:nvSpPr>
-          <p:cNvPr id="3" name="Notes Placeholder 2"/>
+          <p:cNvPr id="3" name="Notes Placeholder 2">
+            <a:extLst>
+              <a:ext uri="{FF2B5EF4-FFF2-40B4-BE49-F238E27FC236}">
+                <a16:creationId xmlns:a16="http://schemas.microsoft.com/office/drawing/2014/main" id="{D70E1DF0-7987-5DF6-EB19-7E92F40D1AB6}"/>
+              </a:ext>
+            </a:extLst>
+          </p:cNvPr>
           <p:cNvSpPr>
             <a:spLocks noGrp="1"/>
           </p:cNvSpPr>
@@ -1054,7 +1205,13 @@
       </p:sp>
       <p:sp>
         <p:nvSpPr>
-          <p:cNvPr id="4" name="Slide Number Placeholder 3"/>
+          <p:cNvPr id="4" name="Slide Number Placeholder 3">
+            <a:extLst>
+              <a:ext uri="{FF2B5EF4-FFF2-40B4-BE49-F238E27FC236}">
+                <a16:creationId xmlns:a16="http://schemas.microsoft.com/office/drawing/2014/main" id="{F538EEE6-A66E-65DD-F057-829E6BA3E891}"/>
+              </a:ext>
+            </a:extLst>
+          </p:cNvPr>
           <p:cNvSpPr>
             <a:spLocks noGrp="1"/>
           </p:cNvSpPr>
@@ -1069,7 +1226,7 @@
           <a:p>
             <a:fld id="{1300335D-9F13-4B80-ADC5-B0EA3E10FF6B}" type="slidenum">
               <a:rPr lang="en-US" smtClean="0"/>
-              <a:t>10</a:t>
+              <a:t>8</a:t>
             </a:fld>
             <a:endParaRPr lang="en-US"/>
           </a:p>
@@ -1078,7 +1235,7 @@
     </p:spTree>
     <p:extLst>
       <p:ext uri="{BB962C8B-B14F-4D97-AF65-F5344CB8AC3E}">
-        <p14:creationId xmlns:p14="http://schemas.microsoft.com/office/powerpoint/2010/main" val="1500510141"/>
+        <p14:creationId xmlns:p14="http://schemas.microsoft.com/office/powerpoint/2010/main" val="2906957019"/>
       </p:ext>
     </p:extLst>
   </p:cSld>
@@ -1186,6 +1343,114 @@
     </p:spTree>
     <p:extLst>
       <p:ext uri="{BB962C8B-B14F-4D97-AF65-F5344CB8AC3E}">
+        <p14:creationId xmlns:p14="http://schemas.microsoft.com/office/powerpoint/2010/main" val="1500510141"/>
+      </p:ext>
+    </p:extLst>
+  </p:cSld>
+  <p:clrMapOvr>
+    <a:masterClrMapping/>
+  </p:clrMapOvr>
+</p:notes>
+</file>
+
+<file path=ppt/notesSlides/notesSlide5.xml><?xml version="1.0" encoding="utf-8"?>
+<p:notes xmlns:a="http://schemas.openxmlformats.org/drawingml/2006/main" xmlns:r="http://schemas.openxmlformats.org/officeDocument/2006/relationships" xmlns:p="http://schemas.openxmlformats.org/presentationml/2006/main">
+  <p:cSld>
+    <p:spTree>
+      <p:nvGrpSpPr>
+        <p:cNvPr id="1" name=""/>
+        <p:cNvGrpSpPr/>
+        <p:nvPr/>
+      </p:nvGrpSpPr>
+      <p:grpSpPr>
+        <a:xfrm>
+          <a:off x="0" y="0"/>
+          <a:ext cx="0" cy="0"/>
+          <a:chOff x="0" y="0"/>
+          <a:chExt cx="0" cy="0"/>
+        </a:xfrm>
+      </p:grpSpPr>
+      <p:sp>
+        <p:nvSpPr>
+          <p:cNvPr id="2" name="Slide Image Placeholder 1"/>
+          <p:cNvSpPr>
+            <a:spLocks noGrp="1" noRot="1" noChangeAspect="1"/>
+          </p:cNvSpPr>
+          <p:nvPr>
+            <p:ph type="sldImg"/>
+          </p:nvPr>
+        </p:nvSpPr>
+        <p:spPr/>
+      </p:sp>
+      <p:sp>
+        <p:nvSpPr>
+          <p:cNvPr id="3" name="Notes Placeholder 2"/>
+          <p:cNvSpPr>
+            <a:spLocks noGrp="1"/>
+          </p:cNvSpPr>
+          <p:nvPr>
+            <p:ph type="body" idx="1"/>
+          </p:nvPr>
+        </p:nvSpPr>
+        <p:spPr/>
+        <p:txBody>
+          <a:bodyPr/>
+          <a:lstStyle/>
+          <a:p>
+            <a:pPr marL="228600" indent="-228600">
+              <a:buAutoNum type="arabicPeriod"/>
+            </a:pPr>
+            <a:r>
+              <a:rPr lang="en-US" dirty="0"/>
+              <a:t>False!</a:t>
+            </a:r>
+          </a:p>
+          <a:p>
+            <a:pPr marL="228600" indent="-228600">
+              <a:buAutoNum type="arabicPeriod"/>
+            </a:pPr>
+            <a:r>
+              <a:rPr lang="en-US" dirty="0"/>
+              <a:t>Function, Formula, Function</a:t>
+            </a:r>
+          </a:p>
+          <a:p>
+            <a:pPr marL="228600" indent="-228600">
+              <a:buAutoNum type="arabicPeriod"/>
+            </a:pPr>
+            <a:r>
+              <a:rPr lang="en-US" dirty="0"/>
+              <a:t>Argument</a:t>
+            </a:r>
+          </a:p>
+        </p:txBody>
+      </p:sp>
+      <p:sp>
+        <p:nvSpPr>
+          <p:cNvPr id="4" name="Slide Number Placeholder 3"/>
+          <p:cNvSpPr>
+            <a:spLocks noGrp="1"/>
+          </p:cNvSpPr>
+          <p:nvPr>
+            <p:ph type="sldNum" sz="quarter" idx="5"/>
+          </p:nvPr>
+        </p:nvSpPr>
+        <p:spPr/>
+        <p:txBody>
+          <a:bodyPr/>
+          <a:lstStyle/>
+          <a:p>
+            <a:fld id="{1300335D-9F13-4B80-ADC5-B0EA3E10FF6B}" type="slidenum">
+              <a:rPr lang="en-US" smtClean="0"/>
+              <a:t>12</a:t>
+            </a:fld>
+            <a:endParaRPr lang="en-US"/>
+          </a:p>
+        </p:txBody>
+      </p:sp>
+    </p:spTree>
+    <p:extLst>
+      <p:ext uri="{BB962C8B-B14F-4D97-AF65-F5344CB8AC3E}">
         <p14:creationId xmlns:p14="http://schemas.microsoft.com/office/powerpoint/2010/main" val="377014208"/>
       </p:ext>
     </p:extLst>
@@ -1196,7 +1461,7 @@
 </p:notes>
 </file>
 
-<file path=ppt/notesSlides/notesSlide5.xml><?xml version="1.0" encoding="utf-8"?>
+<file path=ppt/notesSlides/notesSlide6.xml><?xml version="1.0" encoding="utf-8"?>
 <p:notes xmlns:a="http://schemas.openxmlformats.org/drawingml/2006/main" xmlns:r="http://schemas.openxmlformats.org/officeDocument/2006/relationships" xmlns:p="http://schemas.openxmlformats.org/presentationml/2006/main">
   <p:cSld>
     <p:spTree>
@@ -1309,7 +1574,7 @@
           <a:p>
             <a:fld id="{1300335D-9F13-4B80-ADC5-B0EA3E10FF6B}" type="slidenum">
               <a:rPr lang="en-US" smtClean="0"/>
-              <a:t>12</a:t>
+              <a:t>13</a:t>
             </a:fld>
             <a:endParaRPr lang="en-US"/>
           </a:p>
@@ -1328,7 +1593,7 @@
 </p:notes>
 </file>
 
-<file path=ppt/notesSlides/notesSlide6.xml><?xml version="1.0" encoding="utf-8"?>
+<file path=ppt/notesSlides/notesSlide7.xml><?xml version="1.0" encoding="utf-8"?>
 <p:notes xmlns:a="http://schemas.openxmlformats.org/drawingml/2006/main" xmlns:r="http://schemas.openxmlformats.org/officeDocument/2006/relationships" xmlns:p="http://schemas.openxmlformats.org/presentationml/2006/main">
   <p:cSld>
     <p:spTree>
@@ -1441,7 +1706,7 @@
           <a:p>
             <a:fld id="{1300335D-9F13-4B80-ADC5-B0EA3E10FF6B}" type="slidenum">
               <a:rPr lang="en-US" smtClean="0"/>
-              <a:t>13</a:t>
+              <a:t>14</a:t>
             </a:fld>
             <a:endParaRPr lang="en-US"/>
           </a:p>
@@ -1451,114 +1716,6 @@
     <p:extLst>
       <p:ext uri="{BB962C8B-B14F-4D97-AF65-F5344CB8AC3E}">
         <p14:creationId xmlns:p14="http://schemas.microsoft.com/office/powerpoint/2010/main" val="3412467687"/>
-      </p:ext>
-    </p:extLst>
-  </p:cSld>
-  <p:clrMapOvr>
-    <a:masterClrMapping/>
-  </p:clrMapOvr>
-</p:notes>
-</file>
-
-<file path=ppt/notesSlides/notesSlide7.xml><?xml version="1.0" encoding="utf-8"?>
-<p:notes xmlns:a="http://schemas.openxmlformats.org/drawingml/2006/main" xmlns:r="http://schemas.openxmlformats.org/officeDocument/2006/relationships" xmlns:p="http://schemas.openxmlformats.org/presentationml/2006/main">
-  <p:cSld>
-    <p:spTree>
-      <p:nvGrpSpPr>
-        <p:cNvPr id="1" name=""/>
-        <p:cNvGrpSpPr/>
-        <p:nvPr/>
-      </p:nvGrpSpPr>
-      <p:grpSpPr>
-        <a:xfrm>
-          <a:off x="0" y="0"/>
-          <a:ext cx="0" cy="0"/>
-          <a:chOff x="0" y="0"/>
-          <a:chExt cx="0" cy="0"/>
-        </a:xfrm>
-      </p:grpSpPr>
-      <p:sp>
-        <p:nvSpPr>
-          <p:cNvPr id="2" name="Slide Image Placeholder 1"/>
-          <p:cNvSpPr>
-            <a:spLocks noGrp="1" noRot="1" noChangeAspect="1"/>
-          </p:cNvSpPr>
-          <p:nvPr>
-            <p:ph type="sldImg"/>
-          </p:nvPr>
-        </p:nvSpPr>
-        <p:spPr/>
-      </p:sp>
-      <p:sp>
-        <p:nvSpPr>
-          <p:cNvPr id="3" name="Notes Placeholder 2"/>
-          <p:cNvSpPr>
-            <a:spLocks noGrp="1"/>
-          </p:cNvSpPr>
-          <p:nvPr>
-            <p:ph type="body" idx="1"/>
-          </p:nvPr>
-        </p:nvSpPr>
-        <p:spPr/>
-        <p:txBody>
-          <a:bodyPr/>
-          <a:lstStyle/>
-          <a:p>
-            <a:pPr marL="228600" indent="-228600">
-              <a:buAutoNum type="arabicPeriod"/>
-            </a:pPr>
-            <a:r>
-              <a:rPr lang="en-US" dirty="0"/>
-              <a:t>False!</a:t>
-            </a:r>
-          </a:p>
-          <a:p>
-            <a:pPr marL="228600" indent="-228600">
-              <a:buAutoNum type="arabicPeriod"/>
-            </a:pPr>
-            <a:r>
-              <a:rPr lang="en-US" dirty="0"/>
-              <a:t>Function, Formula, Function</a:t>
-            </a:r>
-          </a:p>
-          <a:p>
-            <a:pPr marL="228600" indent="-228600">
-              <a:buAutoNum type="arabicPeriod"/>
-            </a:pPr>
-            <a:r>
-              <a:rPr lang="en-US" dirty="0"/>
-              <a:t>Argument</a:t>
-            </a:r>
-          </a:p>
-        </p:txBody>
-      </p:sp>
-      <p:sp>
-        <p:nvSpPr>
-          <p:cNvPr id="4" name="Slide Number Placeholder 3"/>
-          <p:cNvSpPr>
-            <a:spLocks noGrp="1"/>
-          </p:cNvSpPr>
-          <p:nvPr>
-            <p:ph type="sldNum" sz="quarter" idx="5"/>
-          </p:nvPr>
-        </p:nvSpPr>
-        <p:spPr/>
-        <p:txBody>
-          <a:bodyPr/>
-          <a:lstStyle/>
-          <a:p>
-            <a:fld id="{1300335D-9F13-4B80-ADC5-B0EA3E10FF6B}" type="slidenum">
-              <a:rPr lang="en-US" smtClean="0"/>
-              <a:t>16</a:t>
-            </a:fld>
-            <a:endParaRPr lang="en-US"/>
-          </a:p>
-        </p:txBody>
-      </p:sp>
-    </p:spTree>
-    <p:extLst>
-      <p:ext uri="{BB962C8B-B14F-4D97-AF65-F5344CB8AC3E}">
-        <p14:creationId xmlns:p14="http://schemas.microsoft.com/office/powerpoint/2010/main" val="2338108748"/>
       </p:ext>
     </p:extLst>
   </p:cSld>
@@ -1666,7 +1823,7 @@
     </p:spTree>
     <p:extLst>
       <p:ext uri="{BB962C8B-B14F-4D97-AF65-F5344CB8AC3E}">
-        <p14:creationId xmlns:p14="http://schemas.microsoft.com/office/powerpoint/2010/main" val="3885482516"/>
+        <p14:creationId xmlns:p14="http://schemas.microsoft.com/office/powerpoint/2010/main" val="2338108748"/>
       </p:ext>
     </p:extLst>
   </p:cSld>
@@ -1681,13 +1838,7 @@
   <p:cSld>
     <p:spTree>
       <p:nvGrpSpPr>
-        <p:cNvPr id="1" name="">
-          <a:extLst>
-            <a:ext uri="{FF2B5EF4-FFF2-40B4-BE49-F238E27FC236}">
-              <a16:creationId xmlns:a16="http://schemas.microsoft.com/office/drawing/2014/main" id="{C5EB07CB-F821-6FB4-504B-18E965356C12}"/>
-            </a:ext>
-          </a:extLst>
-        </p:cNvPr>
+        <p:cNvPr id="1" name=""/>
         <p:cNvGrpSpPr/>
         <p:nvPr/>
       </p:nvGrpSpPr>
@@ -1701,13 +1852,7 @@
       </p:grpSpPr>
       <p:sp>
         <p:nvSpPr>
-          <p:cNvPr id="2" name="Slide Image Placeholder 1">
-            <a:extLst>
-              <a:ext uri="{FF2B5EF4-FFF2-40B4-BE49-F238E27FC236}">
-                <a16:creationId xmlns:a16="http://schemas.microsoft.com/office/drawing/2014/main" id="{897D5398-4244-A9DA-3ECC-2EF32CEB134C}"/>
-              </a:ext>
-            </a:extLst>
-          </p:cNvPr>
+          <p:cNvPr id="2" name="Slide Image Placeholder 1"/>
           <p:cNvSpPr>
             <a:spLocks noGrp="1" noRot="1" noChangeAspect="1"/>
           </p:cNvSpPr>
@@ -1719,13 +1864,7 @@
       </p:sp>
       <p:sp>
         <p:nvSpPr>
-          <p:cNvPr id="3" name="Notes Placeholder 2">
-            <a:extLst>
-              <a:ext uri="{FF2B5EF4-FFF2-40B4-BE49-F238E27FC236}">
-                <a16:creationId xmlns:a16="http://schemas.microsoft.com/office/drawing/2014/main" id="{1E9B10CA-058E-BD6C-9BAE-E38604E28A20}"/>
-              </a:ext>
-            </a:extLst>
-          </p:cNvPr>
+          <p:cNvPr id="3" name="Notes Placeholder 2"/>
           <p:cNvSpPr>
             <a:spLocks noGrp="1"/>
           </p:cNvSpPr>
@@ -1768,13 +1907,7 @@
       </p:sp>
       <p:sp>
         <p:nvSpPr>
-          <p:cNvPr id="4" name="Slide Number Placeholder 3">
-            <a:extLst>
-              <a:ext uri="{FF2B5EF4-FFF2-40B4-BE49-F238E27FC236}">
-                <a16:creationId xmlns:a16="http://schemas.microsoft.com/office/drawing/2014/main" id="{802F1B72-8B6B-0B77-346D-7D3F89D3CCDC}"/>
-              </a:ext>
-            </a:extLst>
-          </p:cNvPr>
+          <p:cNvPr id="4" name="Slide Number Placeholder 3"/>
           <p:cNvSpPr>
             <a:spLocks noGrp="1"/>
           </p:cNvSpPr>
@@ -1789,7 +1922,7 @@
           <a:p>
             <a:fld id="{1300335D-9F13-4B80-ADC5-B0EA3E10FF6B}" type="slidenum">
               <a:rPr lang="en-US" smtClean="0"/>
-              <a:t>20</a:t>
+              <a:t>18</a:t>
             </a:fld>
             <a:endParaRPr lang="en-US"/>
           </a:p>
@@ -1798,7 +1931,7 @@
     </p:spTree>
     <p:extLst>
       <p:ext uri="{BB962C8B-B14F-4D97-AF65-F5344CB8AC3E}">
-        <p14:creationId xmlns:p14="http://schemas.microsoft.com/office/powerpoint/2010/main" val="1487323375"/>
+        <p14:creationId xmlns:p14="http://schemas.microsoft.com/office/powerpoint/2010/main" val="3885482516"/>
       </p:ext>
     </p:extLst>
   </p:cSld>
@@ -4905,8 +5038,8 @@
         </p:nvSpPr>
         <p:spPr>
           <a:xfrm>
-            <a:off x="9861630" y="0"/>
-            <a:ext cx="8426370" cy="10287000"/>
+            <a:off x="0" y="0"/>
+            <a:ext cx="18288000" cy="10287000"/>
           </a:xfrm>
           <a:prstGeom prst="rect">
             <a:avLst/>
@@ -4943,45 +5076,16 @@
           </a:p>
         </p:txBody>
       </p:sp>
-      <p:pic>
-        <p:nvPicPr>
-          <p:cNvPr id="2" name="Picture 1"/>
-          <p:cNvPicPr>
-            <a:picLocks noChangeAspect="1"/>
-          </p:cNvPicPr>
+      <p:sp>
+        <p:nvSpPr>
+          <p:cNvPr id="5" name="TextBox 4"/>
+          <p:cNvSpPr txBox="1"/>
           <p:nvPr/>
-        </p:nvPicPr>
-        <p:blipFill rotWithShape="1">
-          <a:blip r:embed="rId3">
-            <a:extLst>
-              <a:ext uri="{28A0092B-C50C-407E-A947-70E740481C1C}">
-                <a14:useLocalDpi xmlns:a14="http://schemas.microsoft.com/office/drawing/2010/main" val="0"/>
-              </a:ext>
-            </a:extLst>
-          </a:blip>
-          <a:srcRect l="69227" t="33418" r="20112" b="50548"/>
-          <a:stretch/>
-        </p:blipFill>
+        </p:nvSpPr>
         <p:spPr>
           <a:xfrm>
-            <a:off x="15579524" y="7544693"/>
-            <a:ext cx="2708477" cy="2987579"/>
-          </a:xfrm>
-          <a:prstGeom prst="rect">
-            <a:avLst/>
-          </a:prstGeom>
-        </p:spPr>
-      </p:pic>
-      <p:sp>
-        <p:nvSpPr>
-          <p:cNvPr id="3" name="TextBox 2"/>
-          <p:cNvSpPr txBox="1"/>
-          <p:nvPr/>
-        </p:nvSpPr>
-        <p:spPr>
-          <a:xfrm>
-            <a:off x="260431" y="329879"/>
-            <a:ext cx="8906720" cy="10234084"/>
+            <a:off x="781292" y="590309"/>
+            <a:ext cx="15486926" cy="3139321"/>
           </a:xfrm>
           <a:prstGeom prst="rect">
             <a:avLst/>
@@ -4995,178 +5099,21 @@
           <a:lstStyle/>
           <a:p>
             <a:r>
-              <a:rPr lang="en-US" sz="6000" b="1" dirty="0">
-                <a:solidFill>
-                  <a:srgbClr val="CF3338"/>
-                </a:solidFill>
-                <a:latin typeface="Pragmatica" panose="020B0403040502020204" pitchFamily="34" charset="0"/>
-              </a:rPr>
-              <a:t>From “that’s hard in Excel” to “that’s easy in Python” analysis</a:t>
-            </a:r>
-          </a:p>
-          <a:p>
-            <a:endParaRPr lang="en-US" sz="4200" dirty="0">
-              <a:solidFill>
-                <a:srgbClr val="CF3338"/>
-              </a:solidFill>
-              <a:latin typeface="Pragmatica" panose="020B0403040502020204" pitchFamily="34" charset="0"/>
-            </a:endParaRPr>
-          </a:p>
-          <a:p>
-            <a:pPr marL="685800" indent="-542925">
-              <a:lnSpc>
-                <a:spcPct val="115000"/>
-              </a:lnSpc>
-              <a:spcBef>
-                <a:spcPts val="1125"/>
-              </a:spcBef>
-              <a:buClr>
-                <a:srgbClr val="C00000"/>
-              </a:buClr>
-              <a:buSzPts val="2100"/>
-              <a:buFont typeface="Arial"/>
-              <a:buAutoNum type="arabicPeriod"/>
-            </a:pPr>
-            <a:r>
-              <a:rPr lang="en-US" sz="3600" dirty="0">
-                <a:solidFill>
-                  <a:srgbClr val="C00000"/>
-                </a:solidFill>
-                <a:latin typeface="Pragmatica" panose="020B0403040502020204"/>
-                <a:sym typeface="Consolas"/>
-              </a:rPr>
-              <a:t>Data profiling: What is the shape, size, completeness?</a:t>
-            </a:r>
-          </a:p>
-          <a:p>
-            <a:pPr marL="685800" indent="-542925">
-              <a:lnSpc>
-                <a:spcPct val="115000"/>
-              </a:lnSpc>
-              <a:spcBef>
-                <a:spcPts val="1125"/>
-              </a:spcBef>
-              <a:buClr>
-                <a:srgbClr val="C00000"/>
-              </a:buClr>
-              <a:buSzPts val="2100"/>
-              <a:buFont typeface="Arial"/>
-              <a:buAutoNum type="arabicPeriod"/>
-            </a:pPr>
-            <a:r>
-              <a:rPr lang="en-US" sz="3600" dirty="0">
-                <a:solidFill>
-                  <a:srgbClr val="C00000"/>
-                </a:solidFill>
-                <a:latin typeface="Pragmatica" panose="020B0403040502020204"/>
-                <a:sym typeface="Consolas"/>
-              </a:rPr>
-              <a:t>Time series: pandas for panel data</a:t>
-            </a:r>
-          </a:p>
-          <a:p>
-            <a:pPr marL="685800" indent="-542925">
-              <a:lnSpc>
-                <a:spcPct val="115000"/>
-              </a:lnSpc>
-              <a:spcBef>
-                <a:spcPts val="1125"/>
-              </a:spcBef>
-              <a:buClr>
-                <a:srgbClr val="C00000"/>
-              </a:buClr>
-              <a:buSzPts val="2100"/>
-              <a:buFont typeface="Arial"/>
-              <a:buAutoNum type="arabicPeriod"/>
-            </a:pPr>
-            <a:r>
-              <a:rPr lang="en-US" sz="3600" dirty="0">
-                <a:solidFill>
-                  <a:srgbClr val="C00000"/>
-                </a:solidFill>
-                <a:latin typeface="Pragmatica" panose="020B0403040502020204"/>
-                <a:sym typeface="Consolas"/>
-              </a:rPr>
-              <a:t>Descriptive statistics/EDA: What stories might be told in this data? </a:t>
-            </a:r>
-          </a:p>
-          <a:p>
-            <a:pPr marL="685800" indent="-542925">
-              <a:lnSpc>
-                <a:spcPct val="115000"/>
-              </a:lnSpc>
-              <a:spcBef>
-                <a:spcPts val="1125"/>
-              </a:spcBef>
-              <a:buClr>
-                <a:srgbClr val="C00000"/>
-              </a:buClr>
-              <a:buSzPts val="2100"/>
-              <a:buFont typeface="Arial"/>
-              <a:buAutoNum type="arabicPeriod"/>
-            </a:pPr>
-            <a:endParaRPr lang="en-US" sz="3600" dirty="0">
-              <a:solidFill>
-                <a:srgbClr val="C00000"/>
-              </a:solidFill>
-              <a:latin typeface="Pragmatica" panose="020B0403040502020204"/>
-              <a:sym typeface="Consolas"/>
-            </a:endParaRPr>
-          </a:p>
-          <a:p>
-            <a:pPr marL="142875">
-              <a:lnSpc>
-                <a:spcPct val="115000"/>
-              </a:lnSpc>
-              <a:spcBef>
-                <a:spcPts val="1125"/>
-              </a:spcBef>
-              <a:buClr>
-                <a:srgbClr val="C00000"/>
-              </a:buClr>
-              <a:buSzPts val="2100"/>
-            </a:pPr>
-            <a:r>
-              <a:rPr lang="en-US" sz="3600" dirty="0">
-                <a:solidFill>
-                  <a:srgbClr val="C00000"/>
-                </a:solidFill>
-                <a:latin typeface="Pragmatica" panose="020B0403040502020204"/>
-                <a:sym typeface="Consolas"/>
-              </a:rPr>
-              <a:t>File: </a:t>
-            </a:r>
-            <a:r>
-              <a:rPr lang="en-US" sz="3600" dirty="0">
-                <a:solidFill>
-                  <a:srgbClr val="C00000"/>
-                </a:solidFill>
-                <a:latin typeface="Consolas" panose="020B0609020204030204" pitchFamily="49" charset="0"/>
-                <a:sym typeface="Consolas"/>
-              </a:rPr>
-              <a:t>hard-excel-easy-python-analysis.xlsx</a:t>
-            </a:r>
-            <a:endParaRPr lang="en-US" sz="6000" dirty="0">
-              <a:solidFill>
-                <a:srgbClr val="CF3338"/>
-              </a:solidFill>
-              <a:latin typeface="Consolas" panose="020B0609020204030204" pitchFamily="49" charset="0"/>
-            </a:endParaRPr>
-          </a:p>
-          <a:p>
-            <a:endParaRPr lang="en-US" sz="6000" dirty="0">
-              <a:solidFill>
-                <a:srgbClr val="CF3338"/>
-              </a:solidFill>
-              <a:latin typeface="Pragmatica" panose="020B0403040502020204" pitchFamily="34" charset="0"/>
-            </a:endParaRPr>
+              <a:rPr lang="en-US" sz="9900" b="1" dirty="0">
+                <a:solidFill>
+                  <a:schemeClr val="bg1"/>
+                </a:solidFill>
+                <a:latin typeface="Normafixed Tryout" panose="00000409000000000000" pitchFamily="49" charset="0"/>
+              </a:rPr>
+              <a:t>2. From “that’s hard in Excel” to “that’s easy in Python”</a:t>
+            </a:r>
           </a:p>
         </p:txBody>
       </p:sp>
     </p:spTree>
     <p:extLst>
       <p:ext uri="{BB962C8B-B14F-4D97-AF65-F5344CB8AC3E}">
-        <p14:creationId xmlns:p14="http://schemas.microsoft.com/office/powerpoint/2010/main" val="2505051360"/>
+        <p14:creationId xmlns:p14="http://schemas.microsoft.com/office/powerpoint/2010/main" val="2491588467"/>
       </p:ext>
     </p:extLst>
   </p:cSld>
@@ -5277,7 +5224,7 @@
         <p:spPr>
           <a:xfrm>
             <a:off x="260431" y="329879"/>
-            <a:ext cx="8906720" cy="8950655"/>
+            <a:ext cx="8906720" cy="10234084"/>
           </a:xfrm>
           <a:prstGeom prst="rect">
             <a:avLst/>
@@ -5297,11 +5244,19 @@
                 </a:solidFill>
                 <a:latin typeface="Pragmatica" panose="020B0403040502020204" pitchFamily="34" charset="0"/>
               </a:rPr>
-              <a:t>From “that’s hard in Excel” to “that’s easy in Python” analysis EXERCISE</a:t>
-            </a:r>
-          </a:p>
-          <a:p>
-            <a:pPr marL="142875">
+              <a:t>From “that’s hard in Excel” to “that’s easy in Python” analysis</a:t>
+            </a:r>
+          </a:p>
+          <a:p>
+            <a:endParaRPr lang="en-US" sz="4200" dirty="0">
+              <a:solidFill>
+                <a:srgbClr val="CF3338"/>
+              </a:solidFill>
+              <a:latin typeface="Pragmatica" panose="020B0403040502020204" pitchFamily="34" charset="0"/>
+            </a:endParaRPr>
+          </a:p>
+          <a:p>
+            <a:pPr marL="685800" indent="-542925">
               <a:lnSpc>
                 <a:spcPct val="115000"/>
               </a:lnSpc>
@@ -5312,17 +5267,22 @@
                 <a:srgbClr val="C00000"/>
               </a:buClr>
               <a:buSzPts val="2100"/>
+              <a:buFont typeface="Arial"/>
+              <a:buAutoNum type="arabicPeriod"/>
             </a:pPr>
-            <a:endParaRPr lang="en-US" sz="3600" dirty="0">
-              <a:solidFill>
-                <a:srgbClr val="C00000"/>
-              </a:solidFill>
-              <a:latin typeface="Pragmatica" panose="020B0403040502020204"/>
-              <a:sym typeface="Consolas"/>
-            </a:endParaRPr>
-          </a:p>
-          <a:p>
-            <a:pPr marL="714375" indent="-571500">
+            <a:r>
+              <a:rPr lang="en-US" sz="3600" dirty="0">
+                <a:solidFill>
+                  <a:srgbClr val="C00000"/>
+                </a:solidFill>
+                <a:latin typeface="Pragmatica" panose="020B0403040502020204"/>
+                <a:sym typeface="Consolas"/>
+              </a:rPr>
+              <a:t>Data profiling: What is the shape, size, completeness?</a:t>
+            </a:r>
+          </a:p>
+          <a:p>
+            <a:pPr marL="685800" indent="-542925">
               <a:lnSpc>
                 <a:spcPct val="115000"/>
               </a:lnSpc>
@@ -5333,8 +5293,8 @@
                 <a:srgbClr val="C00000"/>
               </a:buClr>
               <a:buSzPts val="2100"/>
-              <a:buFont typeface="Arial" panose="020B0604020202020204" pitchFamily="34" charset="0"/>
-              <a:buChar char="•"/>
+              <a:buFont typeface="Arial"/>
+              <a:buAutoNum type="arabicPeriod"/>
             </a:pPr>
             <a:r>
               <a:rPr lang="en-US" sz="3600" dirty="0">
@@ -5344,11 +5304,11 @@
                 <a:latin typeface="Pragmatica" panose="020B0403040502020204"/>
                 <a:sym typeface="Consolas"/>
               </a:rPr>
-              <a:t>Explore relationship between sales, temperature, customer count over time</a:t>
-            </a:r>
-          </a:p>
-          <a:p>
-            <a:pPr marL="714375" indent="-571500">
+              <a:t>Time series: pandas for panel data</a:t>
+            </a:r>
+          </a:p>
+          <a:p>
+            <a:pPr marL="685800" indent="-542925">
               <a:lnSpc>
                 <a:spcPct val="115000"/>
               </a:lnSpc>
@@ -5359,8 +5319,8 @@
                 <a:srgbClr val="C00000"/>
               </a:buClr>
               <a:buSzPts val="2100"/>
-              <a:buFont typeface="Arial" panose="020B0604020202020204" pitchFamily="34" charset="0"/>
-              <a:buChar char="•"/>
+              <a:buFont typeface="Arial"/>
+              <a:buAutoNum type="arabicPeriod"/>
             </a:pPr>
             <a:r>
               <a:rPr lang="en-US" sz="3600" dirty="0">
@@ -5370,7 +5330,7 @@
                 <a:latin typeface="Pragmatica" panose="020B0403040502020204"/>
                 <a:sym typeface="Consolas"/>
               </a:rPr>
-              <a:t>Fill in the blanks to complete the code</a:t>
+              <a:t>Descriptive statistics/EDA: What stories might be told in this data? </a:t>
             </a:r>
           </a:p>
           <a:p>
@@ -5427,6 +5387,289 @@
                 <a:latin typeface="Consolas" panose="020B0609020204030204" pitchFamily="49" charset="0"/>
                 <a:sym typeface="Consolas"/>
               </a:rPr>
+              <a:t>hard-excel-easy-python-analysis.xlsx</a:t>
+            </a:r>
+            <a:endParaRPr lang="en-US" sz="6000" dirty="0">
+              <a:solidFill>
+                <a:srgbClr val="CF3338"/>
+              </a:solidFill>
+              <a:latin typeface="Consolas" panose="020B0609020204030204" pitchFamily="49" charset="0"/>
+            </a:endParaRPr>
+          </a:p>
+          <a:p>
+            <a:endParaRPr lang="en-US" sz="6000" dirty="0">
+              <a:solidFill>
+                <a:srgbClr val="CF3338"/>
+              </a:solidFill>
+              <a:latin typeface="Pragmatica" panose="020B0403040502020204" pitchFamily="34" charset="0"/>
+            </a:endParaRPr>
+          </a:p>
+        </p:txBody>
+      </p:sp>
+    </p:spTree>
+    <p:extLst>
+      <p:ext uri="{BB962C8B-B14F-4D97-AF65-F5344CB8AC3E}">
+        <p14:creationId xmlns:p14="http://schemas.microsoft.com/office/powerpoint/2010/main" val="2505051360"/>
+      </p:ext>
+    </p:extLst>
+  </p:cSld>
+  <p:clrMapOvr>
+    <a:masterClrMapping/>
+  </p:clrMapOvr>
+</p:sld>
+</file>
+
+<file path=ppt/slides/slide12.xml><?xml version="1.0" encoding="utf-8"?>
+<p:sld xmlns:a="http://schemas.openxmlformats.org/drawingml/2006/main" xmlns:r="http://schemas.openxmlformats.org/officeDocument/2006/relationships" xmlns:p="http://schemas.openxmlformats.org/presentationml/2006/main">
+  <p:cSld>
+    <p:spTree>
+      <p:nvGrpSpPr>
+        <p:cNvPr id="1" name=""/>
+        <p:cNvGrpSpPr/>
+        <p:nvPr/>
+      </p:nvGrpSpPr>
+      <p:grpSpPr>
+        <a:xfrm>
+          <a:off x="0" y="0"/>
+          <a:ext cx="0" cy="0"/>
+          <a:chOff x="0" y="0"/>
+          <a:chExt cx="0" cy="0"/>
+        </a:xfrm>
+      </p:grpSpPr>
+      <p:sp>
+        <p:nvSpPr>
+          <p:cNvPr id="4" name="Rectangle 3"/>
+          <p:cNvSpPr/>
+          <p:nvPr/>
+        </p:nvSpPr>
+        <p:spPr>
+          <a:xfrm>
+            <a:off x="9861630" y="0"/>
+            <a:ext cx="8426370" cy="10287000"/>
+          </a:xfrm>
+          <a:prstGeom prst="rect">
+            <a:avLst/>
+          </a:prstGeom>
+          <a:solidFill>
+            <a:srgbClr val="CF3338"/>
+          </a:solidFill>
+          <a:ln>
+            <a:noFill/>
+          </a:ln>
+        </p:spPr>
+        <p:style>
+          <a:lnRef idx="2">
+            <a:schemeClr val="accent1">
+              <a:shade val="50000"/>
+            </a:schemeClr>
+          </a:lnRef>
+          <a:fillRef idx="1">
+            <a:schemeClr val="accent1"/>
+          </a:fillRef>
+          <a:effectRef idx="0">
+            <a:schemeClr val="accent1"/>
+          </a:effectRef>
+          <a:fontRef idx="minor">
+            <a:schemeClr val="lt1"/>
+          </a:fontRef>
+        </p:style>
+        <p:txBody>
+          <a:bodyPr rtlCol="0" anchor="ctr"/>
+          <a:lstStyle/>
+          <a:p>
+            <a:pPr algn="ctr"/>
+            <a:endParaRPr lang="en-US" sz="2700"/>
+          </a:p>
+        </p:txBody>
+      </p:sp>
+      <p:pic>
+        <p:nvPicPr>
+          <p:cNvPr id="2" name="Picture 1"/>
+          <p:cNvPicPr>
+            <a:picLocks noChangeAspect="1"/>
+          </p:cNvPicPr>
+          <p:nvPr/>
+        </p:nvPicPr>
+        <p:blipFill rotWithShape="1">
+          <a:blip r:embed="rId3">
+            <a:extLst>
+              <a:ext uri="{28A0092B-C50C-407E-A947-70E740481C1C}">
+                <a14:useLocalDpi xmlns:a14="http://schemas.microsoft.com/office/drawing/2010/main" val="0"/>
+              </a:ext>
+            </a:extLst>
+          </a:blip>
+          <a:srcRect l="69227" t="33418" r="20112" b="50548"/>
+          <a:stretch/>
+        </p:blipFill>
+        <p:spPr>
+          <a:xfrm>
+            <a:off x="15579524" y="7544693"/>
+            <a:ext cx="2708477" cy="2987579"/>
+          </a:xfrm>
+          <a:prstGeom prst="rect">
+            <a:avLst/>
+          </a:prstGeom>
+        </p:spPr>
+      </p:pic>
+      <p:sp>
+        <p:nvSpPr>
+          <p:cNvPr id="3" name="TextBox 2"/>
+          <p:cNvSpPr txBox="1"/>
+          <p:nvPr/>
+        </p:nvSpPr>
+        <p:spPr>
+          <a:xfrm>
+            <a:off x="260431" y="329879"/>
+            <a:ext cx="8906720" cy="8950655"/>
+          </a:xfrm>
+          <a:prstGeom prst="rect">
+            <a:avLst/>
+          </a:prstGeom>
+          <a:noFill/>
+        </p:spPr>
+        <p:txBody>
+          <a:bodyPr wrap="square" rtlCol="0">
+            <a:spAutoFit/>
+          </a:bodyPr>
+          <a:lstStyle/>
+          <a:p>
+            <a:r>
+              <a:rPr lang="en-US" sz="6000" b="1" dirty="0">
+                <a:solidFill>
+                  <a:srgbClr val="CF3338"/>
+                </a:solidFill>
+                <a:latin typeface="Pragmatica" panose="020B0403040502020204" pitchFamily="34" charset="0"/>
+              </a:rPr>
+              <a:t>From “that’s hard in Excel” to “that’s easy in Python” analysis EXERCISE</a:t>
+            </a:r>
+          </a:p>
+          <a:p>
+            <a:pPr marL="142875">
+              <a:lnSpc>
+                <a:spcPct val="115000"/>
+              </a:lnSpc>
+              <a:spcBef>
+                <a:spcPts val="1125"/>
+              </a:spcBef>
+              <a:buClr>
+                <a:srgbClr val="C00000"/>
+              </a:buClr>
+              <a:buSzPts val="2100"/>
+            </a:pPr>
+            <a:endParaRPr lang="en-US" sz="3600" dirty="0">
+              <a:solidFill>
+                <a:srgbClr val="C00000"/>
+              </a:solidFill>
+              <a:latin typeface="Pragmatica" panose="020B0403040502020204"/>
+              <a:sym typeface="Consolas"/>
+            </a:endParaRPr>
+          </a:p>
+          <a:p>
+            <a:pPr marL="714375" indent="-571500">
+              <a:lnSpc>
+                <a:spcPct val="115000"/>
+              </a:lnSpc>
+              <a:spcBef>
+                <a:spcPts val="1125"/>
+              </a:spcBef>
+              <a:buClr>
+                <a:srgbClr val="C00000"/>
+              </a:buClr>
+              <a:buSzPts val="2100"/>
+              <a:buFont typeface="Arial" panose="020B0604020202020204" pitchFamily="34" charset="0"/>
+              <a:buChar char="•"/>
+            </a:pPr>
+            <a:r>
+              <a:rPr lang="en-US" sz="3600" dirty="0">
+                <a:solidFill>
+                  <a:srgbClr val="C00000"/>
+                </a:solidFill>
+                <a:latin typeface="Pragmatica" panose="020B0403040502020204"/>
+                <a:sym typeface="Consolas"/>
+              </a:rPr>
+              <a:t>Explore relationship between sales, temperature, customer count over time</a:t>
+            </a:r>
+          </a:p>
+          <a:p>
+            <a:pPr marL="714375" indent="-571500">
+              <a:lnSpc>
+                <a:spcPct val="115000"/>
+              </a:lnSpc>
+              <a:spcBef>
+                <a:spcPts val="1125"/>
+              </a:spcBef>
+              <a:buClr>
+                <a:srgbClr val="C00000"/>
+              </a:buClr>
+              <a:buSzPts val="2100"/>
+              <a:buFont typeface="Arial" panose="020B0604020202020204" pitchFamily="34" charset="0"/>
+              <a:buChar char="•"/>
+            </a:pPr>
+            <a:r>
+              <a:rPr lang="en-US" sz="3600" dirty="0">
+                <a:solidFill>
+                  <a:srgbClr val="C00000"/>
+                </a:solidFill>
+                <a:latin typeface="Pragmatica" panose="020B0403040502020204"/>
+                <a:sym typeface="Consolas"/>
+              </a:rPr>
+              <a:t>Fill in the blanks to complete the code</a:t>
+            </a:r>
+          </a:p>
+          <a:p>
+            <a:pPr marL="685800" indent="-542925">
+              <a:lnSpc>
+                <a:spcPct val="115000"/>
+              </a:lnSpc>
+              <a:spcBef>
+                <a:spcPts val="1125"/>
+              </a:spcBef>
+              <a:buClr>
+                <a:srgbClr val="C00000"/>
+              </a:buClr>
+              <a:buSzPts val="2100"/>
+              <a:buFont typeface="Arial"/>
+              <a:buAutoNum type="arabicPeriod"/>
+            </a:pPr>
+            <a:endParaRPr lang="en-US" sz="3600" dirty="0">
+              <a:solidFill>
+                <a:srgbClr val="C00000"/>
+              </a:solidFill>
+              <a:latin typeface="Pragmatica" panose="020B0403040502020204"/>
+              <a:sym typeface="Consolas"/>
+            </a:endParaRPr>
+          </a:p>
+          <a:p>
+            <a:pPr marL="142875">
+              <a:lnSpc>
+                <a:spcPct val="115000"/>
+              </a:lnSpc>
+              <a:spcBef>
+                <a:spcPts val="1125"/>
+              </a:spcBef>
+              <a:buClr>
+                <a:srgbClr val="C00000"/>
+              </a:buClr>
+              <a:buSzPts val="2100"/>
+            </a:pPr>
+            <a:r>
+              <a:rPr lang="en-US" sz="3600" dirty="0">
+                <a:solidFill>
+                  <a:srgbClr val="C00000"/>
+                </a:solidFill>
+                <a:latin typeface="Pragmatica" panose="020B0403040502020204"/>
+                <a:sym typeface="Consolas"/>
+              </a:rPr>
+              <a:t>File: </a:t>
+            </a:r>
+            <a:r>
+              <a:rPr lang="en-US" sz="3600" dirty="0">
+                <a:solidFill>
+                  <a:srgbClr val="C00000"/>
+                </a:solidFill>
+                <a:latin typeface="Consolas" panose="020B0609020204030204" pitchFamily="49" charset="0"/>
+                <a:sym typeface="Consolas"/>
+              </a:rPr>
               <a:t>hard-excel-easy-python-analysis-exercise.xlsx</a:t>
             </a:r>
             <a:endParaRPr lang="en-US" sz="6000" dirty="0">
@@ -5459,7 +5702,7 @@
 </p:sld>
 </file>
 
-<file path=ppt/slides/slide12.xml><?xml version="1.0" encoding="utf-8"?>
+<file path=ppt/slides/slide13.xml><?xml version="1.0" encoding="utf-8"?>
 <p:sld xmlns:a="http://schemas.openxmlformats.org/drawingml/2006/main" xmlns:r="http://schemas.openxmlformats.org/officeDocument/2006/relationships" xmlns:p="http://schemas.openxmlformats.org/presentationml/2006/main">
   <p:cSld>
     <p:spTree>
@@ -5799,7 +6042,7 @@
 </p:sld>
 </file>
 
-<file path=ppt/slides/slide13.xml><?xml version="1.0" encoding="utf-8"?>
+<file path=ppt/slides/slide14.xml><?xml version="1.0" encoding="utf-8"?>
 <p:sld xmlns:a="http://schemas.openxmlformats.org/drawingml/2006/main" xmlns:r="http://schemas.openxmlformats.org/officeDocument/2006/relationships" xmlns:p="http://schemas.openxmlformats.org/presentationml/2006/main">
   <p:cSld>
     <p:spTree>
@@ -6106,7 +6349,7 @@
 </p:sld>
 </file>
 
-<file path=ppt/slides/slide14.xml><?xml version="1.0" encoding="utf-8"?>
+<file path=ppt/slides/slide15.xml><?xml version="1.0" encoding="utf-8"?>
 <p:sld xmlns:a="http://schemas.openxmlformats.org/drawingml/2006/main" xmlns:r="http://schemas.openxmlformats.org/officeDocument/2006/relationships" xmlns:p="http://schemas.openxmlformats.org/presentationml/2006/main">
   <p:cSld>
     <p:spTree>
@@ -6264,7 +6507,7 @@
 </p:sld>
 </file>
 
-<file path=ppt/slides/slide15.xml><?xml version="1.0" encoding="utf-8"?>
+<file path=ppt/slides/slide16.xml><?xml version="1.0" encoding="utf-8"?>
 <p:sld xmlns:a="http://schemas.openxmlformats.org/drawingml/2006/main" xmlns:r="http://schemas.openxmlformats.org/officeDocument/2006/relationships" xmlns:p="http://schemas.openxmlformats.org/presentationml/2006/main">
   <p:cSld>
     <p:spTree>
@@ -6410,7 +6653,7 @@
 </p:sld>
 </file>
 
-<file path=ppt/slides/slide16.xml><?xml version="1.0" encoding="utf-8"?>
+<file path=ppt/slides/slide17.xml><?xml version="1.0" encoding="utf-8"?>
 <p:sld xmlns:a="http://schemas.openxmlformats.org/drawingml/2006/main" xmlns:r="http://schemas.openxmlformats.org/officeDocument/2006/relationships" xmlns:p="http://schemas.openxmlformats.org/presentationml/2006/main">
   <p:cSld>
     <p:spTree>
@@ -6742,7 +6985,7 @@
 </p:sld>
 </file>
 
-<file path=ppt/slides/slide17.xml><?xml version="1.0" encoding="utf-8"?>
+<file path=ppt/slides/slide18.xml><?xml version="1.0" encoding="utf-8"?>
 <p:sld xmlns:a="http://schemas.openxmlformats.org/drawingml/2006/main" xmlns:r="http://schemas.openxmlformats.org/officeDocument/2006/relationships" xmlns:p="http://schemas.openxmlformats.org/presentationml/2006/main">
   <p:cSld>
     <p:spTree>
@@ -7081,7 +7324,7 @@
 </p:sld>
 </file>
 
-<file path=ppt/slides/slide18.xml><?xml version="1.0" encoding="utf-8"?>
+<file path=ppt/slides/slide19.xml><?xml version="1.0" encoding="utf-8"?>
 <p:sld xmlns:a="http://schemas.openxmlformats.org/drawingml/2006/main" xmlns:r="http://schemas.openxmlformats.org/officeDocument/2006/relationships" xmlns:p="http://schemas.openxmlformats.org/presentationml/2006/main">
   <p:cSld>
     <p:spTree>
@@ -7230,134 +7473,6 @@
     <p:extLst>
       <p:ext uri="{BB962C8B-B14F-4D97-AF65-F5344CB8AC3E}">
         <p14:creationId xmlns:p14="http://schemas.microsoft.com/office/powerpoint/2010/main" val="59831101"/>
-      </p:ext>
-    </p:extLst>
-  </p:cSld>
-  <p:clrMapOvr>
-    <a:masterClrMapping/>
-  </p:clrMapOvr>
-</p:sld>
-</file>
-
-<file path=ppt/slides/slide19.xml><?xml version="1.0" encoding="utf-8"?>
-<p:sld xmlns:a="http://schemas.openxmlformats.org/drawingml/2006/main" xmlns:r="http://schemas.openxmlformats.org/officeDocument/2006/relationships" xmlns:p="http://schemas.openxmlformats.org/presentationml/2006/main">
-  <p:cSld>
-    <p:spTree>
-      <p:nvGrpSpPr>
-        <p:cNvPr id="1" name="">
-          <a:extLst>
-            <a:ext uri="{FF2B5EF4-FFF2-40B4-BE49-F238E27FC236}">
-              <a16:creationId xmlns:a16="http://schemas.microsoft.com/office/drawing/2014/main" id="{E85323C9-D5F7-C820-78B9-E169BDF2311C}"/>
-            </a:ext>
-          </a:extLst>
-        </p:cNvPr>
-        <p:cNvGrpSpPr/>
-        <p:nvPr/>
-      </p:nvGrpSpPr>
-      <p:grpSpPr>
-        <a:xfrm>
-          <a:off x="0" y="0"/>
-          <a:ext cx="0" cy="0"/>
-          <a:chOff x="0" y="0"/>
-          <a:chExt cx="0" cy="0"/>
-        </a:xfrm>
-      </p:grpSpPr>
-      <p:sp>
-        <p:nvSpPr>
-          <p:cNvPr id="4" name="Rectangle 3">
-            <a:extLst>
-              <a:ext uri="{FF2B5EF4-FFF2-40B4-BE49-F238E27FC236}">
-                <a16:creationId xmlns:a16="http://schemas.microsoft.com/office/drawing/2014/main" id="{28971779-1F50-1702-DEC1-87CD482189F0}"/>
-              </a:ext>
-            </a:extLst>
-          </p:cNvPr>
-          <p:cNvSpPr/>
-          <p:nvPr/>
-        </p:nvSpPr>
-        <p:spPr>
-          <a:xfrm>
-            <a:off x="0" y="0"/>
-            <a:ext cx="18288000" cy="10287000"/>
-          </a:xfrm>
-          <a:prstGeom prst="rect">
-            <a:avLst/>
-          </a:prstGeom>
-          <a:solidFill>
-            <a:srgbClr val="CF3338"/>
-          </a:solidFill>
-          <a:ln>
-            <a:noFill/>
-          </a:ln>
-        </p:spPr>
-        <p:style>
-          <a:lnRef idx="2">
-            <a:schemeClr val="accent1">
-              <a:shade val="50000"/>
-            </a:schemeClr>
-          </a:lnRef>
-          <a:fillRef idx="1">
-            <a:schemeClr val="accent1"/>
-          </a:fillRef>
-          <a:effectRef idx="0">
-            <a:schemeClr val="accent1"/>
-          </a:effectRef>
-          <a:fontRef idx="minor">
-            <a:schemeClr val="lt1"/>
-          </a:fontRef>
-        </p:style>
-        <p:txBody>
-          <a:bodyPr rtlCol="0" anchor="ctr"/>
-          <a:lstStyle/>
-          <a:p>
-            <a:pPr algn="ctr"/>
-            <a:endParaRPr lang="en-US" sz="2700"/>
-          </a:p>
-        </p:txBody>
-      </p:sp>
-      <p:sp>
-        <p:nvSpPr>
-          <p:cNvPr id="5" name="TextBox 4">
-            <a:extLst>
-              <a:ext uri="{FF2B5EF4-FFF2-40B4-BE49-F238E27FC236}">
-                <a16:creationId xmlns:a16="http://schemas.microsoft.com/office/drawing/2014/main" id="{5ECC4C7B-C529-5329-03AC-796804551DC1}"/>
-              </a:ext>
-            </a:extLst>
-          </p:cNvPr>
-          <p:cNvSpPr txBox="1"/>
-          <p:nvPr/>
-        </p:nvSpPr>
-        <p:spPr>
-          <a:xfrm>
-            <a:off x="781292" y="590309"/>
-            <a:ext cx="15486926" cy="1615827"/>
-          </a:xfrm>
-          <a:prstGeom prst="rect">
-            <a:avLst/>
-          </a:prstGeom>
-          <a:noFill/>
-        </p:spPr>
-        <p:txBody>
-          <a:bodyPr wrap="square" rtlCol="0">
-            <a:spAutoFit/>
-          </a:bodyPr>
-          <a:lstStyle/>
-          <a:p>
-            <a:r>
-              <a:rPr lang="en-US" sz="9900" b="1" dirty="0">
-                <a:solidFill>
-                  <a:schemeClr val="bg1"/>
-                </a:solidFill>
-                <a:latin typeface="Normafixed Tryout" panose="00000409000000000000" pitchFamily="49" charset="0"/>
-              </a:rPr>
-              <a:t>4. Conclusion</a:t>
-            </a:r>
-          </a:p>
-        </p:txBody>
-      </p:sp>
-    </p:spTree>
-    <p:extLst>
-      <p:ext uri="{BB962C8B-B14F-4D97-AF65-F5344CB8AC3E}">
-        <p14:creationId xmlns:p14="http://schemas.microsoft.com/office/powerpoint/2010/main" val="358064314"/>
       </p:ext>
     </p:extLst>
   </p:cSld>
@@ -7662,6 +7777,134 @@
         <p:cNvPr id="1" name="">
           <a:extLst>
             <a:ext uri="{FF2B5EF4-FFF2-40B4-BE49-F238E27FC236}">
+              <a16:creationId xmlns:a16="http://schemas.microsoft.com/office/drawing/2014/main" id="{E85323C9-D5F7-C820-78B9-E169BDF2311C}"/>
+            </a:ext>
+          </a:extLst>
+        </p:cNvPr>
+        <p:cNvGrpSpPr/>
+        <p:nvPr/>
+      </p:nvGrpSpPr>
+      <p:grpSpPr>
+        <a:xfrm>
+          <a:off x="0" y="0"/>
+          <a:ext cx="0" cy="0"/>
+          <a:chOff x="0" y="0"/>
+          <a:chExt cx="0" cy="0"/>
+        </a:xfrm>
+      </p:grpSpPr>
+      <p:sp>
+        <p:nvSpPr>
+          <p:cNvPr id="4" name="Rectangle 3">
+            <a:extLst>
+              <a:ext uri="{FF2B5EF4-FFF2-40B4-BE49-F238E27FC236}">
+                <a16:creationId xmlns:a16="http://schemas.microsoft.com/office/drawing/2014/main" id="{28971779-1F50-1702-DEC1-87CD482189F0}"/>
+              </a:ext>
+            </a:extLst>
+          </p:cNvPr>
+          <p:cNvSpPr/>
+          <p:nvPr/>
+        </p:nvSpPr>
+        <p:spPr>
+          <a:xfrm>
+            <a:off x="0" y="0"/>
+            <a:ext cx="18288000" cy="10287000"/>
+          </a:xfrm>
+          <a:prstGeom prst="rect">
+            <a:avLst/>
+          </a:prstGeom>
+          <a:solidFill>
+            <a:srgbClr val="CF3338"/>
+          </a:solidFill>
+          <a:ln>
+            <a:noFill/>
+          </a:ln>
+        </p:spPr>
+        <p:style>
+          <a:lnRef idx="2">
+            <a:schemeClr val="accent1">
+              <a:shade val="50000"/>
+            </a:schemeClr>
+          </a:lnRef>
+          <a:fillRef idx="1">
+            <a:schemeClr val="accent1"/>
+          </a:fillRef>
+          <a:effectRef idx="0">
+            <a:schemeClr val="accent1"/>
+          </a:effectRef>
+          <a:fontRef idx="minor">
+            <a:schemeClr val="lt1"/>
+          </a:fontRef>
+        </p:style>
+        <p:txBody>
+          <a:bodyPr rtlCol="0" anchor="ctr"/>
+          <a:lstStyle/>
+          <a:p>
+            <a:pPr algn="ctr"/>
+            <a:endParaRPr lang="en-US" sz="2700"/>
+          </a:p>
+        </p:txBody>
+      </p:sp>
+      <p:sp>
+        <p:nvSpPr>
+          <p:cNvPr id="5" name="TextBox 4">
+            <a:extLst>
+              <a:ext uri="{FF2B5EF4-FFF2-40B4-BE49-F238E27FC236}">
+                <a16:creationId xmlns:a16="http://schemas.microsoft.com/office/drawing/2014/main" id="{5ECC4C7B-C529-5329-03AC-796804551DC1}"/>
+              </a:ext>
+            </a:extLst>
+          </p:cNvPr>
+          <p:cNvSpPr txBox="1"/>
+          <p:nvPr/>
+        </p:nvSpPr>
+        <p:spPr>
+          <a:xfrm>
+            <a:off x="781292" y="590309"/>
+            <a:ext cx="15486926" cy="1615827"/>
+          </a:xfrm>
+          <a:prstGeom prst="rect">
+            <a:avLst/>
+          </a:prstGeom>
+          <a:noFill/>
+        </p:spPr>
+        <p:txBody>
+          <a:bodyPr wrap="square" rtlCol="0">
+            <a:spAutoFit/>
+          </a:bodyPr>
+          <a:lstStyle/>
+          <a:p>
+            <a:r>
+              <a:rPr lang="en-US" sz="9900" b="1" dirty="0">
+                <a:solidFill>
+                  <a:schemeClr val="bg1"/>
+                </a:solidFill>
+                <a:latin typeface="Normafixed Tryout" panose="00000409000000000000" pitchFamily="49" charset="0"/>
+              </a:rPr>
+              <a:t>4. Conclusion</a:t>
+            </a:r>
+          </a:p>
+        </p:txBody>
+      </p:sp>
+    </p:spTree>
+    <p:extLst>
+      <p:ext uri="{BB962C8B-B14F-4D97-AF65-F5344CB8AC3E}">
+        <p14:creationId xmlns:p14="http://schemas.microsoft.com/office/powerpoint/2010/main" val="358064314"/>
+      </p:ext>
+    </p:extLst>
+  </p:cSld>
+  <p:clrMapOvr>
+    <a:masterClrMapping/>
+  </p:clrMapOvr>
+</p:sld>
+</file>
+
+<file path=ppt/slides/slide21.xml><?xml version="1.0" encoding="utf-8"?>
+<p:sld xmlns:a="http://schemas.openxmlformats.org/drawingml/2006/main" xmlns:r="http://schemas.openxmlformats.org/officeDocument/2006/relationships" xmlns:p="http://schemas.openxmlformats.org/presentationml/2006/main">
+  <p:cSld>
+    <p:spTree>
+      <p:nvGrpSpPr>
+        <p:cNvPr id="1" name="">
+          <a:extLst>
+            <a:ext uri="{FF2B5EF4-FFF2-40B4-BE49-F238E27FC236}">
               <a16:creationId xmlns:a16="http://schemas.microsoft.com/office/drawing/2014/main" id="{556CB9BC-ABA6-103A-715B-D3B9A4577CCE}"/>
             </a:ext>
           </a:extLst>
@@ -7936,7 +8179,7 @@
 </p:sld>
 </file>
 
-<file path=ppt/slides/slide21.xml><?xml version="1.0" encoding="utf-8"?>
+<file path=ppt/slides/slide22.xml><?xml version="1.0" encoding="utf-8"?>
 <p:sld xmlns:a="http://schemas.openxmlformats.org/drawingml/2006/main" xmlns:r="http://schemas.openxmlformats.org/officeDocument/2006/relationships" xmlns:p="http://schemas.openxmlformats.org/presentationml/2006/main">
   <p:cSld>
     <p:spTree>
@@ -8226,7 +8469,7 @@
 </p:sld>
 </file>
 
-<file path=ppt/slides/slide22.xml><?xml version="1.0" encoding="utf-8"?>
+<file path=ppt/slides/slide23.xml><?xml version="1.0" encoding="utf-8"?>
 <p:sld xmlns:a="http://schemas.openxmlformats.org/drawingml/2006/main" xmlns:r="http://schemas.openxmlformats.org/officeDocument/2006/relationships" xmlns:p="http://schemas.openxmlformats.org/presentationml/2006/main">
   <p:cSld>
     <p:spTree>
@@ -8431,7 +8674,7 @@
 </p:sld>
 </file>
 
-<file path=ppt/slides/slide23.xml><?xml version="1.0" encoding="utf-8"?>
+<file path=ppt/slides/slide24.xml><?xml version="1.0" encoding="utf-8"?>
 <p:sld xmlns:a="http://schemas.openxmlformats.org/drawingml/2006/main" xmlns:r="http://schemas.openxmlformats.org/officeDocument/2006/relationships" xmlns:p="http://schemas.openxmlformats.org/presentationml/2006/main">
   <p:cSld>
     <p:spTree>
@@ -9698,6 +9941,484 @@
   <p:cSld>
     <p:spTree>
       <p:nvGrpSpPr>
+        <p:cNvPr id="1" name="">
+          <a:extLst>
+            <a:ext uri="{FF2B5EF4-FFF2-40B4-BE49-F238E27FC236}">
+              <a16:creationId xmlns:a16="http://schemas.microsoft.com/office/drawing/2014/main" id="{41829F31-7D3D-8637-4364-EE44F333EBAD}"/>
+            </a:ext>
+          </a:extLst>
+        </p:cNvPr>
+        <p:cNvGrpSpPr/>
+        <p:nvPr/>
+      </p:nvGrpSpPr>
+      <p:grpSpPr>
+        <a:xfrm>
+          <a:off x="0" y="0"/>
+          <a:ext cx="0" cy="0"/>
+          <a:chOff x="0" y="0"/>
+          <a:chExt cx="0" cy="0"/>
+        </a:xfrm>
+      </p:grpSpPr>
+      <p:sp>
+        <p:nvSpPr>
+          <p:cNvPr id="4" name="Rectangle 3">
+            <a:extLst>
+              <a:ext uri="{FF2B5EF4-FFF2-40B4-BE49-F238E27FC236}">
+                <a16:creationId xmlns:a16="http://schemas.microsoft.com/office/drawing/2014/main" id="{D7651FB2-73C2-0D93-0184-282838D2F1A6}"/>
+              </a:ext>
+            </a:extLst>
+          </p:cNvPr>
+          <p:cNvSpPr/>
+          <p:nvPr/>
+        </p:nvSpPr>
+        <p:spPr>
+          <a:xfrm>
+            <a:off x="9861630" y="0"/>
+            <a:ext cx="8426370" cy="10287000"/>
+          </a:xfrm>
+          <a:prstGeom prst="rect">
+            <a:avLst/>
+          </a:prstGeom>
+          <a:solidFill>
+            <a:srgbClr val="CF3338"/>
+          </a:solidFill>
+          <a:ln>
+            <a:noFill/>
+          </a:ln>
+        </p:spPr>
+        <p:style>
+          <a:lnRef idx="2">
+            <a:schemeClr val="accent1">
+              <a:shade val="50000"/>
+            </a:schemeClr>
+          </a:lnRef>
+          <a:fillRef idx="1">
+            <a:schemeClr val="accent1"/>
+          </a:fillRef>
+          <a:effectRef idx="0">
+            <a:schemeClr val="accent1"/>
+          </a:effectRef>
+          <a:fontRef idx="minor">
+            <a:schemeClr val="lt1"/>
+          </a:fontRef>
+        </p:style>
+        <p:txBody>
+          <a:bodyPr rtlCol="0" anchor="ctr"/>
+          <a:lstStyle/>
+          <a:p>
+            <a:pPr algn="ctr"/>
+            <a:endParaRPr lang="en-US" sz="2700"/>
+          </a:p>
+        </p:txBody>
+      </p:sp>
+      <p:pic>
+        <p:nvPicPr>
+          <p:cNvPr id="2" name="Picture 1">
+            <a:extLst>
+              <a:ext uri="{FF2B5EF4-FFF2-40B4-BE49-F238E27FC236}">
+                <a16:creationId xmlns:a16="http://schemas.microsoft.com/office/drawing/2014/main" id="{FC2BD2E9-2ADF-A29E-F050-8566794C3873}"/>
+              </a:ext>
+            </a:extLst>
+          </p:cNvPr>
+          <p:cNvPicPr>
+            <a:picLocks noChangeAspect="1"/>
+          </p:cNvPicPr>
+          <p:nvPr/>
+        </p:nvPicPr>
+        <p:blipFill rotWithShape="1">
+          <a:blip r:embed="rId3">
+            <a:extLst>
+              <a:ext uri="{28A0092B-C50C-407E-A947-70E740481C1C}">
+                <a14:useLocalDpi xmlns:a14="http://schemas.microsoft.com/office/drawing/2010/main" val="0"/>
+              </a:ext>
+            </a:extLst>
+          </a:blip>
+          <a:srcRect l="69227" t="33418" r="20112" b="50548"/>
+          <a:stretch/>
+        </p:blipFill>
+        <p:spPr>
+          <a:xfrm>
+            <a:off x="15579524" y="7544693"/>
+            <a:ext cx="2708477" cy="2987579"/>
+          </a:xfrm>
+          <a:prstGeom prst="rect">
+            <a:avLst/>
+          </a:prstGeom>
+        </p:spPr>
+      </p:pic>
+      <p:sp>
+        <p:nvSpPr>
+          <p:cNvPr id="3" name="TextBox 2">
+            <a:extLst>
+              <a:ext uri="{FF2B5EF4-FFF2-40B4-BE49-F238E27FC236}">
+                <a16:creationId xmlns:a16="http://schemas.microsoft.com/office/drawing/2014/main" id="{A09F75D3-10EC-7243-1341-74B055CD36DD}"/>
+              </a:ext>
+            </a:extLst>
+          </p:cNvPr>
+          <p:cNvSpPr txBox="1"/>
+          <p:nvPr/>
+        </p:nvSpPr>
+        <p:spPr>
+          <a:xfrm>
+            <a:off x="260431" y="329879"/>
+            <a:ext cx="8906720" cy="10222286"/>
+          </a:xfrm>
+          <a:prstGeom prst="rect">
+            <a:avLst/>
+          </a:prstGeom>
+          <a:noFill/>
+        </p:spPr>
+        <p:txBody>
+          <a:bodyPr wrap="square" rtlCol="0">
+            <a:spAutoFit/>
+          </a:bodyPr>
+          <a:lstStyle/>
+          <a:p>
+            <a:r>
+              <a:rPr lang="en-US" sz="6000" b="1" dirty="0">
+                <a:solidFill>
+                  <a:srgbClr val="CF3338"/>
+                </a:solidFill>
+                <a:latin typeface="Pragmatica" panose="020B0403040502020204" pitchFamily="34" charset="0"/>
+              </a:rPr>
+              <a:t>Python in Excel: First </a:t>
+            </a:r>
+            <a:r>
+              <a:rPr lang="en-US" sz="6000" b="1">
+                <a:solidFill>
+                  <a:srgbClr val="CF3338"/>
+                </a:solidFill>
+                <a:latin typeface="Pragmatica" panose="020B0403040502020204" pitchFamily="34" charset="0"/>
+              </a:rPr>
+              <a:t>steps EXERCISE</a:t>
+            </a:r>
+            <a:endParaRPr lang="en-US" sz="4200" dirty="0">
+              <a:solidFill>
+                <a:srgbClr val="CF3338"/>
+              </a:solidFill>
+              <a:latin typeface="Pragmatica" panose="020B0403040502020204" pitchFamily="34" charset="0"/>
+            </a:endParaRPr>
+          </a:p>
+          <a:p>
+            <a:pPr marL="685800" indent="-542925">
+              <a:lnSpc>
+                <a:spcPct val="115000"/>
+              </a:lnSpc>
+              <a:spcBef>
+                <a:spcPts val="1125"/>
+              </a:spcBef>
+              <a:buClr>
+                <a:srgbClr val="C00000"/>
+              </a:buClr>
+              <a:buSzPts val="2100"/>
+              <a:buFont typeface="Arial"/>
+              <a:buAutoNum type="arabicPeriod"/>
+            </a:pPr>
+            <a:r>
+              <a:rPr lang="en-US" sz="3200" dirty="0">
+                <a:solidFill>
+                  <a:srgbClr val="C00000"/>
+                </a:solidFill>
+                <a:latin typeface="Pragmatica" panose="020B0403040502020204"/>
+                <a:sym typeface="Consolas"/>
+              </a:rPr>
+              <a:t>Load the penguins dataset into a </a:t>
+            </a:r>
+            <a:r>
+              <a:rPr lang="en-US" sz="3200" dirty="0" err="1">
+                <a:solidFill>
+                  <a:srgbClr val="C00000"/>
+                </a:solidFill>
+                <a:latin typeface="Pragmatica" panose="020B0403040502020204"/>
+                <a:sym typeface="Consolas"/>
+              </a:rPr>
+              <a:t>DataFrame</a:t>
+            </a:r>
+            <a:r>
+              <a:rPr lang="en-US" sz="3200" dirty="0">
+                <a:solidFill>
+                  <a:srgbClr val="C00000"/>
+                </a:solidFill>
+                <a:latin typeface="Pragmatica" panose="020B0403040502020204"/>
+                <a:sym typeface="Consolas"/>
+              </a:rPr>
+              <a:t> called </a:t>
+            </a:r>
+            <a:r>
+              <a:rPr lang="en-US" sz="3200" dirty="0" err="1">
+                <a:solidFill>
+                  <a:srgbClr val="C00000"/>
+                </a:solidFill>
+                <a:latin typeface="Consolas" panose="020B0609020204030204" pitchFamily="49" charset="0"/>
+                <a:sym typeface="Consolas"/>
+              </a:rPr>
+              <a:t>penguins_df</a:t>
+            </a:r>
+            <a:endParaRPr lang="en-US" sz="3200" dirty="0">
+              <a:solidFill>
+                <a:srgbClr val="C00000"/>
+              </a:solidFill>
+              <a:latin typeface="Consolas" panose="020B0609020204030204" pitchFamily="49" charset="0"/>
+              <a:sym typeface="Consolas"/>
+            </a:endParaRPr>
+          </a:p>
+          <a:p>
+            <a:pPr marL="685800" indent="-542925">
+              <a:lnSpc>
+                <a:spcPct val="115000"/>
+              </a:lnSpc>
+              <a:spcBef>
+                <a:spcPts val="1125"/>
+              </a:spcBef>
+              <a:buClr>
+                <a:srgbClr val="C00000"/>
+              </a:buClr>
+              <a:buSzPts val="2100"/>
+              <a:buFont typeface="Arial"/>
+              <a:buAutoNum type="arabicPeriod"/>
+            </a:pPr>
+            <a:r>
+              <a:rPr lang="en-US" sz="3200" dirty="0">
+                <a:solidFill>
+                  <a:srgbClr val="C00000"/>
+                </a:solidFill>
+                <a:latin typeface="Pragmatica" panose="020B0403040502020204"/>
+                <a:sym typeface="Consolas"/>
+              </a:rPr>
+              <a:t>Check the resulting dataset’s columns: run </a:t>
+            </a:r>
+            <a:r>
+              <a:rPr lang="en-US" sz="3200" dirty="0" err="1">
+                <a:solidFill>
+                  <a:srgbClr val="C00000"/>
+                </a:solidFill>
+                <a:latin typeface="Consolas" panose="020B0609020204030204" pitchFamily="49" charset="0"/>
+                <a:sym typeface="Consolas"/>
+              </a:rPr>
+              <a:t>penguins_df.columns</a:t>
+            </a:r>
+            <a:r>
+              <a:rPr lang="en-US" sz="3200" dirty="0">
+                <a:solidFill>
+                  <a:srgbClr val="C00000"/>
+                </a:solidFill>
+                <a:latin typeface="Consolas" panose="020B0609020204030204" pitchFamily="49" charset="0"/>
+                <a:sym typeface="Consolas"/>
+              </a:rPr>
+              <a:t>. </a:t>
+            </a:r>
+            <a:r>
+              <a:rPr lang="en-US" sz="3200" dirty="0" err="1">
+                <a:solidFill>
+                  <a:srgbClr val="C00000"/>
+                </a:solidFill>
+                <a:latin typeface="Pragmatica" panose="020B0403040502020204"/>
+                <a:sym typeface="Consolas"/>
+              </a:rPr>
+              <a:t>Swith</a:t>
+            </a:r>
+            <a:r>
+              <a:rPr lang="en-US" sz="3200" dirty="0">
+                <a:solidFill>
+                  <a:srgbClr val="C00000"/>
+                </a:solidFill>
+                <a:latin typeface="Pragmatica" panose="020B0403040502020204"/>
+                <a:sym typeface="Consolas"/>
+              </a:rPr>
+              <a:t> the output to display in Excel</a:t>
+            </a:r>
+            <a:endParaRPr lang="en-US" sz="3200" dirty="0">
+              <a:solidFill>
+                <a:srgbClr val="C00000"/>
+              </a:solidFill>
+              <a:latin typeface="Consolas" panose="020B0609020204030204" pitchFamily="49" charset="0"/>
+              <a:sym typeface="Consolas"/>
+            </a:endParaRPr>
+          </a:p>
+          <a:p>
+            <a:pPr marL="685800" indent="-542925">
+              <a:lnSpc>
+                <a:spcPct val="115000"/>
+              </a:lnSpc>
+              <a:spcBef>
+                <a:spcPts val="1125"/>
+              </a:spcBef>
+              <a:buClr>
+                <a:srgbClr val="C00000"/>
+              </a:buClr>
+              <a:buSzPts val="2100"/>
+              <a:buFont typeface="Arial"/>
+              <a:buAutoNum type="arabicPeriod"/>
+            </a:pPr>
+            <a:r>
+              <a:rPr lang="en-US" sz="3200" dirty="0">
+                <a:solidFill>
+                  <a:srgbClr val="C00000"/>
+                </a:solidFill>
+                <a:latin typeface="Pragmatica" panose="020B0403040502020204"/>
+                <a:sym typeface="Consolas"/>
+              </a:rPr>
+              <a:t>Visualize relationship b/w bill length and body mass: run </a:t>
+            </a:r>
+            <a:r>
+              <a:rPr lang="en-US" sz="3200" dirty="0" err="1">
+                <a:solidFill>
+                  <a:srgbClr val="C00000"/>
+                </a:solidFill>
+                <a:latin typeface="Consolas" panose="020B0609020204030204" pitchFamily="49" charset="0"/>
+                <a:sym typeface="Consolas"/>
+              </a:rPr>
+              <a:t>sns.scatterplot</a:t>
+            </a:r>
+            <a:r>
+              <a:rPr lang="en-US" sz="3200" dirty="0">
+                <a:solidFill>
+                  <a:srgbClr val="C00000"/>
+                </a:solidFill>
+                <a:latin typeface="Consolas" panose="020B0609020204030204" pitchFamily="49" charset="0"/>
+                <a:sym typeface="Consolas"/>
+              </a:rPr>
+              <a:t>(x='</a:t>
+            </a:r>
+            <a:r>
+              <a:rPr lang="en-US" sz="3200" dirty="0" err="1">
+                <a:solidFill>
+                  <a:srgbClr val="C00000"/>
+                </a:solidFill>
+                <a:latin typeface="Consolas" panose="020B0609020204030204" pitchFamily="49" charset="0"/>
+                <a:sym typeface="Consolas"/>
+              </a:rPr>
+              <a:t>bill_length_mm</a:t>
+            </a:r>
+            <a:r>
+              <a:rPr lang="en-US" sz="3200" dirty="0">
+                <a:solidFill>
+                  <a:srgbClr val="C00000"/>
+                </a:solidFill>
+                <a:latin typeface="Consolas" panose="020B0609020204030204" pitchFamily="49" charset="0"/>
+                <a:sym typeface="Consolas"/>
+              </a:rPr>
+              <a:t>', y='</a:t>
+            </a:r>
+            <a:r>
+              <a:rPr lang="en-US" sz="3200" dirty="0" err="1">
+                <a:solidFill>
+                  <a:srgbClr val="C00000"/>
+                </a:solidFill>
+                <a:latin typeface="Consolas" panose="020B0609020204030204" pitchFamily="49" charset="0"/>
+                <a:sym typeface="Consolas"/>
+              </a:rPr>
+              <a:t>body_mass_g</a:t>
+            </a:r>
+            <a:r>
+              <a:rPr lang="en-US" sz="3200" dirty="0">
+                <a:solidFill>
+                  <a:srgbClr val="C00000"/>
+                </a:solidFill>
+                <a:latin typeface="Consolas" panose="020B0609020204030204" pitchFamily="49" charset="0"/>
+                <a:sym typeface="Consolas"/>
+              </a:rPr>
+              <a:t>', data=</a:t>
+            </a:r>
+            <a:r>
+              <a:rPr lang="en-US" sz="3200" dirty="0" err="1">
+                <a:solidFill>
+                  <a:srgbClr val="C00000"/>
+                </a:solidFill>
+                <a:latin typeface="Consolas" panose="020B0609020204030204" pitchFamily="49" charset="0"/>
+                <a:sym typeface="Consolas"/>
+              </a:rPr>
+              <a:t>penguins_df</a:t>
+            </a:r>
+            <a:r>
+              <a:rPr lang="en-US" sz="3200" dirty="0">
+                <a:solidFill>
+                  <a:srgbClr val="C00000"/>
+                </a:solidFill>
+                <a:latin typeface="Consolas" panose="020B0609020204030204" pitchFamily="49" charset="0"/>
+                <a:sym typeface="Consolas"/>
+              </a:rPr>
+              <a:t>). </a:t>
+            </a:r>
+            <a:r>
+              <a:rPr lang="en-US" sz="3200" dirty="0">
+                <a:solidFill>
+                  <a:srgbClr val="C00000"/>
+                </a:solidFill>
+                <a:latin typeface="Pragmatica" panose="020B0403040502020204"/>
+                <a:sym typeface="Consolas"/>
+              </a:rPr>
+              <a:t>Practice resizing this plot.</a:t>
+            </a:r>
+          </a:p>
+          <a:p>
+            <a:pPr marL="142875">
+              <a:lnSpc>
+                <a:spcPct val="115000"/>
+              </a:lnSpc>
+              <a:spcBef>
+                <a:spcPts val="1125"/>
+              </a:spcBef>
+              <a:buClr>
+                <a:srgbClr val="C00000"/>
+              </a:buClr>
+              <a:buSzPts val="2100"/>
+            </a:pPr>
+            <a:r>
+              <a:rPr lang="en-US" sz="3200" dirty="0">
+                <a:solidFill>
+                  <a:srgbClr val="C00000"/>
+                </a:solidFill>
+                <a:latin typeface="Pragmatica" panose="020B0403040502020204"/>
+                <a:sym typeface="Consolas"/>
+              </a:rPr>
+              <a:t>File: </a:t>
+            </a:r>
+            <a:r>
+              <a:rPr lang="en-US" sz="3200" dirty="0">
+                <a:solidFill>
+                  <a:srgbClr val="C00000"/>
+                </a:solidFill>
+                <a:latin typeface="Consolas" panose="020B0609020204030204" pitchFamily="49" charset="0"/>
+                <a:sym typeface="Consolas"/>
+              </a:rPr>
+              <a:t>python-excel-first-steps-exercise.xlsx</a:t>
+            </a:r>
+            <a:endParaRPr lang="en-US" sz="5400" dirty="0">
+              <a:solidFill>
+                <a:srgbClr val="CF3338"/>
+              </a:solidFill>
+              <a:latin typeface="Consolas" panose="020B0609020204030204" pitchFamily="49" charset="0"/>
+            </a:endParaRPr>
+          </a:p>
+          <a:p>
+            <a:endParaRPr lang="en-US" sz="6000" dirty="0">
+              <a:solidFill>
+                <a:srgbClr val="CF3338"/>
+              </a:solidFill>
+              <a:latin typeface="Pragmatica" panose="020B0403040502020204" pitchFamily="34" charset="0"/>
+            </a:endParaRPr>
+          </a:p>
+        </p:txBody>
+      </p:sp>
+    </p:spTree>
+    <p:extLst>
+      <p:ext uri="{BB962C8B-B14F-4D97-AF65-F5344CB8AC3E}">
+        <p14:creationId xmlns:p14="http://schemas.microsoft.com/office/powerpoint/2010/main" val="1696137355"/>
+      </p:ext>
+    </p:extLst>
+  </p:cSld>
+  <p:clrMapOvr>
+    <a:masterClrMapping/>
+  </p:clrMapOvr>
+</p:sld>
+</file>
+
+<file path=ppt/slides/slide9.xml><?xml version="1.0" encoding="utf-8"?>
+<p:sld xmlns:a="http://schemas.openxmlformats.org/drawingml/2006/main" xmlns:r="http://schemas.openxmlformats.org/officeDocument/2006/relationships" xmlns:p="http://schemas.openxmlformats.org/presentationml/2006/main">
+  <p:cSld>
+    <p:spTree>
+      <p:nvGrpSpPr>
         <p:cNvPr id="1" name=""/>
         <p:cNvGrpSpPr/>
         <p:nvPr/>
@@ -9842,116 +10563,6 @@
     <p:extLst>
       <p:ext uri="{BB962C8B-B14F-4D97-AF65-F5344CB8AC3E}">
         <p14:creationId xmlns:p14="http://schemas.microsoft.com/office/powerpoint/2010/main" val="1689860732"/>
-      </p:ext>
-    </p:extLst>
-  </p:cSld>
-  <p:clrMapOvr>
-    <a:masterClrMapping/>
-  </p:clrMapOvr>
-</p:sld>
-</file>
-
-<file path=ppt/slides/slide9.xml><?xml version="1.0" encoding="utf-8"?>
-<p:sld xmlns:a="http://schemas.openxmlformats.org/drawingml/2006/main" xmlns:r="http://schemas.openxmlformats.org/officeDocument/2006/relationships" xmlns:p="http://schemas.openxmlformats.org/presentationml/2006/main">
-  <p:cSld>
-    <p:spTree>
-      <p:nvGrpSpPr>
-        <p:cNvPr id="1" name=""/>
-        <p:cNvGrpSpPr/>
-        <p:nvPr/>
-      </p:nvGrpSpPr>
-      <p:grpSpPr>
-        <a:xfrm>
-          <a:off x="0" y="0"/>
-          <a:ext cx="0" cy="0"/>
-          <a:chOff x="0" y="0"/>
-          <a:chExt cx="0" cy="0"/>
-        </a:xfrm>
-      </p:grpSpPr>
-      <p:sp>
-        <p:nvSpPr>
-          <p:cNvPr id="4" name="Rectangle 3"/>
-          <p:cNvSpPr/>
-          <p:nvPr/>
-        </p:nvSpPr>
-        <p:spPr>
-          <a:xfrm>
-            <a:off x="0" y="0"/>
-            <a:ext cx="18288000" cy="10287000"/>
-          </a:xfrm>
-          <a:prstGeom prst="rect">
-            <a:avLst/>
-          </a:prstGeom>
-          <a:solidFill>
-            <a:srgbClr val="CF3338"/>
-          </a:solidFill>
-          <a:ln>
-            <a:noFill/>
-          </a:ln>
-        </p:spPr>
-        <p:style>
-          <a:lnRef idx="2">
-            <a:schemeClr val="accent1">
-              <a:shade val="50000"/>
-            </a:schemeClr>
-          </a:lnRef>
-          <a:fillRef idx="1">
-            <a:schemeClr val="accent1"/>
-          </a:fillRef>
-          <a:effectRef idx="0">
-            <a:schemeClr val="accent1"/>
-          </a:effectRef>
-          <a:fontRef idx="minor">
-            <a:schemeClr val="lt1"/>
-          </a:fontRef>
-        </p:style>
-        <p:txBody>
-          <a:bodyPr rtlCol="0" anchor="ctr"/>
-          <a:lstStyle/>
-          <a:p>
-            <a:pPr algn="ctr"/>
-            <a:endParaRPr lang="en-US" sz="2700"/>
-          </a:p>
-        </p:txBody>
-      </p:sp>
-      <p:sp>
-        <p:nvSpPr>
-          <p:cNvPr id="5" name="TextBox 4"/>
-          <p:cNvSpPr txBox="1"/>
-          <p:nvPr/>
-        </p:nvSpPr>
-        <p:spPr>
-          <a:xfrm>
-            <a:off x="781292" y="590309"/>
-            <a:ext cx="15486926" cy="3139321"/>
-          </a:xfrm>
-          <a:prstGeom prst="rect">
-            <a:avLst/>
-          </a:prstGeom>
-          <a:noFill/>
-        </p:spPr>
-        <p:txBody>
-          <a:bodyPr wrap="square" rtlCol="0">
-            <a:spAutoFit/>
-          </a:bodyPr>
-          <a:lstStyle/>
-          <a:p>
-            <a:r>
-              <a:rPr lang="en-US" sz="9900" b="1" dirty="0">
-                <a:solidFill>
-                  <a:schemeClr val="bg1"/>
-                </a:solidFill>
-                <a:latin typeface="Normafixed Tryout" panose="00000409000000000000" pitchFamily="49" charset="0"/>
-              </a:rPr>
-              <a:t>2. From “that’s hard in Excel” to “that’s easy in Python”</a:t>
-            </a:r>
-          </a:p>
-        </p:txBody>
-      </p:sp>
-    </p:spTree>
-    <p:extLst>
-      <p:ext uri="{BB962C8B-B14F-4D97-AF65-F5344CB8AC3E}">
-        <p14:creationId xmlns:p14="http://schemas.microsoft.com/office/powerpoint/2010/main" val="2491588467"/>
       </p:ext>
     </p:extLst>
   </p:cSld>

--- a/python-powered-excel.pptx
+++ b/python-powered-excel.pptx
@@ -258,7 +258,7 @@
           <a:p>
             <a:fld id="{17A98A70-FA8C-4354-959C-C70678AC9BCF}" type="datetimeFigureOut">
               <a:rPr lang="en-US" smtClean="0"/>
-              <a:t>1/4/2024</a:t>
+              <a:t>3/28/2024</a:t>
             </a:fld>
             <a:endParaRPr lang="en-US"/>
           </a:p>
@@ -2121,7 +2121,7 @@
             <a:fld id="{1D8BD707-D9CF-40AE-B4C6-C98DA3205C09}" type="datetimeFigureOut">
               <a:rPr lang="en-US" smtClean="0"/>
               <a:pPr/>
-              <a:t>1/4/2024</a:t>
+              <a:t>3/28/2024</a:t>
             </a:fld>
             <a:endParaRPr lang="en-US"/>
           </a:p>
@@ -2286,7 +2286,7 @@
             <a:fld id="{1D8BD707-D9CF-40AE-B4C6-C98DA3205C09}" type="datetimeFigureOut">
               <a:rPr lang="en-US" smtClean="0"/>
               <a:pPr/>
-              <a:t>1/4/2024</a:t>
+              <a:t>3/28/2024</a:t>
             </a:fld>
             <a:endParaRPr lang="en-US"/>
           </a:p>
@@ -2461,7 +2461,7 @@
             <a:fld id="{1D8BD707-D9CF-40AE-B4C6-C98DA3205C09}" type="datetimeFigureOut">
               <a:rPr lang="en-US" smtClean="0"/>
               <a:pPr/>
-              <a:t>1/4/2024</a:t>
+              <a:t>3/28/2024</a:t>
             </a:fld>
             <a:endParaRPr lang="en-US"/>
           </a:p>
@@ -2626,7 +2626,7 @@
             <a:fld id="{1D8BD707-D9CF-40AE-B4C6-C98DA3205C09}" type="datetimeFigureOut">
               <a:rPr lang="en-US" smtClean="0"/>
               <a:pPr/>
-              <a:t>1/4/2024</a:t>
+              <a:t>3/28/2024</a:t>
             </a:fld>
             <a:endParaRPr lang="en-US"/>
           </a:p>
@@ -2868,7 +2868,7 @@
             <a:fld id="{1D8BD707-D9CF-40AE-B4C6-C98DA3205C09}" type="datetimeFigureOut">
               <a:rPr lang="en-US" smtClean="0"/>
               <a:pPr/>
-              <a:t>1/4/2024</a:t>
+              <a:t>3/28/2024</a:t>
             </a:fld>
             <a:endParaRPr lang="en-US"/>
           </a:p>
@@ -3150,7 +3150,7 @@
             <a:fld id="{1D8BD707-D9CF-40AE-B4C6-C98DA3205C09}" type="datetimeFigureOut">
               <a:rPr lang="en-US" smtClean="0"/>
               <a:pPr/>
-              <a:t>1/4/2024</a:t>
+              <a:t>3/28/2024</a:t>
             </a:fld>
             <a:endParaRPr lang="en-US"/>
           </a:p>
@@ -3566,7 +3566,7 @@
             <a:fld id="{1D8BD707-D9CF-40AE-B4C6-C98DA3205C09}" type="datetimeFigureOut">
               <a:rPr lang="en-US" smtClean="0"/>
               <a:pPr/>
-              <a:t>1/4/2024</a:t>
+              <a:t>3/28/2024</a:t>
             </a:fld>
             <a:endParaRPr lang="en-US"/>
           </a:p>
@@ -3680,7 +3680,7 @@
             <a:fld id="{1D8BD707-D9CF-40AE-B4C6-C98DA3205C09}" type="datetimeFigureOut">
               <a:rPr lang="en-US" smtClean="0"/>
               <a:pPr/>
-              <a:t>1/4/2024</a:t>
+              <a:t>3/28/2024</a:t>
             </a:fld>
             <a:endParaRPr lang="en-US"/>
           </a:p>
@@ -3772,7 +3772,7 @@
             <a:fld id="{1D8BD707-D9CF-40AE-B4C6-C98DA3205C09}" type="datetimeFigureOut">
               <a:rPr lang="en-US" smtClean="0"/>
               <a:pPr/>
-              <a:t>1/4/2024</a:t>
+              <a:t>3/28/2024</a:t>
             </a:fld>
             <a:endParaRPr lang="en-US"/>
           </a:p>
@@ -4044,7 +4044,7 @@
             <a:fld id="{1D8BD707-D9CF-40AE-B4C6-C98DA3205C09}" type="datetimeFigureOut">
               <a:rPr lang="en-US" smtClean="0"/>
               <a:pPr/>
-              <a:t>1/4/2024</a:t>
+              <a:t>3/28/2024</a:t>
             </a:fld>
             <a:endParaRPr lang="en-US"/>
           </a:p>
@@ -4293,7 +4293,7 @@
             <a:fld id="{1D8BD707-D9CF-40AE-B4C6-C98DA3205C09}" type="datetimeFigureOut">
               <a:rPr lang="en-US" smtClean="0"/>
               <a:pPr/>
-              <a:t>1/4/2024</a:t>
+              <a:t>3/28/2024</a:t>
             </a:fld>
             <a:endParaRPr lang="en-US"/>
           </a:p>
@@ -4506,7 +4506,7 @@
             <a:fld id="{1D8BD707-D9CF-40AE-B4C6-C98DA3205C09}" type="datetimeFigureOut">
               <a:rPr lang="en-US" smtClean="0"/>
               <a:pPr/>
-              <a:t>1/4/2024</a:t>
+              <a:t>3/28/2024</a:t>
             </a:fld>
             <a:endParaRPr lang="en-US"/>
           </a:p>
@@ -7608,8 +7608,8 @@
         </p:blipFill>
         <p:spPr bwMode="auto">
           <a:xfrm>
-            <a:off x="14060913" y="456356"/>
-            <a:ext cx="3646936" cy="4763344"/>
+            <a:off x="15461087" y="456356"/>
+            <a:ext cx="2246761" cy="2934544"/>
           </a:xfrm>
           <a:prstGeom prst="rect">
             <a:avLst/>
@@ -7740,6 +7740,53 @@
           <a:xfrm>
             <a:off x="1095268" y="8334375"/>
             <a:ext cx="4028188" cy="1615827"/>
+          </a:xfrm>
+          <a:prstGeom prst="rect">
+            <a:avLst/>
+          </a:prstGeom>
+          <a:noFill/>
+          <a:extLst>
+            <a:ext uri="{909E8E84-426E-40DD-AFC4-6F175D3DCCD1}">
+              <a14:hiddenFill xmlns:a14="http://schemas.microsoft.com/office/drawing/2010/main">
+                <a:solidFill>
+                  <a:srgbClr val="FFFFFF"/>
+                </a:solidFill>
+              </a14:hiddenFill>
+            </a:ext>
+          </a:extLst>
+        </p:spPr>
+      </p:pic>
+      <p:pic>
+        <p:nvPicPr>
+          <p:cNvPr id="2" name="Picture 2" descr="Modern data analytics in Excel book cover">
+            <a:extLst>
+              <a:ext uri="{FF2B5EF4-FFF2-40B4-BE49-F238E27FC236}">
+                <a16:creationId xmlns:a16="http://schemas.microsoft.com/office/drawing/2014/main" id="{7C823F27-E07D-C4F1-1455-EB2ABBB22C2E}"/>
+              </a:ext>
+            </a:extLst>
+          </p:cNvPr>
+          <p:cNvPicPr>
+            <a:picLocks noChangeAspect="1" noChangeArrowheads="1"/>
+          </p:cNvPicPr>
+          <p:nvPr/>
+        </p:nvPicPr>
+        <p:blipFill>
+          <a:blip r:embed="rId7">
+            <a:extLst>
+              <a:ext uri="{28A0092B-C50C-407E-A947-70E740481C1C}">
+                <a14:useLocalDpi xmlns:a14="http://schemas.microsoft.com/office/drawing/2010/main" val="0"/>
+              </a:ext>
+            </a:extLst>
+          </a:blip>
+          <a:srcRect/>
+          <a:stretch>
+            <a:fillRect/>
+          </a:stretch>
+        </p:blipFill>
+        <p:spPr bwMode="auto">
+          <a:xfrm>
+            <a:off x="13045846" y="3840640"/>
+            <a:ext cx="2400300" cy="3148013"/>
           </a:xfrm>
           <a:prstGeom prst="rect">
             <a:avLst/>
